--- a/Vue/母版.pptx
+++ b/Vue/母版.pptx
@@ -5,10 +5,36 @@
     <p:sldMasterId id="2147483648" r:id="rId1"/>
   </p:sldMasterIdLst>
   <p:handoutMasterIdLst>
-    <p:handoutMasterId r:id="rId3"/>
+    <p:handoutMasterId r:id="rId29"/>
   </p:handoutMasterIdLst>
   <p:sldIdLst>
     <p:sldId id="256" r:id="rId2"/>
+    <p:sldId id="257" r:id="rId3"/>
+    <p:sldId id="258" r:id="rId4"/>
+    <p:sldId id="259" r:id="rId5"/>
+    <p:sldId id="260" r:id="rId6"/>
+    <p:sldId id="261" r:id="rId7"/>
+    <p:sldId id="262" r:id="rId8"/>
+    <p:sldId id="263" r:id="rId9"/>
+    <p:sldId id="264" r:id="rId10"/>
+    <p:sldId id="267" r:id="rId11"/>
+    <p:sldId id="268" r:id="rId12"/>
+    <p:sldId id="269" r:id="rId13"/>
+    <p:sldId id="270" r:id="rId14"/>
+    <p:sldId id="271" r:id="rId15"/>
+    <p:sldId id="272" r:id="rId16"/>
+    <p:sldId id="276" r:id="rId17"/>
+    <p:sldId id="273" r:id="rId18"/>
+    <p:sldId id="274" r:id="rId19"/>
+    <p:sldId id="280" r:id="rId20"/>
+    <p:sldId id="275" r:id="rId21"/>
+    <p:sldId id="277" r:id="rId22"/>
+    <p:sldId id="278" r:id="rId23"/>
+    <p:sldId id="279" r:id="rId24"/>
+    <p:sldId id="281" r:id="rId25"/>
+    <p:sldId id="282" r:id="rId26"/>
+    <p:sldId id="283" r:id="rId27"/>
+    <p:sldId id="284" r:id="rId28"/>
   </p:sldIdLst>
   <p:sldSz cx="12192000" cy="6858000"/>
   <p:notesSz cx="6858000" cy="9144000"/>
@@ -212,7 +238,7 @@
           <a:p>
             <a:fld id="{BF2C732C-AFA6-4F90-A0E9-B142D0AE8612}" type="datetimeFigureOut">
               <a:rPr lang="zh-TW" altLang="en-US" smtClean="0"/>
-              <a:t>2025/2/4</a:t>
+              <a:t>2025/2/6</a:t>
             </a:fld>
             <a:endParaRPr lang="zh-TW" altLang="en-US"/>
           </a:p>
@@ -787,7 +813,7 @@
                 <a:cs typeface="Times New Roman"/>
                 <a:sym typeface="Times New Roman"/>
               </a:rPr>
-              <a:t>Vue02</a:t>
+              <a:t>Vue03</a:t>
             </a:r>
             <a:endParaRPr lang="en-US" sz="2400" baseline="0" dirty="0">
               <a:solidFill>
@@ -2981,6 +3007,7509 @@
     <p:extLst>
       <p:ext uri="{BB962C8B-B14F-4D97-AF65-F5344CB8AC3E}">
         <p14:creationId xmlns:p14="http://schemas.microsoft.com/office/powerpoint/2010/main" val="1225477531"/>
+      </p:ext>
+    </p:extLst>
+  </p:cSld>
+  <p:clrMapOvr>
+    <a:masterClrMapping/>
+  </p:clrMapOvr>
+</p:sld>
+</file>
+
+<file path=ppt/slides/slide10.xml><?xml version="1.0" encoding="utf-8"?>
+<p:sld xmlns:a="http://schemas.openxmlformats.org/drawingml/2006/main" xmlns:r="http://schemas.openxmlformats.org/officeDocument/2006/relationships" xmlns:p="http://schemas.openxmlformats.org/presentationml/2006/main">
+  <p:cSld>
+    <p:spTree>
+      <p:nvGrpSpPr>
+        <p:cNvPr id="1" name=""/>
+        <p:cNvGrpSpPr/>
+        <p:nvPr/>
+      </p:nvGrpSpPr>
+      <p:grpSpPr>
+        <a:xfrm>
+          <a:off x="0" y="0"/>
+          <a:ext cx="0" cy="0"/>
+          <a:chOff x="0" y="0"/>
+          <a:chExt cx="0" cy="0"/>
+        </a:xfrm>
+      </p:grpSpPr>
+      <p:sp>
+        <p:nvSpPr>
+          <p:cNvPr id="2" name="內容版面配置區 1">
+            <a:extLst>
+              <a:ext uri="{FF2B5EF4-FFF2-40B4-BE49-F238E27FC236}">
+                <a16:creationId xmlns:a16="http://schemas.microsoft.com/office/drawing/2014/main" id="{E3A8FD89-9332-453D-80FA-5BB8B65E08F2}"/>
+              </a:ext>
+            </a:extLst>
+          </p:cNvPr>
+          <p:cNvSpPr>
+            <a:spLocks noGrp="1"/>
+          </p:cNvSpPr>
+          <p:nvPr>
+            <p:ph sz="quarter" idx="12"/>
+          </p:nvPr>
+        </p:nvSpPr>
+        <p:spPr/>
+        <p:txBody>
+          <a:bodyPr/>
+          <a:lstStyle/>
+          <a:p>
+            <a:r>
+              <a:rPr lang="zh-TW" altLang="en-US" dirty="0"/>
+              <a:t>檔案：</a:t>
+            </a:r>
+            <a:r>
+              <a:rPr lang="en-US" altLang="zh-TW" dirty="0" err="1"/>
+              <a:t>vue</a:t>
+            </a:r>
+            <a:r>
+              <a:rPr lang="en-US" altLang="zh-TW" dirty="0"/>
+              <a:t>-project-router</a:t>
+            </a:r>
+          </a:p>
+          <a:p>
+            <a:r>
+              <a:rPr lang="en-US" altLang="zh-TW" dirty="0"/>
+              <a:t>STEP03</a:t>
+            </a:r>
+            <a:r>
+              <a:rPr lang="zh-TW" altLang="en-US" dirty="0"/>
+              <a:t>：建立</a:t>
+            </a:r>
+            <a:r>
+              <a:rPr lang="en-US" altLang="zh-TW" dirty="0"/>
+              <a:t>component </a:t>
+            </a:r>
+            <a:r>
+              <a:rPr lang="en-US" altLang="zh-TW" dirty="0" err="1"/>
+              <a:t>TeamPage.vue</a:t>
+            </a:r>
+            <a:endParaRPr lang="zh-TW" altLang="en-US" dirty="0"/>
+          </a:p>
+        </p:txBody>
+      </p:sp>
+      <p:sp>
+        <p:nvSpPr>
+          <p:cNvPr id="3" name="標題 2">
+            <a:extLst>
+              <a:ext uri="{FF2B5EF4-FFF2-40B4-BE49-F238E27FC236}">
+                <a16:creationId xmlns:a16="http://schemas.microsoft.com/office/drawing/2014/main" id="{D52E773E-8D10-4FB2-8719-8EAE4A8F0364}"/>
+              </a:ext>
+            </a:extLst>
+          </p:cNvPr>
+          <p:cNvSpPr>
+            <a:spLocks noGrp="1"/>
+          </p:cNvSpPr>
+          <p:nvPr>
+            <p:ph type="title"/>
+          </p:nvPr>
+        </p:nvSpPr>
+        <p:spPr/>
+        <p:txBody>
+          <a:bodyPr>
+            <a:normAutofit fontScale="90000"/>
+          </a:bodyPr>
+          <a:lstStyle/>
+          <a:p>
+            <a:r>
+              <a:rPr lang="en-US" altLang="zh-TW" dirty="0"/>
+              <a:t>Vue-</a:t>
+            </a:r>
+            <a:r>
+              <a:rPr lang="en-US" altLang="zh-TW" dirty="0" err="1"/>
+              <a:t>ruter</a:t>
+            </a:r>
+            <a:r>
+              <a:rPr lang="en-US" altLang="zh-TW" dirty="0"/>
+              <a:t>--</a:t>
+            </a:r>
+            <a:r>
+              <a:rPr lang="zh-TW" altLang="en-US" dirty="0"/>
+              <a:t>實作階段</a:t>
+            </a:r>
+          </a:p>
+        </p:txBody>
+      </p:sp>
+      <p:sp>
+        <p:nvSpPr>
+          <p:cNvPr id="4" name="文字版面配置區 3">
+            <a:extLst>
+              <a:ext uri="{FF2B5EF4-FFF2-40B4-BE49-F238E27FC236}">
+                <a16:creationId xmlns:a16="http://schemas.microsoft.com/office/drawing/2014/main" id="{5CCEE6B6-EA54-41F3-8BEA-6700427A5585}"/>
+              </a:ext>
+            </a:extLst>
+          </p:cNvPr>
+          <p:cNvSpPr>
+            <a:spLocks noGrp="1"/>
+          </p:cNvSpPr>
+          <p:nvPr>
+            <p:ph type="body" sz="quarter" idx="11"/>
+          </p:nvPr>
+        </p:nvSpPr>
+        <p:spPr/>
+        <p:txBody>
+          <a:bodyPr>
+            <a:normAutofit lnSpcReduction="10000"/>
+          </a:bodyPr>
+          <a:lstStyle/>
+          <a:p>
+            <a:endParaRPr lang="zh-TW" altLang="en-US"/>
+          </a:p>
+        </p:txBody>
+      </p:sp>
+      <p:sp>
+        <p:nvSpPr>
+          <p:cNvPr id="7" name="文字版面配置區 3">
+            <a:extLst>
+              <a:ext uri="{FF2B5EF4-FFF2-40B4-BE49-F238E27FC236}">
+                <a16:creationId xmlns:a16="http://schemas.microsoft.com/office/drawing/2014/main" id="{A059881A-AA7A-42D7-8641-6FF409672AC1}"/>
+              </a:ext>
+            </a:extLst>
+          </p:cNvPr>
+          <p:cNvSpPr txBox="1">
+            <a:spLocks/>
+          </p:cNvSpPr>
+          <p:nvPr/>
+        </p:nvSpPr>
+        <p:spPr>
+          <a:xfrm>
+            <a:off x="2123087" y="5222186"/>
+            <a:ext cx="2790825" cy="323850"/>
+          </a:xfrm>
+          <a:prstGeom prst="rect">
+            <a:avLst/>
+          </a:prstGeom>
+        </p:spPr>
+        <p:txBody>
+          <a:bodyPr vert="horz" lIns="91440" tIns="45720" rIns="91440" bIns="45720" rtlCol="0">
+            <a:normAutofit lnSpcReduction="10000"/>
+          </a:bodyPr>
+          <a:lstStyle>
+            <a:lvl1pPr marL="0" indent="0" algn="ctr" defTabSz="914400" rtl="0" eaLnBrk="1" latinLnBrk="0" hangingPunct="1">
+              <a:lnSpc>
+                <a:spcPct val="100000"/>
+              </a:lnSpc>
+              <a:spcBef>
+                <a:spcPts val="1000"/>
+              </a:spcBef>
+              <a:buFont typeface="Wingdings" panose="05000000000000000000" pitchFamily="2" charset="2"/>
+              <a:buNone/>
+              <a:defRPr sz="1600" kern="1200" baseline="0">
+                <a:solidFill>
+                  <a:schemeClr val="tx1"/>
+                </a:solidFill>
+                <a:latin typeface="Times New Roman" panose="02020603050405020304" pitchFamily="18" charset="0"/>
+                <a:ea typeface="標楷體" panose="03000509000000000000" pitchFamily="65" charset="-120"/>
+                <a:cs typeface="+mn-cs"/>
+              </a:defRPr>
+            </a:lvl1pPr>
+            <a:lvl2pPr marL="800100" indent="-342900" algn="l" defTabSz="914400" rtl="0" eaLnBrk="1" latinLnBrk="0" hangingPunct="1">
+              <a:lnSpc>
+                <a:spcPct val="100000"/>
+              </a:lnSpc>
+              <a:spcBef>
+                <a:spcPts val="500"/>
+              </a:spcBef>
+              <a:buFont typeface="Wingdings" panose="05000000000000000000" pitchFamily="2" charset="2"/>
+              <a:buChar char="v"/>
+              <a:defRPr sz="1800" kern="1200" baseline="0">
+                <a:solidFill>
+                  <a:schemeClr val="tx1"/>
+                </a:solidFill>
+                <a:latin typeface="Times New Roman" panose="02020603050405020304" pitchFamily="18" charset="0"/>
+                <a:ea typeface="標楷體" panose="03000509000000000000" pitchFamily="65" charset="-120"/>
+                <a:cs typeface="+mn-cs"/>
+              </a:defRPr>
+            </a:lvl2pPr>
+            <a:lvl3pPr marL="1143000" indent="-228600" algn="l" defTabSz="914400" rtl="0" eaLnBrk="1" latinLnBrk="0" hangingPunct="1">
+              <a:lnSpc>
+                <a:spcPct val="100000"/>
+              </a:lnSpc>
+              <a:spcBef>
+                <a:spcPts val="500"/>
+              </a:spcBef>
+              <a:buFont typeface="Wingdings" panose="05000000000000000000" pitchFamily="2" charset="2"/>
+              <a:buChar char="v"/>
+              <a:defRPr sz="1800" kern="1200" baseline="0">
+                <a:solidFill>
+                  <a:schemeClr val="tx1"/>
+                </a:solidFill>
+                <a:latin typeface="Times New Roman" panose="02020603050405020304" pitchFamily="18" charset="0"/>
+                <a:ea typeface="標楷體" panose="03000509000000000000" pitchFamily="65" charset="-120"/>
+                <a:cs typeface="+mn-cs"/>
+              </a:defRPr>
+            </a:lvl3pPr>
+            <a:lvl4pPr marL="1600200" indent="-228600" algn="l" defTabSz="914400" rtl="0" eaLnBrk="1" latinLnBrk="0" hangingPunct="1">
+              <a:lnSpc>
+                <a:spcPct val="90000"/>
+              </a:lnSpc>
+              <a:spcBef>
+                <a:spcPts val="500"/>
+              </a:spcBef>
+              <a:buFont typeface="Arial" panose="020B0604020202020204" pitchFamily="34" charset="0"/>
+              <a:buChar char="•"/>
+              <a:defRPr sz="1800" kern="1200" baseline="0">
+                <a:solidFill>
+                  <a:schemeClr val="tx1"/>
+                </a:solidFill>
+                <a:latin typeface="Times New Roman" panose="02020603050405020304" pitchFamily="18" charset="0"/>
+                <a:ea typeface="標楷體" panose="03000509000000000000" pitchFamily="65" charset="-120"/>
+                <a:cs typeface="+mn-cs"/>
+              </a:defRPr>
+            </a:lvl4pPr>
+            <a:lvl5pPr marL="2057400" indent="-228600" algn="l" defTabSz="914400" rtl="0" eaLnBrk="1" latinLnBrk="0" hangingPunct="1">
+              <a:lnSpc>
+                <a:spcPct val="90000"/>
+              </a:lnSpc>
+              <a:spcBef>
+                <a:spcPts val="500"/>
+              </a:spcBef>
+              <a:buFont typeface="Arial" panose="020B0604020202020204" pitchFamily="34" charset="0"/>
+              <a:buChar char="•"/>
+              <a:defRPr sz="1800" kern="1200" baseline="0">
+                <a:solidFill>
+                  <a:schemeClr val="tx1"/>
+                </a:solidFill>
+                <a:latin typeface="Times New Roman" panose="02020603050405020304" pitchFamily="18" charset="0"/>
+                <a:ea typeface="標楷體" panose="03000509000000000000" pitchFamily="65" charset="-120"/>
+                <a:cs typeface="+mn-cs"/>
+              </a:defRPr>
+            </a:lvl5pPr>
+            <a:lvl6pPr marL="2514600" indent="-228600" algn="l" defTabSz="914400" rtl="0" eaLnBrk="1" latinLnBrk="0" hangingPunct="1">
+              <a:lnSpc>
+                <a:spcPct val="90000"/>
+              </a:lnSpc>
+              <a:spcBef>
+                <a:spcPts val="500"/>
+              </a:spcBef>
+              <a:buFont typeface="Arial" panose="020B0604020202020204" pitchFamily="34" charset="0"/>
+              <a:buChar char="•"/>
+              <a:defRPr sz="1800" kern="1200">
+                <a:solidFill>
+                  <a:schemeClr val="tx1"/>
+                </a:solidFill>
+                <a:latin typeface="+mn-lt"/>
+                <a:ea typeface="+mn-ea"/>
+                <a:cs typeface="+mn-cs"/>
+              </a:defRPr>
+            </a:lvl6pPr>
+            <a:lvl7pPr marL="2971800" indent="-228600" algn="l" defTabSz="914400" rtl="0" eaLnBrk="1" latinLnBrk="0" hangingPunct="1">
+              <a:lnSpc>
+                <a:spcPct val="90000"/>
+              </a:lnSpc>
+              <a:spcBef>
+                <a:spcPts val="500"/>
+              </a:spcBef>
+              <a:buFont typeface="Arial" panose="020B0604020202020204" pitchFamily="34" charset="0"/>
+              <a:buChar char="•"/>
+              <a:defRPr sz="1800" kern="1200">
+                <a:solidFill>
+                  <a:schemeClr val="tx1"/>
+                </a:solidFill>
+                <a:latin typeface="+mn-lt"/>
+                <a:ea typeface="+mn-ea"/>
+                <a:cs typeface="+mn-cs"/>
+              </a:defRPr>
+            </a:lvl7pPr>
+            <a:lvl8pPr marL="3429000" indent="-228600" algn="l" defTabSz="914400" rtl="0" eaLnBrk="1" latinLnBrk="0" hangingPunct="1">
+              <a:lnSpc>
+                <a:spcPct val="90000"/>
+              </a:lnSpc>
+              <a:spcBef>
+                <a:spcPts val="500"/>
+              </a:spcBef>
+              <a:buFont typeface="Arial" panose="020B0604020202020204" pitchFamily="34" charset="0"/>
+              <a:buChar char="•"/>
+              <a:defRPr sz="1800" kern="1200">
+                <a:solidFill>
+                  <a:schemeClr val="tx1"/>
+                </a:solidFill>
+                <a:latin typeface="+mn-lt"/>
+                <a:ea typeface="+mn-ea"/>
+                <a:cs typeface="+mn-cs"/>
+              </a:defRPr>
+            </a:lvl8pPr>
+            <a:lvl9pPr marL="3886200" indent="-228600" algn="l" defTabSz="914400" rtl="0" eaLnBrk="1" latinLnBrk="0" hangingPunct="1">
+              <a:lnSpc>
+                <a:spcPct val="90000"/>
+              </a:lnSpc>
+              <a:spcBef>
+                <a:spcPts val="500"/>
+              </a:spcBef>
+              <a:buFont typeface="Arial" panose="020B0604020202020204" pitchFamily="34" charset="0"/>
+              <a:buChar char="•"/>
+              <a:defRPr sz="1800" kern="1200">
+                <a:solidFill>
+                  <a:schemeClr val="tx1"/>
+                </a:solidFill>
+                <a:latin typeface="+mn-lt"/>
+                <a:ea typeface="+mn-ea"/>
+                <a:cs typeface="+mn-cs"/>
+              </a:defRPr>
+            </a:lvl9pPr>
+          </a:lstStyle>
+          <a:p>
+            <a:r>
+              <a:rPr lang="en-US" altLang="zh-TW" dirty="0" err="1"/>
+              <a:t>TeamPage.vue</a:t>
+            </a:r>
+            <a:r>
+              <a:rPr lang="zh-TW" altLang="en-US" dirty="0"/>
+              <a:t>的</a:t>
+            </a:r>
+            <a:r>
+              <a:rPr lang="en-US" altLang="zh-TW" dirty="0"/>
+              <a:t>template</a:t>
+            </a:r>
+            <a:endParaRPr lang="zh-TW" altLang="en-US" dirty="0"/>
+          </a:p>
+        </p:txBody>
+      </p:sp>
+      <p:pic>
+        <p:nvPicPr>
+          <p:cNvPr id="8" name="圖片 7">
+            <a:extLst>
+              <a:ext uri="{FF2B5EF4-FFF2-40B4-BE49-F238E27FC236}">
+                <a16:creationId xmlns:a16="http://schemas.microsoft.com/office/drawing/2014/main" id="{E5EF035B-A9DA-4DAF-8CC7-4FFB4E020581}"/>
+              </a:ext>
+            </a:extLst>
+          </p:cNvPr>
+          <p:cNvPicPr>
+            <a:picLocks noChangeAspect="1"/>
+          </p:cNvPicPr>
+          <p:nvPr/>
+        </p:nvPicPr>
+        <p:blipFill>
+          <a:blip r:embed="rId2"/>
+          <a:stretch>
+            <a:fillRect/>
+          </a:stretch>
+        </p:blipFill>
+        <p:spPr>
+          <a:xfrm>
+            <a:off x="76200" y="1752257"/>
+            <a:ext cx="6884601" cy="3480978"/>
+          </a:xfrm>
+          <a:prstGeom prst="rect">
+            <a:avLst/>
+          </a:prstGeom>
+        </p:spPr>
+      </p:pic>
+      <p:pic>
+        <p:nvPicPr>
+          <p:cNvPr id="10" name="圖片 9">
+            <a:extLst>
+              <a:ext uri="{FF2B5EF4-FFF2-40B4-BE49-F238E27FC236}">
+                <a16:creationId xmlns:a16="http://schemas.microsoft.com/office/drawing/2014/main" id="{51C662DB-E5F9-41AB-88A4-4348DAAB678C}"/>
+              </a:ext>
+            </a:extLst>
+          </p:cNvPr>
+          <p:cNvPicPr>
+            <a:picLocks noChangeAspect="1"/>
+          </p:cNvPicPr>
+          <p:nvPr/>
+        </p:nvPicPr>
+        <p:blipFill>
+          <a:blip r:embed="rId3"/>
+          <a:stretch>
+            <a:fillRect/>
+          </a:stretch>
+        </p:blipFill>
+        <p:spPr>
+          <a:xfrm>
+            <a:off x="6976609" y="1763807"/>
+            <a:ext cx="5145322" cy="3091658"/>
+          </a:xfrm>
+          <a:prstGeom prst="rect">
+            <a:avLst/>
+          </a:prstGeom>
+        </p:spPr>
+      </p:pic>
+      <p:sp>
+        <p:nvSpPr>
+          <p:cNvPr id="11" name="文字版面配置區 3">
+            <a:extLst>
+              <a:ext uri="{FF2B5EF4-FFF2-40B4-BE49-F238E27FC236}">
+                <a16:creationId xmlns:a16="http://schemas.microsoft.com/office/drawing/2014/main" id="{B7CB0F1B-B204-4A55-9B79-8AE73E765B23}"/>
+              </a:ext>
+            </a:extLst>
+          </p:cNvPr>
+          <p:cNvSpPr txBox="1">
+            <a:spLocks/>
+          </p:cNvSpPr>
+          <p:nvPr/>
+        </p:nvSpPr>
+        <p:spPr>
+          <a:xfrm>
+            <a:off x="8292239" y="4855465"/>
+            <a:ext cx="2790825" cy="323850"/>
+          </a:xfrm>
+          <a:prstGeom prst="rect">
+            <a:avLst/>
+          </a:prstGeom>
+        </p:spPr>
+        <p:txBody>
+          <a:bodyPr vert="horz" lIns="91440" tIns="45720" rIns="91440" bIns="45720" rtlCol="0">
+            <a:normAutofit lnSpcReduction="10000"/>
+          </a:bodyPr>
+          <a:lstStyle>
+            <a:lvl1pPr marL="0" indent="0" algn="ctr" defTabSz="914400" rtl="0" eaLnBrk="1" latinLnBrk="0" hangingPunct="1">
+              <a:lnSpc>
+                <a:spcPct val="100000"/>
+              </a:lnSpc>
+              <a:spcBef>
+                <a:spcPts val="1000"/>
+              </a:spcBef>
+              <a:buFont typeface="Wingdings" panose="05000000000000000000" pitchFamily="2" charset="2"/>
+              <a:buNone/>
+              <a:defRPr sz="1600" kern="1200" baseline="0">
+                <a:solidFill>
+                  <a:schemeClr val="tx1"/>
+                </a:solidFill>
+                <a:latin typeface="Times New Roman" panose="02020603050405020304" pitchFamily="18" charset="0"/>
+                <a:ea typeface="標楷體" panose="03000509000000000000" pitchFamily="65" charset="-120"/>
+                <a:cs typeface="+mn-cs"/>
+              </a:defRPr>
+            </a:lvl1pPr>
+            <a:lvl2pPr marL="800100" indent="-342900" algn="l" defTabSz="914400" rtl="0" eaLnBrk="1" latinLnBrk="0" hangingPunct="1">
+              <a:lnSpc>
+                <a:spcPct val="100000"/>
+              </a:lnSpc>
+              <a:spcBef>
+                <a:spcPts val="500"/>
+              </a:spcBef>
+              <a:buFont typeface="Wingdings" panose="05000000000000000000" pitchFamily="2" charset="2"/>
+              <a:buChar char="v"/>
+              <a:defRPr sz="1800" kern="1200" baseline="0">
+                <a:solidFill>
+                  <a:schemeClr val="tx1"/>
+                </a:solidFill>
+                <a:latin typeface="Times New Roman" panose="02020603050405020304" pitchFamily="18" charset="0"/>
+                <a:ea typeface="標楷體" panose="03000509000000000000" pitchFamily="65" charset="-120"/>
+                <a:cs typeface="+mn-cs"/>
+              </a:defRPr>
+            </a:lvl2pPr>
+            <a:lvl3pPr marL="1143000" indent="-228600" algn="l" defTabSz="914400" rtl="0" eaLnBrk="1" latinLnBrk="0" hangingPunct="1">
+              <a:lnSpc>
+                <a:spcPct val="100000"/>
+              </a:lnSpc>
+              <a:spcBef>
+                <a:spcPts val="500"/>
+              </a:spcBef>
+              <a:buFont typeface="Wingdings" panose="05000000000000000000" pitchFamily="2" charset="2"/>
+              <a:buChar char="v"/>
+              <a:defRPr sz="1800" kern="1200" baseline="0">
+                <a:solidFill>
+                  <a:schemeClr val="tx1"/>
+                </a:solidFill>
+                <a:latin typeface="Times New Roman" panose="02020603050405020304" pitchFamily="18" charset="0"/>
+                <a:ea typeface="標楷體" panose="03000509000000000000" pitchFamily="65" charset="-120"/>
+                <a:cs typeface="+mn-cs"/>
+              </a:defRPr>
+            </a:lvl3pPr>
+            <a:lvl4pPr marL="1600200" indent="-228600" algn="l" defTabSz="914400" rtl="0" eaLnBrk="1" latinLnBrk="0" hangingPunct="1">
+              <a:lnSpc>
+                <a:spcPct val="90000"/>
+              </a:lnSpc>
+              <a:spcBef>
+                <a:spcPts val="500"/>
+              </a:spcBef>
+              <a:buFont typeface="Arial" panose="020B0604020202020204" pitchFamily="34" charset="0"/>
+              <a:buChar char="•"/>
+              <a:defRPr sz="1800" kern="1200" baseline="0">
+                <a:solidFill>
+                  <a:schemeClr val="tx1"/>
+                </a:solidFill>
+                <a:latin typeface="Times New Roman" panose="02020603050405020304" pitchFamily="18" charset="0"/>
+                <a:ea typeface="標楷體" panose="03000509000000000000" pitchFamily="65" charset="-120"/>
+                <a:cs typeface="+mn-cs"/>
+              </a:defRPr>
+            </a:lvl4pPr>
+            <a:lvl5pPr marL="2057400" indent="-228600" algn="l" defTabSz="914400" rtl="0" eaLnBrk="1" latinLnBrk="0" hangingPunct="1">
+              <a:lnSpc>
+                <a:spcPct val="90000"/>
+              </a:lnSpc>
+              <a:spcBef>
+                <a:spcPts val="500"/>
+              </a:spcBef>
+              <a:buFont typeface="Arial" panose="020B0604020202020204" pitchFamily="34" charset="0"/>
+              <a:buChar char="•"/>
+              <a:defRPr sz="1800" kern="1200" baseline="0">
+                <a:solidFill>
+                  <a:schemeClr val="tx1"/>
+                </a:solidFill>
+                <a:latin typeface="Times New Roman" panose="02020603050405020304" pitchFamily="18" charset="0"/>
+                <a:ea typeface="標楷體" panose="03000509000000000000" pitchFamily="65" charset="-120"/>
+                <a:cs typeface="+mn-cs"/>
+              </a:defRPr>
+            </a:lvl5pPr>
+            <a:lvl6pPr marL="2514600" indent="-228600" algn="l" defTabSz="914400" rtl="0" eaLnBrk="1" latinLnBrk="0" hangingPunct="1">
+              <a:lnSpc>
+                <a:spcPct val="90000"/>
+              </a:lnSpc>
+              <a:spcBef>
+                <a:spcPts val="500"/>
+              </a:spcBef>
+              <a:buFont typeface="Arial" panose="020B0604020202020204" pitchFamily="34" charset="0"/>
+              <a:buChar char="•"/>
+              <a:defRPr sz="1800" kern="1200">
+                <a:solidFill>
+                  <a:schemeClr val="tx1"/>
+                </a:solidFill>
+                <a:latin typeface="+mn-lt"/>
+                <a:ea typeface="+mn-ea"/>
+                <a:cs typeface="+mn-cs"/>
+              </a:defRPr>
+            </a:lvl6pPr>
+            <a:lvl7pPr marL="2971800" indent="-228600" algn="l" defTabSz="914400" rtl="0" eaLnBrk="1" latinLnBrk="0" hangingPunct="1">
+              <a:lnSpc>
+                <a:spcPct val="90000"/>
+              </a:lnSpc>
+              <a:spcBef>
+                <a:spcPts val="500"/>
+              </a:spcBef>
+              <a:buFont typeface="Arial" panose="020B0604020202020204" pitchFamily="34" charset="0"/>
+              <a:buChar char="•"/>
+              <a:defRPr sz="1800" kern="1200">
+                <a:solidFill>
+                  <a:schemeClr val="tx1"/>
+                </a:solidFill>
+                <a:latin typeface="+mn-lt"/>
+                <a:ea typeface="+mn-ea"/>
+                <a:cs typeface="+mn-cs"/>
+              </a:defRPr>
+            </a:lvl7pPr>
+            <a:lvl8pPr marL="3429000" indent="-228600" algn="l" defTabSz="914400" rtl="0" eaLnBrk="1" latinLnBrk="0" hangingPunct="1">
+              <a:lnSpc>
+                <a:spcPct val="90000"/>
+              </a:lnSpc>
+              <a:spcBef>
+                <a:spcPts val="500"/>
+              </a:spcBef>
+              <a:buFont typeface="Arial" panose="020B0604020202020204" pitchFamily="34" charset="0"/>
+              <a:buChar char="•"/>
+              <a:defRPr sz="1800" kern="1200">
+                <a:solidFill>
+                  <a:schemeClr val="tx1"/>
+                </a:solidFill>
+                <a:latin typeface="+mn-lt"/>
+                <a:ea typeface="+mn-ea"/>
+                <a:cs typeface="+mn-cs"/>
+              </a:defRPr>
+            </a:lvl8pPr>
+            <a:lvl9pPr marL="3886200" indent="-228600" algn="l" defTabSz="914400" rtl="0" eaLnBrk="1" latinLnBrk="0" hangingPunct="1">
+              <a:lnSpc>
+                <a:spcPct val="90000"/>
+              </a:lnSpc>
+              <a:spcBef>
+                <a:spcPts val="500"/>
+              </a:spcBef>
+              <a:buFont typeface="Arial" panose="020B0604020202020204" pitchFamily="34" charset="0"/>
+              <a:buChar char="•"/>
+              <a:defRPr sz="1800" kern="1200">
+                <a:solidFill>
+                  <a:schemeClr val="tx1"/>
+                </a:solidFill>
+                <a:latin typeface="+mn-lt"/>
+                <a:ea typeface="+mn-ea"/>
+                <a:cs typeface="+mn-cs"/>
+              </a:defRPr>
+            </a:lvl9pPr>
+          </a:lstStyle>
+          <a:p>
+            <a:r>
+              <a:rPr lang="en-US" altLang="zh-TW" dirty="0" err="1"/>
+              <a:t>TeamPage.vue</a:t>
+            </a:r>
+            <a:r>
+              <a:rPr lang="zh-TW" altLang="en-US" dirty="0"/>
+              <a:t>的</a:t>
+            </a:r>
+            <a:r>
+              <a:rPr lang="en-US" altLang="zh-TW" dirty="0"/>
+              <a:t>script</a:t>
+            </a:r>
+            <a:r>
+              <a:rPr lang="zh-TW" altLang="en-US" dirty="0"/>
+              <a:t>、</a:t>
+            </a:r>
+            <a:r>
+              <a:rPr lang="en-US" altLang="zh-TW" dirty="0"/>
+              <a:t>style</a:t>
+            </a:r>
+            <a:endParaRPr lang="zh-TW" altLang="en-US" dirty="0"/>
+          </a:p>
+        </p:txBody>
+      </p:sp>
+    </p:spTree>
+    <p:extLst>
+      <p:ext uri="{BB962C8B-B14F-4D97-AF65-F5344CB8AC3E}">
+        <p14:creationId xmlns:p14="http://schemas.microsoft.com/office/powerpoint/2010/main" val="3911537046"/>
+      </p:ext>
+    </p:extLst>
+  </p:cSld>
+  <p:clrMapOvr>
+    <a:masterClrMapping/>
+  </p:clrMapOvr>
+</p:sld>
+</file>
+
+<file path=ppt/slides/slide11.xml><?xml version="1.0" encoding="utf-8"?>
+<p:sld xmlns:a="http://schemas.openxmlformats.org/drawingml/2006/main" xmlns:r="http://schemas.openxmlformats.org/officeDocument/2006/relationships" xmlns:p="http://schemas.openxmlformats.org/presentationml/2006/main">
+  <p:cSld>
+    <p:spTree>
+      <p:nvGrpSpPr>
+        <p:cNvPr id="1" name=""/>
+        <p:cNvGrpSpPr/>
+        <p:nvPr/>
+      </p:nvGrpSpPr>
+      <p:grpSpPr>
+        <a:xfrm>
+          <a:off x="0" y="0"/>
+          <a:ext cx="0" cy="0"/>
+          <a:chOff x="0" y="0"/>
+          <a:chExt cx="0" cy="0"/>
+        </a:xfrm>
+      </p:grpSpPr>
+      <p:sp>
+        <p:nvSpPr>
+          <p:cNvPr id="2" name="內容版面配置區 1">
+            <a:extLst>
+              <a:ext uri="{FF2B5EF4-FFF2-40B4-BE49-F238E27FC236}">
+                <a16:creationId xmlns:a16="http://schemas.microsoft.com/office/drawing/2014/main" id="{E3A8FD89-9332-453D-80FA-5BB8B65E08F2}"/>
+              </a:ext>
+            </a:extLst>
+          </p:cNvPr>
+          <p:cNvSpPr>
+            <a:spLocks noGrp="1"/>
+          </p:cNvSpPr>
+          <p:nvPr>
+            <p:ph sz="quarter" idx="12"/>
+          </p:nvPr>
+        </p:nvSpPr>
+        <p:spPr/>
+        <p:txBody>
+          <a:bodyPr/>
+          <a:lstStyle/>
+          <a:p>
+            <a:r>
+              <a:rPr lang="zh-TW" altLang="en-US" dirty="0"/>
+              <a:t>檔案：</a:t>
+            </a:r>
+            <a:r>
+              <a:rPr lang="en-US" altLang="zh-TW" dirty="0" err="1"/>
+              <a:t>vue</a:t>
+            </a:r>
+            <a:r>
+              <a:rPr lang="en-US" altLang="zh-TW" dirty="0"/>
+              <a:t>-project-router</a:t>
+            </a:r>
+          </a:p>
+          <a:p>
+            <a:r>
+              <a:rPr lang="en-US" altLang="zh-TW" dirty="0"/>
+              <a:t>STEP04</a:t>
+            </a:r>
+            <a:r>
+              <a:rPr lang="zh-TW" altLang="en-US" dirty="0"/>
+              <a:t>：建立</a:t>
+            </a:r>
+            <a:r>
+              <a:rPr lang="en-US" altLang="zh-TW" dirty="0"/>
+              <a:t>component </a:t>
+            </a:r>
+            <a:r>
+              <a:rPr lang="en-US" altLang="zh-TW" dirty="0" err="1"/>
+              <a:t>UserPage.vue</a:t>
+            </a:r>
+            <a:endParaRPr lang="zh-TW" altLang="en-US" dirty="0"/>
+          </a:p>
+        </p:txBody>
+      </p:sp>
+      <p:sp>
+        <p:nvSpPr>
+          <p:cNvPr id="3" name="標題 2">
+            <a:extLst>
+              <a:ext uri="{FF2B5EF4-FFF2-40B4-BE49-F238E27FC236}">
+                <a16:creationId xmlns:a16="http://schemas.microsoft.com/office/drawing/2014/main" id="{D52E773E-8D10-4FB2-8719-8EAE4A8F0364}"/>
+              </a:ext>
+            </a:extLst>
+          </p:cNvPr>
+          <p:cNvSpPr>
+            <a:spLocks noGrp="1"/>
+          </p:cNvSpPr>
+          <p:nvPr>
+            <p:ph type="title"/>
+          </p:nvPr>
+        </p:nvSpPr>
+        <p:spPr/>
+        <p:txBody>
+          <a:bodyPr>
+            <a:normAutofit fontScale="90000"/>
+          </a:bodyPr>
+          <a:lstStyle/>
+          <a:p>
+            <a:r>
+              <a:rPr lang="en-US" altLang="zh-TW" dirty="0"/>
+              <a:t>Vue-</a:t>
+            </a:r>
+            <a:r>
+              <a:rPr lang="en-US" altLang="zh-TW" dirty="0" err="1"/>
+              <a:t>ruter</a:t>
+            </a:r>
+            <a:r>
+              <a:rPr lang="en-US" altLang="zh-TW" dirty="0"/>
+              <a:t>--</a:t>
+            </a:r>
+            <a:r>
+              <a:rPr lang="zh-TW" altLang="en-US" dirty="0"/>
+              <a:t>實作階段</a:t>
+            </a:r>
+          </a:p>
+        </p:txBody>
+      </p:sp>
+      <p:sp>
+        <p:nvSpPr>
+          <p:cNvPr id="4" name="文字版面配置區 3">
+            <a:extLst>
+              <a:ext uri="{FF2B5EF4-FFF2-40B4-BE49-F238E27FC236}">
+                <a16:creationId xmlns:a16="http://schemas.microsoft.com/office/drawing/2014/main" id="{5CCEE6B6-EA54-41F3-8BEA-6700427A5585}"/>
+              </a:ext>
+            </a:extLst>
+          </p:cNvPr>
+          <p:cNvSpPr>
+            <a:spLocks noGrp="1"/>
+          </p:cNvSpPr>
+          <p:nvPr>
+            <p:ph type="body" sz="quarter" idx="11"/>
+          </p:nvPr>
+        </p:nvSpPr>
+        <p:spPr>
+          <a:xfrm>
+            <a:off x="8651364" y="5102891"/>
+            <a:ext cx="2790825" cy="323850"/>
+          </a:xfrm>
+        </p:spPr>
+        <p:txBody>
+          <a:bodyPr>
+            <a:normAutofit lnSpcReduction="10000"/>
+          </a:bodyPr>
+          <a:lstStyle/>
+          <a:p>
+            <a:r>
+              <a:rPr lang="en-US" altLang="zh-TW" dirty="0" err="1"/>
+              <a:t>UserPage.vue</a:t>
+            </a:r>
+            <a:r>
+              <a:rPr lang="zh-TW" altLang="en-US" dirty="0"/>
+              <a:t>的</a:t>
+            </a:r>
+            <a:r>
+              <a:rPr lang="en-US" altLang="zh-TW" dirty="0"/>
+              <a:t>script</a:t>
+            </a:r>
+            <a:r>
+              <a:rPr lang="zh-TW" altLang="en-US" dirty="0"/>
+              <a:t>、</a:t>
+            </a:r>
+            <a:r>
+              <a:rPr lang="en-US" altLang="zh-TW" dirty="0"/>
+              <a:t>style</a:t>
+            </a:r>
+            <a:endParaRPr lang="zh-TW" altLang="en-US" dirty="0"/>
+          </a:p>
+          <a:p>
+            <a:endParaRPr lang="zh-TW" altLang="en-US" dirty="0"/>
+          </a:p>
+        </p:txBody>
+      </p:sp>
+      <p:sp>
+        <p:nvSpPr>
+          <p:cNvPr id="7" name="文字版面配置區 3">
+            <a:extLst>
+              <a:ext uri="{FF2B5EF4-FFF2-40B4-BE49-F238E27FC236}">
+                <a16:creationId xmlns:a16="http://schemas.microsoft.com/office/drawing/2014/main" id="{A059881A-AA7A-42D7-8641-6FF409672AC1}"/>
+              </a:ext>
+            </a:extLst>
+          </p:cNvPr>
+          <p:cNvSpPr txBox="1">
+            <a:spLocks/>
+          </p:cNvSpPr>
+          <p:nvPr/>
+        </p:nvSpPr>
+        <p:spPr>
+          <a:xfrm>
+            <a:off x="2350579" y="5575299"/>
+            <a:ext cx="2790825" cy="323850"/>
+          </a:xfrm>
+          <a:prstGeom prst="rect">
+            <a:avLst/>
+          </a:prstGeom>
+        </p:spPr>
+        <p:txBody>
+          <a:bodyPr vert="horz" lIns="91440" tIns="45720" rIns="91440" bIns="45720" rtlCol="0">
+            <a:normAutofit lnSpcReduction="10000"/>
+          </a:bodyPr>
+          <a:lstStyle>
+            <a:lvl1pPr marL="0" indent="0" algn="ctr" defTabSz="914400" rtl="0" eaLnBrk="1" latinLnBrk="0" hangingPunct="1">
+              <a:lnSpc>
+                <a:spcPct val="100000"/>
+              </a:lnSpc>
+              <a:spcBef>
+                <a:spcPts val="1000"/>
+              </a:spcBef>
+              <a:buFont typeface="Wingdings" panose="05000000000000000000" pitchFamily="2" charset="2"/>
+              <a:buNone/>
+              <a:defRPr sz="1600" kern="1200" baseline="0">
+                <a:solidFill>
+                  <a:schemeClr val="tx1"/>
+                </a:solidFill>
+                <a:latin typeface="Times New Roman" panose="02020603050405020304" pitchFamily="18" charset="0"/>
+                <a:ea typeface="標楷體" panose="03000509000000000000" pitchFamily="65" charset="-120"/>
+                <a:cs typeface="+mn-cs"/>
+              </a:defRPr>
+            </a:lvl1pPr>
+            <a:lvl2pPr marL="800100" indent="-342900" algn="l" defTabSz="914400" rtl="0" eaLnBrk="1" latinLnBrk="0" hangingPunct="1">
+              <a:lnSpc>
+                <a:spcPct val="100000"/>
+              </a:lnSpc>
+              <a:spcBef>
+                <a:spcPts val="500"/>
+              </a:spcBef>
+              <a:buFont typeface="Wingdings" panose="05000000000000000000" pitchFamily="2" charset="2"/>
+              <a:buChar char="v"/>
+              <a:defRPr sz="1800" kern="1200" baseline="0">
+                <a:solidFill>
+                  <a:schemeClr val="tx1"/>
+                </a:solidFill>
+                <a:latin typeface="Times New Roman" panose="02020603050405020304" pitchFamily="18" charset="0"/>
+                <a:ea typeface="標楷體" panose="03000509000000000000" pitchFamily="65" charset="-120"/>
+                <a:cs typeface="+mn-cs"/>
+              </a:defRPr>
+            </a:lvl2pPr>
+            <a:lvl3pPr marL="1143000" indent="-228600" algn="l" defTabSz="914400" rtl="0" eaLnBrk="1" latinLnBrk="0" hangingPunct="1">
+              <a:lnSpc>
+                <a:spcPct val="100000"/>
+              </a:lnSpc>
+              <a:spcBef>
+                <a:spcPts val="500"/>
+              </a:spcBef>
+              <a:buFont typeface="Wingdings" panose="05000000000000000000" pitchFamily="2" charset="2"/>
+              <a:buChar char="v"/>
+              <a:defRPr sz="1800" kern="1200" baseline="0">
+                <a:solidFill>
+                  <a:schemeClr val="tx1"/>
+                </a:solidFill>
+                <a:latin typeface="Times New Roman" panose="02020603050405020304" pitchFamily="18" charset="0"/>
+                <a:ea typeface="標楷體" panose="03000509000000000000" pitchFamily="65" charset="-120"/>
+                <a:cs typeface="+mn-cs"/>
+              </a:defRPr>
+            </a:lvl3pPr>
+            <a:lvl4pPr marL="1600200" indent="-228600" algn="l" defTabSz="914400" rtl="0" eaLnBrk="1" latinLnBrk="0" hangingPunct="1">
+              <a:lnSpc>
+                <a:spcPct val="90000"/>
+              </a:lnSpc>
+              <a:spcBef>
+                <a:spcPts val="500"/>
+              </a:spcBef>
+              <a:buFont typeface="Arial" panose="020B0604020202020204" pitchFamily="34" charset="0"/>
+              <a:buChar char="•"/>
+              <a:defRPr sz="1800" kern="1200" baseline="0">
+                <a:solidFill>
+                  <a:schemeClr val="tx1"/>
+                </a:solidFill>
+                <a:latin typeface="Times New Roman" panose="02020603050405020304" pitchFamily="18" charset="0"/>
+                <a:ea typeface="標楷體" panose="03000509000000000000" pitchFamily="65" charset="-120"/>
+                <a:cs typeface="+mn-cs"/>
+              </a:defRPr>
+            </a:lvl4pPr>
+            <a:lvl5pPr marL="2057400" indent="-228600" algn="l" defTabSz="914400" rtl="0" eaLnBrk="1" latinLnBrk="0" hangingPunct="1">
+              <a:lnSpc>
+                <a:spcPct val="90000"/>
+              </a:lnSpc>
+              <a:spcBef>
+                <a:spcPts val="500"/>
+              </a:spcBef>
+              <a:buFont typeface="Arial" panose="020B0604020202020204" pitchFamily="34" charset="0"/>
+              <a:buChar char="•"/>
+              <a:defRPr sz="1800" kern="1200" baseline="0">
+                <a:solidFill>
+                  <a:schemeClr val="tx1"/>
+                </a:solidFill>
+                <a:latin typeface="Times New Roman" panose="02020603050405020304" pitchFamily="18" charset="0"/>
+                <a:ea typeface="標楷體" panose="03000509000000000000" pitchFamily="65" charset="-120"/>
+                <a:cs typeface="+mn-cs"/>
+              </a:defRPr>
+            </a:lvl5pPr>
+            <a:lvl6pPr marL="2514600" indent="-228600" algn="l" defTabSz="914400" rtl="0" eaLnBrk="1" latinLnBrk="0" hangingPunct="1">
+              <a:lnSpc>
+                <a:spcPct val="90000"/>
+              </a:lnSpc>
+              <a:spcBef>
+                <a:spcPts val="500"/>
+              </a:spcBef>
+              <a:buFont typeface="Arial" panose="020B0604020202020204" pitchFamily="34" charset="0"/>
+              <a:buChar char="•"/>
+              <a:defRPr sz="1800" kern="1200">
+                <a:solidFill>
+                  <a:schemeClr val="tx1"/>
+                </a:solidFill>
+                <a:latin typeface="+mn-lt"/>
+                <a:ea typeface="+mn-ea"/>
+                <a:cs typeface="+mn-cs"/>
+              </a:defRPr>
+            </a:lvl6pPr>
+            <a:lvl7pPr marL="2971800" indent="-228600" algn="l" defTabSz="914400" rtl="0" eaLnBrk="1" latinLnBrk="0" hangingPunct="1">
+              <a:lnSpc>
+                <a:spcPct val="90000"/>
+              </a:lnSpc>
+              <a:spcBef>
+                <a:spcPts val="500"/>
+              </a:spcBef>
+              <a:buFont typeface="Arial" panose="020B0604020202020204" pitchFamily="34" charset="0"/>
+              <a:buChar char="•"/>
+              <a:defRPr sz="1800" kern="1200">
+                <a:solidFill>
+                  <a:schemeClr val="tx1"/>
+                </a:solidFill>
+                <a:latin typeface="+mn-lt"/>
+                <a:ea typeface="+mn-ea"/>
+                <a:cs typeface="+mn-cs"/>
+              </a:defRPr>
+            </a:lvl7pPr>
+            <a:lvl8pPr marL="3429000" indent="-228600" algn="l" defTabSz="914400" rtl="0" eaLnBrk="1" latinLnBrk="0" hangingPunct="1">
+              <a:lnSpc>
+                <a:spcPct val="90000"/>
+              </a:lnSpc>
+              <a:spcBef>
+                <a:spcPts val="500"/>
+              </a:spcBef>
+              <a:buFont typeface="Arial" panose="020B0604020202020204" pitchFamily="34" charset="0"/>
+              <a:buChar char="•"/>
+              <a:defRPr sz="1800" kern="1200">
+                <a:solidFill>
+                  <a:schemeClr val="tx1"/>
+                </a:solidFill>
+                <a:latin typeface="+mn-lt"/>
+                <a:ea typeface="+mn-ea"/>
+                <a:cs typeface="+mn-cs"/>
+              </a:defRPr>
+            </a:lvl8pPr>
+            <a:lvl9pPr marL="3886200" indent="-228600" algn="l" defTabSz="914400" rtl="0" eaLnBrk="1" latinLnBrk="0" hangingPunct="1">
+              <a:lnSpc>
+                <a:spcPct val="90000"/>
+              </a:lnSpc>
+              <a:spcBef>
+                <a:spcPts val="500"/>
+              </a:spcBef>
+              <a:buFont typeface="Arial" panose="020B0604020202020204" pitchFamily="34" charset="0"/>
+              <a:buChar char="•"/>
+              <a:defRPr sz="1800" kern="1200">
+                <a:solidFill>
+                  <a:schemeClr val="tx1"/>
+                </a:solidFill>
+                <a:latin typeface="+mn-lt"/>
+                <a:ea typeface="+mn-ea"/>
+                <a:cs typeface="+mn-cs"/>
+              </a:defRPr>
+            </a:lvl9pPr>
+          </a:lstStyle>
+          <a:p>
+            <a:r>
+              <a:rPr lang="en-US" altLang="zh-TW" dirty="0" err="1"/>
+              <a:t>UserPage.vue</a:t>
+            </a:r>
+            <a:r>
+              <a:rPr lang="zh-TW" altLang="en-US" dirty="0"/>
+              <a:t>的</a:t>
+            </a:r>
+            <a:r>
+              <a:rPr lang="en-US" altLang="zh-TW" dirty="0"/>
+              <a:t>template</a:t>
+            </a:r>
+            <a:endParaRPr lang="zh-TW" altLang="en-US" dirty="0"/>
+          </a:p>
+        </p:txBody>
+      </p:sp>
+      <p:pic>
+        <p:nvPicPr>
+          <p:cNvPr id="6" name="圖片 5">
+            <a:extLst>
+              <a:ext uri="{FF2B5EF4-FFF2-40B4-BE49-F238E27FC236}">
+                <a16:creationId xmlns:a16="http://schemas.microsoft.com/office/drawing/2014/main" id="{9B22A106-DB8E-4A18-B259-BD665FE25CD2}"/>
+              </a:ext>
+            </a:extLst>
+          </p:cNvPr>
+          <p:cNvPicPr>
+            <a:picLocks noChangeAspect="1"/>
+          </p:cNvPicPr>
+          <p:nvPr/>
+        </p:nvPicPr>
+        <p:blipFill>
+          <a:blip r:embed="rId2"/>
+          <a:stretch>
+            <a:fillRect/>
+          </a:stretch>
+        </p:blipFill>
+        <p:spPr>
+          <a:xfrm>
+            <a:off x="76200" y="1780920"/>
+            <a:ext cx="7077539" cy="3794379"/>
+          </a:xfrm>
+          <a:prstGeom prst="rect">
+            <a:avLst/>
+          </a:prstGeom>
+        </p:spPr>
+      </p:pic>
+      <p:pic>
+        <p:nvPicPr>
+          <p:cNvPr id="10" name="圖片 9">
+            <a:extLst>
+              <a:ext uri="{FF2B5EF4-FFF2-40B4-BE49-F238E27FC236}">
+                <a16:creationId xmlns:a16="http://schemas.microsoft.com/office/drawing/2014/main" id="{70748D45-A52F-43DF-8C6C-000BC98B59C0}"/>
+              </a:ext>
+            </a:extLst>
+          </p:cNvPr>
+          <p:cNvPicPr>
+            <a:picLocks noChangeAspect="1"/>
+          </p:cNvPicPr>
+          <p:nvPr/>
+        </p:nvPicPr>
+        <p:blipFill>
+          <a:blip r:embed="rId3"/>
+          <a:stretch>
+            <a:fillRect/>
+          </a:stretch>
+        </p:blipFill>
+        <p:spPr>
+          <a:xfrm>
+            <a:off x="7222484" y="1755109"/>
+            <a:ext cx="4893315" cy="3321970"/>
+          </a:xfrm>
+          <a:prstGeom prst="rect">
+            <a:avLst/>
+          </a:prstGeom>
+        </p:spPr>
+      </p:pic>
+    </p:spTree>
+    <p:extLst>
+      <p:ext uri="{BB962C8B-B14F-4D97-AF65-F5344CB8AC3E}">
+        <p14:creationId xmlns:p14="http://schemas.microsoft.com/office/powerpoint/2010/main" val="188924106"/>
+      </p:ext>
+    </p:extLst>
+  </p:cSld>
+  <p:clrMapOvr>
+    <a:masterClrMapping/>
+  </p:clrMapOvr>
+</p:sld>
+</file>
+
+<file path=ppt/slides/slide12.xml><?xml version="1.0" encoding="utf-8"?>
+<p:sld xmlns:a="http://schemas.openxmlformats.org/drawingml/2006/main" xmlns:r="http://schemas.openxmlformats.org/officeDocument/2006/relationships" xmlns:p="http://schemas.openxmlformats.org/presentationml/2006/main">
+  <p:cSld>
+    <p:spTree>
+      <p:nvGrpSpPr>
+        <p:cNvPr id="1" name=""/>
+        <p:cNvGrpSpPr/>
+        <p:nvPr/>
+      </p:nvGrpSpPr>
+      <p:grpSpPr>
+        <a:xfrm>
+          <a:off x="0" y="0"/>
+          <a:ext cx="0" cy="0"/>
+          <a:chOff x="0" y="0"/>
+          <a:chExt cx="0" cy="0"/>
+        </a:xfrm>
+      </p:grpSpPr>
+      <p:sp>
+        <p:nvSpPr>
+          <p:cNvPr id="2" name="內容版面配置區 1">
+            <a:extLst>
+              <a:ext uri="{FF2B5EF4-FFF2-40B4-BE49-F238E27FC236}">
+                <a16:creationId xmlns:a16="http://schemas.microsoft.com/office/drawing/2014/main" id="{99B26370-BC37-477D-B88B-CFCE35F1A3C4}"/>
+              </a:ext>
+            </a:extLst>
+          </p:cNvPr>
+          <p:cNvSpPr>
+            <a:spLocks noGrp="1"/>
+          </p:cNvSpPr>
+          <p:nvPr>
+            <p:ph sz="quarter" idx="12"/>
+          </p:nvPr>
+        </p:nvSpPr>
+        <p:spPr/>
+        <p:txBody>
+          <a:bodyPr/>
+          <a:lstStyle/>
+          <a:p>
+            <a:r>
+              <a:rPr lang="zh-TW" altLang="en-US" dirty="0"/>
+              <a:t>組件做完後就比較簡單了</a:t>
+            </a:r>
+            <a:endParaRPr lang="en-US" altLang="zh-TW" dirty="0"/>
+          </a:p>
+          <a:p>
+            <a:r>
+              <a:rPr lang="zh-TW" altLang="en-US" dirty="0"/>
+              <a:t>檔案：</a:t>
+            </a:r>
+            <a:r>
+              <a:rPr lang="en-US" altLang="zh-TW" dirty="0" err="1"/>
+              <a:t>vue</a:t>
+            </a:r>
+            <a:r>
+              <a:rPr lang="en-US" altLang="zh-TW" dirty="0"/>
+              <a:t>-project-router</a:t>
+            </a:r>
+          </a:p>
+          <a:p>
+            <a:r>
+              <a:rPr lang="en-US" altLang="zh-TW" dirty="0"/>
+              <a:t>STEP05</a:t>
+            </a:r>
+            <a:r>
+              <a:rPr lang="zh-TW" altLang="en-US" dirty="0"/>
+              <a:t>：在</a:t>
+            </a:r>
+            <a:r>
+              <a:rPr lang="en-US" altLang="zh-TW" dirty="0"/>
+              <a:t>main.js</a:t>
+            </a:r>
+            <a:r>
+              <a:rPr lang="zh-TW" altLang="en-US" dirty="0"/>
+              <a:t>中</a:t>
+            </a:r>
+            <a:r>
+              <a:rPr lang="en-US" altLang="zh-TW" dirty="0"/>
+              <a:t>(1)</a:t>
+            </a:r>
+            <a:r>
+              <a:rPr lang="zh-TW" altLang="en-US" dirty="0"/>
+              <a:t>引入檔案。</a:t>
+            </a:r>
+            <a:r>
+              <a:rPr lang="en-US" altLang="zh-TW" dirty="0"/>
+              <a:t>(2)</a:t>
+            </a:r>
+            <a:r>
+              <a:rPr lang="zh-TW" altLang="en-US" dirty="0"/>
+              <a:t>建立</a:t>
+            </a:r>
+            <a:r>
+              <a:rPr lang="en-US" altLang="zh-TW" dirty="0"/>
+              <a:t>router</a:t>
+            </a:r>
+            <a:r>
+              <a:rPr lang="zh-TW" altLang="en-US" dirty="0"/>
+              <a:t>。</a:t>
+            </a:r>
+            <a:r>
+              <a:rPr lang="en-US" altLang="zh-TW" dirty="0"/>
+              <a:t>(3)</a:t>
+            </a:r>
+            <a:r>
+              <a:rPr lang="zh-TW" altLang="en-US" dirty="0"/>
+              <a:t>串再一起</a:t>
+            </a:r>
+          </a:p>
+        </p:txBody>
+      </p:sp>
+      <p:sp>
+        <p:nvSpPr>
+          <p:cNvPr id="3" name="標題 2">
+            <a:extLst>
+              <a:ext uri="{FF2B5EF4-FFF2-40B4-BE49-F238E27FC236}">
+                <a16:creationId xmlns:a16="http://schemas.microsoft.com/office/drawing/2014/main" id="{76B9D508-76E1-4332-8473-21983DF530EF}"/>
+              </a:ext>
+            </a:extLst>
+          </p:cNvPr>
+          <p:cNvSpPr>
+            <a:spLocks noGrp="1"/>
+          </p:cNvSpPr>
+          <p:nvPr>
+            <p:ph type="title"/>
+          </p:nvPr>
+        </p:nvSpPr>
+        <p:spPr/>
+        <p:txBody>
+          <a:bodyPr>
+            <a:normAutofit fontScale="90000"/>
+          </a:bodyPr>
+          <a:lstStyle/>
+          <a:p>
+            <a:r>
+              <a:rPr lang="en-US" altLang="zh-TW" dirty="0"/>
+              <a:t>Vue-</a:t>
+            </a:r>
+            <a:r>
+              <a:rPr lang="en-US" altLang="zh-TW" dirty="0" err="1"/>
+              <a:t>ruter</a:t>
+            </a:r>
+            <a:r>
+              <a:rPr lang="en-US" altLang="zh-TW" dirty="0"/>
+              <a:t>--</a:t>
+            </a:r>
+            <a:r>
+              <a:rPr lang="zh-TW" altLang="en-US" dirty="0"/>
+              <a:t>實作階段</a:t>
+            </a:r>
+          </a:p>
+        </p:txBody>
+      </p:sp>
+      <p:sp>
+        <p:nvSpPr>
+          <p:cNvPr id="4" name="文字版面配置區 3">
+            <a:extLst>
+              <a:ext uri="{FF2B5EF4-FFF2-40B4-BE49-F238E27FC236}">
+                <a16:creationId xmlns:a16="http://schemas.microsoft.com/office/drawing/2014/main" id="{791D718F-BAC1-4486-9B3B-3ACD3F63EF24}"/>
+              </a:ext>
+            </a:extLst>
+          </p:cNvPr>
+          <p:cNvSpPr>
+            <a:spLocks noGrp="1"/>
+          </p:cNvSpPr>
+          <p:nvPr>
+            <p:ph type="body" sz="quarter" idx="11"/>
+          </p:nvPr>
+        </p:nvSpPr>
+        <p:spPr/>
+        <p:txBody>
+          <a:bodyPr>
+            <a:normAutofit lnSpcReduction="10000"/>
+          </a:bodyPr>
+          <a:lstStyle/>
+          <a:p>
+            <a:endParaRPr lang="zh-TW" altLang="en-US"/>
+          </a:p>
+        </p:txBody>
+      </p:sp>
+      <p:pic>
+        <p:nvPicPr>
+          <p:cNvPr id="6" name="圖片 5">
+            <a:extLst>
+              <a:ext uri="{FF2B5EF4-FFF2-40B4-BE49-F238E27FC236}">
+                <a16:creationId xmlns:a16="http://schemas.microsoft.com/office/drawing/2014/main" id="{D0072483-0716-42A2-B1B8-DFDFB794C2CB}"/>
+              </a:ext>
+            </a:extLst>
+          </p:cNvPr>
+          <p:cNvPicPr>
+            <a:picLocks noChangeAspect="1"/>
+          </p:cNvPicPr>
+          <p:nvPr/>
+        </p:nvPicPr>
+        <p:blipFill>
+          <a:blip r:embed="rId2"/>
+          <a:stretch>
+            <a:fillRect/>
+          </a:stretch>
+        </p:blipFill>
+        <p:spPr>
+          <a:xfrm>
+            <a:off x="76200" y="2259106"/>
+            <a:ext cx="5016500" cy="3329336"/>
+          </a:xfrm>
+          <a:prstGeom prst="rect">
+            <a:avLst/>
+          </a:prstGeom>
+        </p:spPr>
+      </p:pic>
+      <p:pic>
+        <p:nvPicPr>
+          <p:cNvPr id="8" name="圖片 7">
+            <a:extLst>
+              <a:ext uri="{FF2B5EF4-FFF2-40B4-BE49-F238E27FC236}">
+                <a16:creationId xmlns:a16="http://schemas.microsoft.com/office/drawing/2014/main" id="{00C97F98-D56A-474F-8692-9EC3CC9FD77D}"/>
+              </a:ext>
+            </a:extLst>
+          </p:cNvPr>
+          <p:cNvPicPr>
+            <a:picLocks noChangeAspect="1"/>
+          </p:cNvPicPr>
+          <p:nvPr/>
+        </p:nvPicPr>
+        <p:blipFill>
+          <a:blip r:embed="rId3"/>
+          <a:stretch>
+            <a:fillRect/>
+          </a:stretch>
+        </p:blipFill>
+        <p:spPr>
+          <a:xfrm>
+            <a:off x="5168899" y="2259106"/>
+            <a:ext cx="6955473" cy="3329336"/>
+          </a:xfrm>
+          <a:prstGeom prst="rect">
+            <a:avLst/>
+          </a:prstGeom>
+        </p:spPr>
+      </p:pic>
+    </p:spTree>
+    <p:extLst>
+      <p:ext uri="{BB962C8B-B14F-4D97-AF65-F5344CB8AC3E}">
+        <p14:creationId xmlns:p14="http://schemas.microsoft.com/office/powerpoint/2010/main" val="2965784169"/>
+      </p:ext>
+    </p:extLst>
+  </p:cSld>
+  <p:clrMapOvr>
+    <a:masterClrMapping/>
+  </p:clrMapOvr>
+</p:sld>
+</file>
+
+<file path=ppt/slides/slide13.xml><?xml version="1.0" encoding="utf-8"?>
+<p:sld xmlns:a="http://schemas.openxmlformats.org/drawingml/2006/main" xmlns:r="http://schemas.openxmlformats.org/officeDocument/2006/relationships" xmlns:p="http://schemas.openxmlformats.org/presentationml/2006/main">
+  <p:cSld>
+    <p:spTree>
+      <p:nvGrpSpPr>
+        <p:cNvPr id="1" name=""/>
+        <p:cNvGrpSpPr/>
+        <p:nvPr/>
+      </p:nvGrpSpPr>
+      <p:grpSpPr>
+        <a:xfrm>
+          <a:off x="0" y="0"/>
+          <a:ext cx="0" cy="0"/>
+          <a:chOff x="0" y="0"/>
+          <a:chExt cx="0" cy="0"/>
+        </a:xfrm>
+      </p:grpSpPr>
+      <p:sp>
+        <p:nvSpPr>
+          <p:cNvPr id="2" name="內容版面配置區 1">
+            <a:extLst>
+              <a:ext uri="{FF2B5EF4-FFF2-40B4-BE49-F238E27FC236}">
+                <a16:creationId xmlns:a16="http://schemas.microsoft.com/office/drawing/2014/main" id="{5EE4560B-11EE-446B-81AF-1A4535E0B3D4}"/>
+              </a:ext>
+            </a:extLst>
+          </p:cNvPr>
+          <p:cNvSpPr>
+            <a:spLocks noGrp="1"/>
+          </p:cNvSpPr>
+          <p:nvPr>
+            <p:ph sz="quarter" idx="12"/>
+          </p:nvPr>
+        </p:nvSpPr>
+        <p:spPr/>
+        <p:txBody>
+          <a:bodyPr/>
+          <a:lstStyle/>
+          <a:p>
+            <a:r>
+              <a:rPr lang="zh-TW" altLang="en-US" dirty="0"/>
+              <a:t>組件做完後就比較簡單了</a:t>
+            </a:r>
+            <a:endParaRPr lang="en-US" altLang="zh-TW" dirty="0"/>
+          </a:p>
+          <a:p>
+            <a:r>
+              <a:rPr lang="zh-TW" altLang="en-US" dirty="0"/>
+              <a:t>檔案：</a:t>
+            </a:r>
+            <a:r>
+              <a:rPr lang="en-US" altLang="zh-TW" dirty="0" err="1"/>
+              <a:t>vue</a:t>
+            </a:r>
+            <a:r>
+              <a:rPr lang="en-US" altLang="zh-TW" dirty="0"/>
+              <a:t>-project-router</a:t>
+            </a:r>
+          </a:p>
+          <a:p>
+            <a:r>
+              <a:rPr lang="en-US" altLang="zh-TW" dirty="0"/>
+              <a:t>STEP05</a:t>
+            </a:r>
+            <a:r>
+              <a:rPr lang="zh-TW" altLang="en-US" dirty="0"/>
+              <a:t>：在</a:t>
+            </a:r>
+            <a:r>
+              <a:rPr lang="en-US" altLang="zh-TW" dirty="0"/>
+              <a:t>main.js</a:t>
+            </a:r>
+            <a:r>
+              <a:rPr lang="zh-TW" altLang="en-US" dirty="0"/>
+              <a:t>中</a:t>
+            </a:r>
+            <a:r>
+              <a:rPr lang="en-US" altLang="zh-TW" dirty="0"/>
+              <a:t>(1)</a:t>
+            </a:r>
+            <a:r>
+              <a:rPr lang="zh-TW" altLang="en-US" dirty="0"/>
+              <a:t>引入檔案。</a:t>
+            </a:r>
+            <a:r>
+              <a:rPr lang="en-US" altLang="zh-TW" dirty="0"/>
+              <a:t>(2)</a:t>
+            </a:r>
+            <a:r>
+              <a:rPr lang="zh-TW" altLang="en-US" dirty="0"/>
+              <a:t>建立</a:t>
+            </a:r>
+            <a:r>
+              <a:rPr lang="en-US" altLang="zh-TW" dirty="0"/>
+              <a:t>router</a:t>
+            </a:r>
+            <a:r>
+              <a:rPr lang="zh-TW" altLang="en-US" dirty="0"/>
+              <a:t>。</a:t>
+            </a:r>
+            <a:r>
+              <a:rPr lang="en-US" altLang="zh-TW" dirty="0"/>
+              <a:t>(3)</a:t>
+            </a:r>
+            <a:r>
+              <a:rPr lang="zh-TW" altLang="en-US" dirty="0"/>
+              <a:t>串再一起</a:t>
+            </a:r>
+          </a:p>
+          <a:p>
+            <a:endParaRPr lang="zh-TW" altLang="en-US" dirty="0"/>
+          </a:p>
+        </p:txBody>
+      </p:sp>
+      <p:sp>
+        <p:nvSpPr>
+          <p:cNvPr id="3" name="標題 2">
+            <a:extLst>
+              <a:ext uri="{FF2B5EF4-FFF2-40B4-BE49-F238E27FC236}">
+                <a16:creationId xmlns:a16="http://schemas.microsoft.com/office/drawing/2014/main" id="{AA78FDFD-2783-440C-8E41-8F38BE8FE79D}"/>
+              </a:ext>
+            </a:extLst>
+          </p:cNvPr>
+          <p:cNvSpPr>
+            <a:spLocks noGrp="1"/>
+          </p:cNvSpPr>
+          <p:nvPr>
+            <p:ph type="title"/>
+          </p:nvPr>
+        </p:nvSpPr>
+        <p:spPr/>
+        <p:txBody>
+          <a:bodyPr>
+            <a:normAutofit fontScale="90000"/>
+          </a:bodyPr>
+          <a:lstStyle/>
+          <a:p>
+            <a:r>
+              <a:rPr lang="en-US" altLang="zh-TW" dirty="0"/>
+              <a:t>Vue-</a:t>
+            </a:r>
+            <a:r>
+              <a:rPr lang="en-US" altLang="zh-TW" dirty="0" err="1"/>
+              <a:t>ruter</a:t>
+            </a:r>
+            <a:r>
+              <a:rPr lang="en-US" altLang="zh-TW" dirty="0"/>
+              <a:t>--</a:t>
+            </a:r>
+            <a:r>
+              <a:rPr lang="zh-TW" altLang="en-US" dirty="0"/>
+              <a:t>實作階段</a:t>
+            </a:r>
+          </a:p>
+        </p:txBody>
+      </p:sp>
+      <p:sp>
+        <p:nvSpPr>
+          <p:cNvPr id="4" name="文字版面配置區 3">
+            <a:extLst>
+              <a:ext uri="{FF2B5EF4-FFF2-40B4-BE49-F238E27FC236}">
+                <a16:creationId xmlns:a16="http://schemas.microsoft.com/office/drawing/2014/main" id="{6104ABB7-102E-43CF-8EF5-288711CDD073}"/>
+              </a:ext>
+            </a:extLst>
+          </p:cNvPr>
+          <p:cNvSpPr>
+            <a:spLocks noGrp="1"/>
+          </p:cNvSpPr>
+          <p:nvPr>
+            <p:ph type="body" sz="quarter" idx="11"/>
+          </p:nvPr>
+        </p:nvSpPr>
+        <p:spPr/>
+        <p:txBody>
+          <a:bodyPr>
+            <a:normAutofit lnSpcReduction="10000"/>
+          </a:bodyPr>
+          <a:lstStyle/>
+          <a:p>
+            <a:endParaRPr lang="zh-TW" altLang="en-US"/>
+          </a:p>
+        </p:txBody>
+      </p:sp>
+      <p:pic>
+        <p:nvPicPr>
+          <p:cNvPr id="8" name="圖片 7">
+            <a:extLst>
+              <a:ext uri="{FF2B5EF4-FFF2-40B4-BE49-F238E27FC236}">
+                <a16:creationId xmlns:a16="http://schemas.microsoft.com/office/drawing/2014/main" id="{835708CE-F0EC-48A0-87E3-88EEFA48C8DB}"/>
+              </a:ext>
+            </a:extLst>
+          </p:cNvPr>
+          <p:cNvPicPr>
+            <a:picLocks noChangeAspect="1"/>
+          </p:cNvPicPr>
+          <p:nvPr/>
+        </p:nvPicPr>
+        <p:blipFill>
+          <a:blip r:embed="rId2"/>
+          <a:stretch>
+            <a:fillRect/>
+          </a:stretch>
+        </p:blipFill>
+        <p:spPr>
+          <a:xfrm>
+            <a:off x="76199" y="2197099"/>
+            <a:ext cx="7695355" cy="4479925"/>
+          </a:xfrm>
+          <a:prstGeom prst="rect">
+            <a:avLst/>
+          </a:prstGeom>
+        </p:spPr>
+      </p:pic>
+      <p:pic>
+        <p:nvPicPr>
+          <p:cNvPr id="10" name="圖片 9">
+            <a:extLst>
+              <a:ext uri="{FF2B5EF4-FFF2-40B4-BE49-F238E27FC236}">
+                <a16:creationId xmlns:a16="http://schemas.microsoft.com/office/drawing/2014/main" id="{1AB73DD7-89DF-4DD3-9B40-BCC3F12A2298}"/>
+              </a:ext>
+            </a:extLst>
+          </p:cNvPr>
+          <p:cNvPicPr>
+            <a:picLocks noChangeAspect="1"/>
+          </p:cNvPicPr>
+          <p:nvPr/>
+        </p:nvPicPr>
+        <p:blipFill>
+          <a:blip r:embed="rId3"/>
+          <a:stretch>
+            <a:fillRect/>
+          </a:stretch>
+        </p:blipFill>
+        <p:spPr>
+          <a:xfrm>
+            <a:off x="7797800" y="2197101"/>
+            <a:ext cx="4318000" cy="2076206"/>
+          </a:xfrm>
+          <a:prstGeom prst="rect">
+            <a:avLst/>
+          </a:prstGeom>
+        </p:spPr>
+      </p:pic>
+    </p:spTree>
+    <p:extLst>
+      <p:ext uri="{BB962C8B-B14F-4D97-AF65-F5344CB8AC3E}">
+        <p14:creationId xmlns:p14="http://schemas.microsoft.com/office/powerpoint/2010/main" val="2908298771"/>
+      </p:ext>
+    </p:extLst>
+  </p:cSld>
+  <p:clrMapOvr>
+    <a:masterClrMapping/>
+  </p:clrMapOvr>
+</p:sld>
+</file>
+
+<file path=ppt/slides/slide14.xml><?xml version="1.0" encoding="utf-8"?>
+<p:sld xmlns:a="http://schemas.openxmlformats.org/drawingml/2006/main" xmlns:r="http://schemas.openxmlformats.org/officeDocument/2006/relationships" xmlns:p="http://schemas.openxmlformats.org/presentationml/2006/main">
+  <p:cSld>
+    <p:spTree>
+      <p:nvGrpSpPr>
+        <p:cNvPr id="1" name=""/>
+        <p:cNvGrpSpPr/>
+        <p:nvPr/>
+      </p:nvGrpSpPr>
+      <p:grpSpPr>
+        <a:xfrm>
+          <a:off x="0" y="0"/>
+          <a:ext cx="0" cy="0"/>
+          <a:chOff x="0" y="0"/>
+          <a:chExt cx="0" cy="0"/>
+        </a:xfrm>
+      </p:grpSpPr>
+      <p:sp>
+        <p:nvSpPr>
+          <p:cNvPr id="2" name="內容版面配置區 1">
+            <a:extLst>
+              <a:ext uri="{FF2B5EF4-FFF2-40B4-BE49-F238E27FC236}">
+                <a16:creationId xmlns:a16="http://schemas.microsoft.com/office/drawing/2014/main" id="{5EE4560B-11EE-446B-81AF-1A4535E0B3D4}"/>
+              </a:ext>
+            </a:extLst>
+          </p:cNvPr>
+          <p:cNvSpPr>
+            <a:spLocks noGrp="1"/>
+          </p:cNvSpPr>
+          <p:nvPr>
+            <p:ph sz="quarter" idx="12"/>
+          </p:nvPr>
+        </p:nvSpPr>
+        <p:spPr>
+          <a:xfrm>
+            <a:off x="0" y="973385"/>
+            <a:ext cx="4285129" cy="1617416"/>
+          </a:xfrm>
+        </p:spPr>
+        <p:txBody>
+          <a:bodyPr/>
+          <a:lstStyle/>
+          <a:p>
+            <a:r>
+              <a:rPr lang="zh-TW" altLang="en-US" dirty="0"/>
+              <a:t>組件做完後就比較簡單了</a:t>
+            </a:r>
+            <a:endParaRPr lang="en-US" altLang="zh-TW" dirty="0"/>
+          </a:p>
+          <a:p>
+            <a:r>
+              <a:rPr lang="zh-TW" altLang="en-US" dirty="0"/>
+              <a:t>檔案：</a:t>
+            </a:r>
+            <a:r>
+              <a:rPr lang="en-US" altLang="zh-TW" dirty="0" err="1"/>
+              <a:t>vue</a:t>
+            </a:r>
+            <a:r>
+              <a:rPr lang="en-US" altLang="zh-TW" dirty="0"/>
+              <a:t>-project-router</a:t>
+            </a:r>
+          </a:p>
+          <a:p>
+            <a:r>
+              <a:rPr lang="en-US" altLang="zh-TW" dirty="0"/>
+              <a:t>STEP06</a:t>
+            </a:r>
+            <a:r>
+              <a:rPr lang="zh-TW" altLang="en-US" dirty="0"/>
+              <a:t>：在</a:t>
+            </a:r>
+            <a:r>
+              <a:rPr lang="en-US" altLang="zh-TW" dirty="0" err="1"/>
+              <a:t>app.vue</a:t>
+            </a:r>
+            <a:r>
+              <a:rPr lang="zh-TW" altLang="en-US" dirty="0"/>
+              <a:t>中使用</a:t>
+            </a:r>
+          </a:p>
+        </p:txBody>
+      </p:sp>
+      <p:sp>
+        <p:nvSpPr>
+          <p:cNvPr id="3" name="標題 2">
+            <a:extLst>
+              <a:ext uri="{FF2B5EF4-FFF2-40B4-BE49-F238E27FC236}">
+                <a16:creationId xmlns:a16="http://schemas.microsoft.com/office/drawing/2014/main" id="{AA78FDFD-2783-440C-8E41-8F38BE8FE79D}"/>
+              </a:ext>
+            </a:extLst>
+          </p:cNvPr>
+          <p:cNvSpPr>
+            <a:spLocks noGrp="1"/>
+          </p:cNvSpPr>
+          <p:nvPr>
+            <p:ph type="title"/>
+          </p:nvPr>
+        </p:nvSpPr>
+        <p:spPr/>
+        <p:txBody>
+          <a:bodyPr>
+            <a:normAutofit fontScale="90000"/>
+          </a:bodyPr>
+          <a:lstStyle/>
+          <a:p>
+            <a:r>
+              <a:rPr lang="en-US" altLang="zh-TW" dirty="0"/>
+              <a:t>Vue-</a:t>
+            </a:r>
+            <a:r>
+              <a:rPr lang="en-US" altLang="zh-TW" dirty="0" err="1"/>
+              <a:t>ruter</a:t>
+            </a:r>
+            <a:r>
+              <a:rPr lang="en-US" altLang="zh-TW" dirty="0"/>
+              <a:t>--</a:t>
+            </a:r>
+            <a:r>
+              <a:rPr lang="zh-TW" altLang="en-US" dirty="0"/>
+              <a:t>實作階段</a:t>
+            </a:r>
+          </a:p>
+        </p:txBody>
+      </p:sp>
+      <p:sp>
+        <p:nvSpPr>
+          <p:cNvPr id="4" name="文字版面配置區 3">
+            <a:extLst>
+              <a:ext uri="{FF2B5EF4-FFF2-40B4-BE49-F238E27FC236}">
+                <a16:creationId xmlns:a16="http://schemas.microsoft.com/office/drawing/2014/main" id="{6104ABB7-102E-43CF-8EF5-288711CDD073}"/>
+              </a:ext>
+            </a:extLst>
+          </p:cNvPr>
+          <p:cNvSpPr>
+            <a:spLocks noGrp="1"/>
+          </p:cNvSpPr>
+          <p:nvPr>
+            <p:ph type="body" sz="quarter" idx="11"/>
+          </p:nvPr>
+        </p:nvSpPr>
+        <p:spPr/>
+        <p:txBody>
+          <a:bodyPr>
+            <a:normAutofit lnSpcReduction="10000"/>
+          </a:bodyPr>
+          <a:lstStyle/>
+          <a:p>
+            <a:endParaRPr lang="zh-TW" altLang="en-US"/>
+          </a:p>
+        </p:txBody>
+      </p:sp>
+      <p:pic>
+        <p:nvPicPr>
+          <p:cNvPr id="6" name="圖片 5">
+            <a:extLst>
+              <a:ext uri="{FF2B5EF4-FFF2-40B4-BE49-F238E27FC236}">
+                <a16:creationId xmlns:a16="http://schemas.microsoft.com/office/drawing/2014/main" id="{D76DBC21-38B8-4F9B-8505-CBC0A50EA424}"/>
+              </a:ext>
+            </a:extLst>
+          </p:cNvPr>
+          <p:cNvPicPr>
+            <a:picLocks noChangeAspect="1"/>
+          </p:cNvPicPr>
+          <p:nvPr/>
+        </p:nvPicPr>
+        <p:blipFill>
+          <a:blip r:embed="rId2"/>
+          <a:stretch>
+            <a:fillRect/>
+          </a:stretch>
+        </p:blipFill>
+        <p:spPr>
+          <a:xfrm>
+            <a:off x="311150" y="2124075"/>
+            <a:ext cx="5905500" cy="4552950"/>
+          </a:xfrm>
+          <a:prstGeom prst="rect">
+            <a:avLst/>
+          </a:prstGeom>
+        </p:spPr>
+      </p:pic>
+      <p:sp>
+        <p:nvSpPr>
+          <p:cNvPr id="11" name="內容版面配置區 1">
+            <a:extLst>
+              <a:ext uri="{FF2B5EF4-FFF2-40B4-BE49-F238E27FC236}">
+                <a16:creationId xmlns:a16="http://schemas.microsoft.com/office/drawing/2014/main" id="{3AAFE6DD-39DF-4A5B-B4B4-9FA20A8AD4FB}"/>
+              </a:ext>
+            </a:extLst>
+          </p:cNvPr>
+          <p:cNvSpPr txBox="1">
+            <a:spLocks/>
+          </p:cNvSpPr>
+          <p:nvPr/>
+        </p:nvSpPr>
+        <p:spPr>
+          <a:xfrm>
+            <a:off x="6347013" y="2097335"/>
+            <a:ext cx="4285129" cy="1617416"/>
+          </a:xfrm>
+          <a:prstGeom prst="rect">
+            <a:avLst/>
+          </a:prstGeom>
+        </p:spPr>
+        <p:txBody>
+          <a:bodyPr vert="horz" lIns="91440" tIns="45720" rIns="91440" bIns="45720" rtlCol="0">
+            <a:normAutofit/>
+          </a:bodyPr>
+          <a:lstStyle>
+            <a:lvl1pPr marL="228600" indent="-228600" algn="l" defTabSz="914400" rtl="0" eaLnBrk="1" latinLnBrk="0" hangingPunct="1">
+              <a:lnSpc>
+                <a:spcPct val="100000"/>
+              </a:lnSpc>
+              <a:spcBef>
+                <a:spcPts val="1000"/>
+              </a:spcBef>
+              <a:buFont typeface="Wingdings" panose="05000000000000000000" pitchFamily="2" charset="2"/>
+              <a:buChar char=""/>
+              <a:defRPr sz="1800" kern="1200" baseline="0">
+                <a:solidFill>
+                  <a:schemeClr val="tx1"/>
+                </a:solidFill>
+                <a:latin typeface="Times New Roman" panose="02020603050405020304" pitchFamily="18" charset="0"/>
+                <a:ea typeface="標楷體" panose="03000509000000000000" pitchFamily="65" charset="-120"/>
+                <a:cs typeface="+mn-cs"/>
+              </a:defRPr>
+            </a:lvl1pPr>
+            <a:lvl2pPr marL="800100" indent="-342900" algn="l" defTabSz="914400" rtl="0" eaLnBrk="1" latinLnBrk="0" hangingPunct="1">
+              <a:lnSpc>
+                <a:spcPct val="100000"/>
+              </a:lnSpc>
+              <a:spcBef>
+                <a:spcPts val="500"/>
+              </a:spcBef>
+              <a:buFont typeface="Wingdings" panose="05000000000000000000" pitchFamily="2" charset="2"/>
+              <a:buChar char=""/>
+              <a:defRPr sz="1800" kern="1200" baseline="0">
+                <a:solidFill>
+                  <a:schemeClr val="tx1"/>
+                </a:solidFill>
+                <a:latin typeface="Times New Roman" panose="02020603050405020304" pitchFamily="18" charset="0"/>
+                <a:ea typeface="標楷體" panose="03000509000000000000" pitchFamily="65" charset="-120"/>
+                <a:cs typeface="+mn-cs"/>
+              </a:defRPr>
+            </a:lvl2pPr>
+            <a:lvl3pPr marL="1143000" indent="-228600" algn="l" defTabSz="914400" rtl="0" eaLnBrk="1" latinLnBrk="0" hangingPunct="1">
+              <a:lnSpc>
+                <a:spcPct val="100000"/>
+              </a:lnSpc>
+              <a:spcBef>
+                <a:spcPts val="500"/>
+              </a:spcBef>
+              <a:buFont typeface="Wingdings" panose="05000000000000000000" pitchFamily="2" charset="2"/>
+              <a:buChar char=""/>
+              <a:defRPr sz="1800" kern="1200" baseline="0">
+                <a:solidFill>
+                  <a:schemeClr val="tx1"/>
+                </a:solidFill>
+                <a:latin typeface="Times New Roman" panose="02020603050405020304" pitchFamily="18" charset="0"/>
+                <a:ea typeface="標楷體" panose="03000509000000000000" pitchFamily="65" charset="-120"/>
+                <a:cs typeface="+mn-cs"/>
+              </a:defRPr>
+            </a:lvl3pPr>
+            <a:lvl4pPr marL="1600200" indent="-228600" algn="l" defTabSz="914400" rtl="0" eaLnBrk="1" latinLnBrk="0" hangingPunct="1">
+              <a:lnSpc>
+                <a:spcPct val="90000"/>
+              </a:lnSpc>
+              <a:spcBef>
+                <a:spcPts val="500"/>
+              </a:spcBef>
+              <a:buFont typeface="Wingdings" panose="05000000000000000000" pitchFamily="2" charset="2"/>
+              <a:buChar char=""/>
+              <a:defRPr sz="1800" kern="1200" baseline="0">
+                <a:solidFill>
+                  <a:schemeClr val="tx1"/>
+                </a:solidFill>
+                <a:latin typeface="Times New Roman" panose="02020603050405020304" pitchFamily="18" charset="0"/>
+                <a:ea typeface="標楷體" panose="03000509000000000000" pitchFamily="65" charset="-120"/>
+                <a:cs typeface="+mn-cs"/>
+              </a:defRPr>
+            </a:lvl4pPr>
+            <a:lvl5pPr marL="2057400" indent="-228600" algn="l" defTabSz="914400" rtl="0" eaLnBrk="1" latinLnBrk="0" hangingPunct="1">
+              <a:lnSpc>
+                <a:spcPct val="90000"/>
+              </a:lnSpc>
+              <a:spcBef>
+                <a:spcPts val="500"/>
+              </a:spcBef>
+              <a:buFont typeface="Wingdings" panose="05000000000000000000" pitchFamily="2" charset="2"/>
+              <a:buChar char=""/>
+              <a:defRPr sz="1800" kern="1200" baseline="0">
+                <a:solidFill>
+                  <a:schemeClr val="tx1"/>
+                </a:solidFill>
+                <a:latin typeface="Times New Roman" panose="02020603050405020304" pitchFamily="18" charset="0"/>
+                <a:ea typeface="標楷體" panose="03000509000000000000" pitchFamily="65" charset="-120"/>
+                <a:cs typeface="+mn-cs"/>
+              </a:defRPr>
+            </a:lvl5pPr>
+            <a:lvl6pPr marL="2514600" indent="-228600" algn="l" defTabSz="914400" rtl="0" eaLnBrk="1" latinLnBrk="0" hangingPunct="1">
+              <a:lnSpc>
+                <a:spcPct val="90000"/>
+              </a:lnSpc>
+              <a:spcBef>
+                <a:spcPts val="500"/>
+              </a:spcBef>
+              <a:buFont typeface="Arial" panose="020B0604020202020204" pitchFamily="34" charset="0"/>
+              <a:buChar char="•"/>
+              <a:defRPr sz="1800" kern="1200">
+                <a:solidFill>
+                  <a:schemeClr val="tx1"/>
+                </a:solidFill>
+                <a:latin typeface="+mn-lt"/>
+                <a:ea typeface="+mn-ea"/>
+                <a:cs typeface="+mn-cs"/>
+              </a:defRPr>
+            </a:lvl6pPr>
+            <a:lvl7pPr marL="2971800" indent="-228600" algn="l" defTabSz="914400" rtl="0" eaLnBrk="1" latinLnBrk="0" hangingPunct="1">
+              <a:lnSpc>
+                <a:spcPct val="90000"/>
+              </a:lnSpc>
+              <a:spcBef>
+                <a:spcPts val="500"/>
+              </a:spcBef>
+              <a:buFont typeface="Arial" panose="020B0604020202020204" pitchFamily="34" charset="0"/>
+              <a:buChar char="•"/>
+              <a:defRPr sz="1800" kern="1200">
+                <a:solidFill>
+                  <a:schemeClr val="tx1"/>
+                </a:solidFill>
+                <a:latin typeface="+mn-lt"/>
+                <a:ea typeface="+mn-ea"/>
+                <a:cs typeface="+mn-cs"/>
+              </a:defRPr>
+            </a:lvl7pPr>
+            <a:lvl8pPr marL="3429000" indent="-228600" algn="l" defTabSz="914400" rtl="0" eaLnBrk="1" latinLnBrk="0" hangingPunct="1">
+              <a:lnSpc>
+                <a:spcPct val="90000"/>
+              </a:lnSpc>
+              <a:spcBef>
+                <a:spcPts val="500"/>
+              </a:spcBef>
+              <a:buFont typeface="Arial" panose="020B0604020202020204" pitchFamily="34" charset="0"/>
+              <a:buChar char="•"/>
+              <a:defRPr sz="1800" kern="1200">
+                <a:solidFill>
+                  <a:schemeClr val="tx1"/>
+                </a:solidFill>
+                <a:latin typeface="+mn-lt"/>
+                <a:ea typeface="+mn-ea"/>
+                <a:cs typeface="+mn-cs"/>
+              </a:defRPr>
+            </a:lvl8pPr>
+            <a:lvl9pPr marL="3886200" indent="-228600" algn="l" defTabSz="914400" rtl="0" eaLnBrk="1" latinLnBrk="0" hangingPunct="1">
+              <a:lnSpc>
+                <a:spcPct val="90000"/>
+              </a:lnSpc>
+              <a:spcBef>
+                <a:spcPts val="500"/>
+              </a:spcBef>
+              <a:buFont typeface="Arial" panose="020B0604020202020204" pitchFamily="34" charset="0"/>
+              <a:buChar char="•"/>
+              <a:defRPr sz="1800" kern="1200">
+                <a:solidFill>
+                  <a:schemeClr val="tx1"/>
+                </a:solidFill>
+                <a:latin typeface="+mn-lt"/>
+                <a:ea typeface="+mn-ea"/>
+                <a:cs typeface="+mn-cs"/>
+              </a:defRPr>
+            </a:lvl9pPr>
+          </a:lstStyle>
+          <a:p>
+            <a:r>
+              <a:rPr lang="zh-TW" altLang="en-US" dirty="0"/>
+              <a:t>到這邊就做完了</a:t>
+            </a:r>
+            <a:endParaRPr lang="en-US" altLang="zh-TW" dirty="0"/>
+          </a:p>
+          <a:p>
+            <a:r>
+              <a:rPr lang="zh-TW" altLang="en-US" dirty="0"/>
+              <a:t>接下來說明每一個部分</a:t>
+            </a:r>
+            <a:r>
+              <a:rPr lang="en-US" altLang="zh-TW" dirty="0"/>
+              <a:t>~</a:t>
+            </a:r>
+            <a:endParaRPr lang="zh-TW" altLang="en-US" dirty="0"/>
+          </a:p>
+        </p:txBody>
+      </p:sp>
+      <p:pic>
+        <p:nvPicPr>
+          <p:cNvPr id="2050" name="Picture 2" descr="其中包含以下圖片：">
+            <a:extLst>
+              <a:ext uri="{FF2B5EF4-FFF2-40B4-BE49-F238E27FC236}">
+                <a16:creationId xmlns:a16="http://schemas.microsoft.com/office/drawing/2014/main" id="{7CAA8922-9251-4D5D-9F05-F6B0257BC9FF}"/>
+              </a:ext>
+            </a:extLst>
+          </p:cNvPr>
+          <p:cNvPicPr>
+            <a:picLocks noChangeAspect="1" noChangeArrowheads="1"/>
+          </p:cNvPicPr>
+          <p:nvPr/>
+        </p:nvPicPr>
+        <p:blipFill>
+          <a:blip r:embed="rId3">
+            <a:extLst>
+              <a:ext uri="{28A0092B-C50C-407E-A947-70E740481C1C}">
+                <a14:useLocalDpi xmlns:a14="http://schemas.microsoft.com/office/drawing/2010/main" val="0"/>
+              </a:ext>
+            </a:extLst>
+          </a:blip>
+          <a:srcRect/>
+          <a:stretch>
+            <a:fillRect/>
+          </a:stretch>
+        </p:blipFill>
+        <p:spPr bwMode="auto">
+          <a:xfrm>
+            <a:off x="6527800" y="2994212"/>
+            <a:ext cx="2247900" cy="2247900"/>
+          </a:xfrm>
+          <a:prstGeom prst="rect">
+            <a:avLst/>
+          </a:prstGeom>
+          <a:noFill/>
+          <a:extLst>
+            <a:ext uri="{909E8E84-426E-40DD-AFC4-6F175D3DCCD1}">
+              <a14:hiddenFill xmlns:a14="http://schemas.microsoft.com/office/drawing/2010/main">
+                <a:solidFill>
+                  <a:srgbClr val="FFFFFF"/>
+                </a:solidFill>
+              </a14:hiddenFill>
+            </a:ext>
+          </a:extLst>
+        </p:spPr>
+      </p:pic>
+    </p:spTree>
+    <p:extLst>
+      <p:ext uri="{BB962C8B-B14F-4D97-AF65-F5344CB8AC3E}">
+        <p14:creationId xmlns:p14="http://schemas.microsoft.com/office/powerpoint/2010/main" val="4128551401"/>
+      </p:ext>
+    </p:extLst>
+  </p:cSld>
+  <p:clrMapOvr>
+    <a:masterClrMapping/>
+  </p:clrMapOvr>
+</p:sld>
+</file>
+
+<file path=ppt/slides/slide15.xml><?xml version="1.0" encoding="utf-8"?>
+<p:sld xmlns:a="http://schemas.openxmlformats.org/drawingml/2006/main" xmlns:r="http://schemas.openxmlformats.org/officeDocument/2006/relationships" xmlns:p="http://schemas.openxmlformats.org/presentationml/2006/main">
+  <p:cSld>
+    <p:spTree>
+      <p:nvGrpSpPr>
+        <p:cNvPr id="1" name=""/>
+        <p:cNvGrpSpPr/>
+        <p:nvPr/>
+      </p:nvGrpSpPr>
+      <p:grpSpPr>
+        <a:xfrm>
+          <a:off x="0" y="0"/>
+          <a:ext cx="0" cy="0"/>
+          <a:chOff x="0" y="0"/>
+          <a:chExt cx="0" cy="0"/>
+        </a:xfrm>
+      </p:grpSpPr>
+      <p:sp>
+        <p:nvSpPr>
+          <p:cNvPr id="2" name="內容版面配置區 1">
+            <a:extLst>
+              <a:ext uri="{FF2B5EF4-FFF2-40B4-BE49-F238E27FC236}">
+                <a16:creationId xmlns:a16="http://schemas.microsoft.com/office/drawing/2014/main" id="{CD5948A9-7317-4102-AB6A-DCDCB49F27CC}"/>
+              </a:ext>
+            </a:extLst>
+          </p:cNvPr>
+          <p:cNvSpPr>
+            <a:spLocks noGrp="1"/>
+          </p:cNvSpPr>
+          <p:nvPr>
+            <p:ph sz="quarter" idx="12"/>
+          </p:nvPr>
+        </p:nvSpPr>
+        <p:spPr/>
+        <p:txBody>
+          <a:bodyPr/>
+          <a:lstStyle/>
+          <a:p>
+            <a:r>
+              <a:rPr lang="en-US" altLang="zh-TW" dirty="0"/>
+              <a:t>router</a:t>
+            </a:r>
+            <a:r>
+              <a:rPr lang="zh-TW" altLang="en-US" dirty="0"/>
+              <a:t>基本建立方式</a:t>
+            </a:r>
+            <a:endParaRPr lang="en-US" altLang="zh-TW" dirty="0"/>
+          </a:p>
+          <a:p>
+            <a:r>
+              <a:rPr lang="zh-TW" altLang="en-US" dirty="0"/>
+              <a:t>完成</a:t>
+            </a:r>
+            <a:r>
+              <a:rPr lang="en-US" altLang="zh-TW" dirty="0"/>
+              <a:t>router</a:t>
+            </a:r>
+            <a:r>
+              <a:rPr lang="zh-TW" altLang="en-US" dirty="0"/>
+              <a:t>後</a:t>
+            </a:r>
+            <a:endParaRPr lang="en-US" altLang="zh-TW" dirty="0"/>
+          </a:p>
+          <a:p>
+            <a:r>
+              <a:rPr lang="zh-TW" altLang="en-US" dirty="0"/>
+              <a:t>在搜尋欄打</a:t>
+            </a:r>
+            <a:endParaRPr lang="en-US" altLang="zh-TW" dirty="0"/>
+          </a:p>
+          <a:p>
+            <a:pPr lvl="1"/>
+            <a:r>
+              <a:rPr lang="en-US" altLang="zh-TW" dirty="0">
+                <a:hlinkClick r:id="rId2"/>
+              </a:rPr>
+              <a:t>http://localhost:8081/teampage/</a:t>
+            </a:r>
+            <a:endParaRPr lang="en-US" altLang="zh-TW" dirty="0"/>
+          </a:p>
+          <a:p>
+            <a:pPr lvl="1"/>
+            <a:r>
+              <a:rPr lang="en-US" altLang="zh-TW" dirty="0">
+                <a:hlinkClick r:id="rId3"/>
+              </a:rPr>
+              <a:t>http://localhost:8081/userpage/</a:t>
+            </a:r>
+            <a:endParaRPr lang="en-US" altLang="zh-TW" dirty="0"/>
+          </a:p>
+          <a:p>
+            <a:r>
+              <a:rPr lang="zh-TW" altLang="en-US" dirty="0"/>
+              <a:t>就會依據</a:t>
+            </a:r>
+            <a:r>
+              <a:rPr lang="en-US" altLang="zh-TW" dirty="0"/>
+              <a:t>router</a:t>
+            </a:r>
+            <a:r>
+              <a:rPr lang="zh-TW" altLang="en-US" dirty="0"/>
+              <a:t>，到指定得</a:t>
+            </a:r>
+            <a:r>
+              <a:rPr lang="en-US" altLang="zh-TW" dirty="0"/>
+              <a:t>component</a:t>
+            </a:r>
+          </a:p>
+          <a:p>
+            <a:pPr lvl="1"/>
+            <a:endParaRPr lang="zh-TW" altLang="en-US" dirty="0"/>
+          </a:p>
+        </p:txBody>
+      </p:sp>
+      <p:sp>
+        <p:nvSpPr>
+          <p:cNvPr id="3" name="標題 2">
+            <a:extLst>
+              <a:ext uri="{FF2B5EF4-FFF2-40B4-BE49-F238E27FC236}">
+                <a16:creationId xmlns:a16="http://schemas.microsoft.com/office/drawing/2014/main" id="{3DFD8428-15A5-420E-8BAE-BBC768103086}"/>
+              </a:ext>
+            </a:extLst>
+          </p:cNvPr>
+          <p:cNvSpPr>
+            <a:spLocks noGrp="1"/>
+          </p:cNvSpPr>
+          <p:nvPr>
+            <p:ph type="title"/>
+          </p:nvPr>
+        </p:nvSpPr>
+        <p:spPr/>
+        <p:txBody>
+          <a:bodyPr>
+            <a:normAutofit fontScale="90000"/>
+          </a:bodyPr>
+          <a:lstStyle/>
+          <a:p>
+            <a:r>
+              <a:rPr lang="en-US" altLang="zh-TW" dirty="0"/>
+              <a:t>Vue-</a:t>
+            </a:r>
+            <a:r>
+              <a:rPr lang="en-US" altLang="zh-TW" dirty="0" err="1"/>
+              <a:t>ruter</a:t>
+            </a:r>
+            <a:r>
+              <a:rPr lang="en-US" altLang="zh-TW" dirty="0"/>
+              <a:t>--</a:t>
+            </a:r>
+            <a:r>
+              <a:rPr lang="zh-TW" altLang="en-US" dirty="0"/>
+              <a:t>說明階段</a:t>
+            </a:r>
+          </a:p>
+        </p:txBody>
+      </p:sp>
+      <p:sp>
+        <p:nvSpPr>
+          <p:cNvPr id="4" name="文字版面配置區 3">
+            <a:extLst>
+              <a:ext uri="{FF2B5EF4-FFF2-40B4-BE49-F238E27FC236}">
+                <a16:creationId xmlns:a16="http://schemas.microsoft.com/office/drawing/2014/main" id="{C83C6B81-2E9D-40E6-92E9-B8F92DC286F6}"/>
+              </a:ext>
+            </a:extLst>
+          </p:cNvPr>
+          <p:cNvSpPr>
+            <a:spLocks noGrp="1"/>
+          </p:cNvSpPr>
+          <p:nvPr>
+            <p:ph type="body" sz="quarter" idx="11"/>
+          </p:nvPr>
+        </p:nvSpPr>
+        <p:spPr/>
+        <p:txBody>
+          <a:bodyPr>
+            <a:normAutofit lnSpcReduction="10000"/>
+          </a:bodyPr>
+          <a:lstStyle/>
+          <a:p>
+            <a:endParaRPr lang="zh-TW" altLang="en-US"/>
+          </a:p>
+        </p:txBody>
+      </p:sp>
+      <p:pic>
+        <p:nvPicPr>
+          <p:cNvPr id="6" name="圖片 5">
+            <a:extLst>
+              <a:ext uri="{FF2B5EF4-FFF2-40B4-BE49-F238E27FC236}">
+                <a16:creationId xmlns:a16="http://schemas.microsoft.com/office/drawing/2014/main" id="{517B1E09-CDDE-428E-8675-CB78873579F8}"/>
+              </a:ext>
+            </a:extLst>
+          </p:cNvPr>
+          <p:cNvPicPr>
+            <a:picLocks noChangeAspect="1"/>
+          </p:cNvPicPr>
+          <p:nvPr/>
+        </p:nvPicPr>
+        <p:blipFill>
+          <a:blip r:embed="rId4"/>
+          <a:stretch>
+            <a:fillRect/>
+          </a:stretch>
+        </p:blipFill>
+        <p:spPr>
+          <a:xfrm>
+            <a:off x="1674439" y="3429000"/>
+            <a:ext cx="4212920" cy="3248025"/>
+          </a:xfrm>
+          <a:prstGeom prst="rect">
+            <a:avLst/>
+          </a:prstGeom>
+        </p:spPr>
+      </p:pic>
+      <p:pic>
+        <p:nvPicPr>
+          <p:cNvPr id="8" name="圖片 7">
+            <a:extLst>
+              <a:ext uri="{FF2B5EF4-FFF2-40B4-BE49-F238E27FC236}">
+                <a16:creationId xmlns:a16="http://schemas.microsoft.com/office/drawing/2014/main" id="{DC4C59B3-072E-4EFD-8B80-A8B5C4FEAB7C}"/>
+              </a:ext>
+            </a:extLst>
+          </p:cNvPr>
+          <p:cNvPicPr>
+            <a:picLocks noChangeAspect="1"/>
+          </p:cNvPicPr>
+          <p:nvPr/>
+        </p:nvPicPr>
+        <p:blipFill>
+          <a:blip r:embed="rId5"/>
+          <a:stretch>
+            <a:fillRect/>
+          </a:stretch>
+        </p:blipFill>
+        <p:spPr>
+          <a:xfrm>
+            <a:off x="6382871" y="975863"/>
+            <a:ext cx="5523380" cy="5705643"/>
+          </a:xfrm>
+          <a:prstGeom prst="rect">
+            <a:avLst/>
+          </a:prstGeom>
+        </p:spPr>
+      </p:pic>
+    </p:spTree>
+    <p:extLst>
+      <p:ext uri="{BB962C8B-B14F-4D97-AF65-F5344CB8AC3E}">
+        <p14:creationId xmlns:p14="http://schemas.microsoft.com/office/powerpoint/2010/main" val="2302948549"/>
+      </p:ext>
+    </p:extLst>
+  </p:cSld>
+  <p:clrMapOvr>
+    <a:masterClrMapping/>
+  </p:clrMapOvr>
+</p:sld>
+</file>
+
+<file path=ppt/slides/slide16.xml><?xml version="1.0" encoding="utf-8"?>
+<p:sld xmlns:a="http://schemas.openxmlformats.org/drawingml/2006/main" xmlns:r="http://schemas.openxmlformats.org/officeDocument/2006/relationships" xmlns:p="http://schemas.openxmlformats.org/presentationml/2006/main">
+  <p:cSld>
+    <p:spTree>
+      <p:nvGrpSpPr>
+        <p:cNvPr id="1" name=""/>
+        <p:cNvGrpSpPr/>
+        <p:nvPr/>
+      </p:nvGrpSpPr>
+      <p:grpSpPr>
+        <a:xfrm>
+          <a:off x="0" y="0"/>
+          <a:ext cx="0" cy="0"/>
+          <a:chOff x="0" y="0"/>
+          <a:chExt cx="0" cy="0"/>
+        </a:xfrm>
+      </p:grpSpPr>
+      <p:sp>
+        <p:nvSpPr>
+          <p:cNvPr id="2" name="內容版面配置區 1">
+            <a:extLst>
+              <a:ext uri="{FF2B5EF4-FFF2-40B4-BE49-F238E27FC236}">
+                <a16:creationId xmlns:a16="http://schemas.microsoft.com/office/drawing/2014/main" id="{7C64B5B7-6BCB-4F04-A41A-B799AD0FF5C3}"/>
+              </a:ext>
+            </a:extLst>
+          </p:cNvPr>
+          <p:cNvSpPr>
+            <a:spLocks noGrp="1"/>
+          </p:cNvSpPr>
+          <p:nvPr>
+            <p:ph sz="quarter" idx="12"/>
+          </p:nvPr>
+        </p:nvSpPr>
+        <p:spPr/>
+        <p:txBody>
+          <a:bodyPr/>
+          <a:lstStyle/>
+          <a:p>
+            <a:r>
+              <a:rPr lang="zh-TW" altLang="en-US" dirty="0"/>
+              <a:t>如果要完成導覽列跳組件的操作，要在</a:t>
+            </a:r>
+            <a:r>
+              <a:rPr lang="en-US" altLang="zh-TW" dirty="0"/>
+              <a:t>li</a:t>
+            </a:r>
+            <a:r>
+              <a:rPr lang="zh-TW" altLang="en-US" dirty="0"/>
+              <a:t>裡面下</a:t>
+            </a:r>
+            <a:r>
+              <a:rPr lang="en-US" altLang="zh-TW" dirty="0"/>
+              <a:t>&lt;router-link to=“/</a:t>
+            </a:r>
+            <a:r>
+              <a:rPr lang="zh-TW" altLang="en-US" dirty="0"/>
+              <a:t>到哪一個</a:t>
+            </a:r>
+            <a:r>
+              <a:rPr lang="en-US" altLang="zh-TW" dirty="0"/>
+              <a:t>router”&gt;</a:t>
+            </a:r>
+            <a:endParaRPr lang="zh-TW" altLang="en-US" dirty="0"/>
+          </a:p>
+        </p:txBody>
+      </p:sp>
+      <p:sp>
+        <p:nvSpPr>
+          <p:cNvPr id="3" name="標題 2">
+            <a:extLst>
+              <a:ext uri="{FF2B5EF4-FFF2-40B4-BE49-F238E27FC236}">
+                <a16:creationId xmlns:a16="http://schemas.microsoft.com/office/drawing/2014/main" id="{53D9C14C-BA6D-4BD0-B967-D19FA88E37A2}"/>
+              </a:ext>
+            </a:extLst>
+          </p:cNvPr>
+          <p:cNvSpPr>
+            <a:spLocks noGrp="1"/>
+          </p:cNvSpPr>
+          <p:nvPr>
+            <p:ph type="title"/>
+          </p:nvPr>
+        </p:nvSpPr>
+        <p:spPr/>
+        <p:txBody>
+          <a:bodyPr>
+            <a:normAutofit fontScale="90000"/>
+          </a:bodyPr>
+          <a:lstStyle/>
+          <a:p>
+            <a:r>
+              <a:rPr lang="en-US" altLang="zh-TW" dirty="0"/>
+              <a:t>Vue-</a:t>
+            </a:r>
+            <a:r>
+              <a:rPr lang="en-US" altLang="zh-TW" dirty="0" err="1"/>
+              <a:t>ruter</a:t>
+            </a:r>
+            <a:r>
+              <a:rPr lang="en-US" altLang="zh-TW" dirty="0"/>
+              <a:t>--</a:t>
+            </a:r>
+            <a:r>
+              <a:rPr lang="zh-TW" altLang="en-US" dirty="0"/>
+              <a:t>說明階段</a:t>
+            </a:r>
+          </a:p>
+        </p:txBody>
+      </p:sp>
+      <p:sp>
+        <p:nvSpPr>
+          <p:cNvPr id="4" name="文字版面配置區 3">
+            <a:extLst>
+              <a:ext uri="{FF2B5EF4-FFF2-40B4-BE49-F238E27FC236}">
+                <a16:creationId xmlns:a16="http://schemas.microsoft.com/office/drawing/2014/main" id="{845894A5-7AB0-4FAD-82BA-180A3807EC27}"/>
+              </a:ext>
+            </a:extLst>
+          </p:cNvPr>
+          <p:cNvSpPr>
+            <a:spLocks noGrp="1"/>
+          </p:cNvSpPr>
+          <p:nvPr>
+            <p:ph type="body" sz="quarter" idx="11"/>
+          </p:nvPr>
+        </p:nvSpPr>
+        <p:spPr/>
+        <p:txBody>
+          <a:bodyPr>
+            <a:normAutofit lnSpcReduction="10000"/>
+          </a:bodyPr>
+          <a:lstStyle/>
+          <a:p>
+            <a:endParaRPr lang="zh-TW" altLang="en-US"/>
+          </a:p>
+        </p:txBody>
+      </p:sp>
+      <p:pic>
+        <p:nvPicPr>
+          <p:cNvPr id="7" name="圖片 6">
+            <a:extLst>
+              <a:ext uri="{FF2B5EF4-FFF2-40B4-BE49-F238E27FC236}">
+                <a16:creationId xmlns:a16="http://schemas.microsoft.com/office/drawing/2014/main" id="{6C0D7399-7CBB-4BBA-B947-034238C07629}"/>
+              </a:ext>
+            </a:extLst>
+          </p:cNvPr>
+          <p:cNvPicPr>
+            <a:picLocks noChangeAspect="1"/>
+          </p:cNvPicPr>
+          <p:nvPr/>
+        </p:nvPicPr>
+        <p:blipFill>
+          <a:blip r:embed="rId2"/>
+          <a:stretch>
+            <a:fillRect/>
+          </a:stretch>
+        </p:blipFill>
+        <p:spPr>
+          <a:xfrm>
+            <a:off x="211077" y="2590801"/>
+            <a:ext cx="10779114" cy="4177552"/>
+          </a:xfrm>
+          <a:prstGeom prst="rect">
+            <a:avLst/>
+          </a:prstGeom>
+        </p:spPr>
+      </p:pic>
+      <p:pic>
+        <p:nvPicPr>
+          <p:cNvPr id="6" name="圖片 5">
+            <a:extLst>
+              <a:ext uri="{FF2B5EF4-FFF2-40B4-BE49-F238E27FC236}">
+                <a16:creationId xmlns:a16="http://schemas.microsoft.com/office/drawing/2014/main" id="{5F5B6872-67F5-4B51-A2E0-D3697C89BDF2}"/>
+              </a:ext>
+            </a:extLst>
+          </p:cNvPr>
+          <p:cNvPicPr>
+            <a:picLocks noChangeAspect="1"/>
+          </p:cNvPicPr>
+          <p:nvPr/>
+        </p:nvPicPr>
+        <p:blipFill>
+          <a:blip r:embed="rId3"/>
+          <a:stretch>
+            <a:fillRect/>
+          </a:stretch>
+        </p:blipFill>
+        <p:spPr>
+          <a:xfrm>
+            <a:off x="8095689" y="1406480"/>
+            <a:ext cx="4020111" cy="2086266"/>
+          </a:xfrm>
+          <a:prstGeom prst="rect">
+            <a:avLst/>
+          </a:prstGeom>
+          <a:effectLst>
+            <a:outerShdw blurRad="50800" dist="38100" dir="2700000" algn="tl" rotWithShape="0">
+              <a:prstClr val="black">
+                <a:alpha val="40000"/>
+              </a:prstClr>
+            </a:outerShdw>
+          </a:effectLst>
+        </p:spPr>
+      </p:pic>
+    </p:spTree>
+    <p:extLst>
+      <p:ext uri="{BB962C8B-B14F-4D97-AF65-F5344CB8AC3E}">
+        <p14:creationId xmlns:p14="http://schemas.microsoft.com/office/powerpoint/2010/main" val="982616070"/>
+      </p:ext>
+    </p:extLst>
+  </p:cSld>
+  <p:clrMapOvr>
+    <a:masterClrMapping/>
+  </p:clrMapOvr>
+</p:sld>
+</file>
+
+<file path=ppt/slides/slide17.xml><?xml version="1.0" encoding="utf-8"?>
+<p:sld xmlns:a="http://schemas.openxmlformats.org/drawingml/2006/main" xmlns:r="http://schemas.openxmlformats.org/officeDocument/2006/relationships" xmlns:p="http://schemas.openxmlformats.org/presentationml/2006/main">
+  <p:cSld>
+    <p:spTree>
+      <p:nvGrpSpPr>
+        <p:cNvPr id="1" name=""/>
+        <p:cNvGrpSpPr/>
+        <p:nvPr/>
+      </p:nvGrpSpPr>
+      <p:grpSpPr>
+        <a:xfrm>
+          <a:off x="0" y="0"/>
+          <a:ext cx="0" cy="0"/>
+          <a:chOff x="0" y="0"/>
+          <a:chExt cx="0" cy="0"/>
+        </a:xfrm>
+      </p:grpSpPr>
+      <p:sp>
+        <p:nvSpPr>
+          <p:cNvPr id="2" name="內容版面配置區 1">
+            <a:extLst>
+              <a:ext uri="{FF2B5EF4-FFF2-40B4-BE49-F238E27FC236}">
+                <a16:creationId xmlns:a16="http://schemas.microsoft.com/office/drawing/2014/main" id="{7C64B5B7-6BCB-4F04-A41A-B799AD0FF5C3}"/>
+              </a:ext>
+            </a:extLst>
+          </p:cNvPr>
+          <p:cNvSpPr>
+            <a:spLocks noGrp="1"/>
+          </p:cNvSpPr>
+          <p:nvPr>
+            <p:ph sz="quarter" idx="12"/>
+          </p:nvPr>
+        </p:nvSpPr>
+        <p:spPr/>
+        <p:txBody>
+          <a:bodyPr/>
+          <a:lstStyle/>
+          <a:p>
+            <a:r>
+              <a:rPr lang="zh-TW" altLang="en-US" sz="1800" dirty="0">
+                <a:latin typeface="Times New Roman" panose="02020603050405020304" pitchFamily="18" charset="0"/>
+                <a:ea typeface="標楷體" panose="03000509000000000000" pitchFamily="65" charset="-120"/>
+                <a:cs typeface="王漢宗顏楷體"/>
+                <a:sym typeface="王漢宗顏楷體"/>
+              </a:rPr>
+              <a:t>設定</a:t>
+            </a:r>
+            <a:r>
+              <a:rPr lang="en-US" altLang="zh-TW" sz="1800" dirty="0">
+                <a:latin typeface="Times New Roman" panose="02020603050405020304" pitchFamily="18" charset="0"/>
+                <a:ea typeface="標楷體" panose="03000509000000000000" pitchFamily="65" charset="-120"/>
+                <a:cs typeface="王漢宗顏楷體"/>
+                <a:sym typeface="王漢宗顏楷體"/>
+              </a:rPr>
+              <a:t>nav-link</a:t>
+            </a:r>
+            <a:r>
+              <a:rPr lang="zh-TW" altLang="en-US" sz="1800" dirty="0">
+                <a:latin typeface="Times New Roman" panose="02020603050405020304" pitchFamily="18" charset="0"/>
+                <a:ea typeface="標楷體" panose="03000509000000000000" pitchFamily="65" charset="-120"/>
+                <a:cs typeface="王漢宗顏楷體"/>
+                <a:sym typeface="王漢宗顏楷體"/>
+              </a:rPr>
+              <a:t>點選後的</a:t>
+            </a:r>
+            <a:r>
+              <a:rPr lang="en-US" altLang="zh-TW" sz="1800" dirty="0">
+                <a:latin typeface="Times New Roman" panose="02020603050405020304" pitchFamily="18" charset="0"/>
+                <a:ea typeface="標楷體" panose="03000509000000000000" pitchFamily="65" charset="-120"/>
+                <a:cs typeface="王漢宗顏楷體"/>
+                <a:sym typeface="王漢宗顏楷體"/>
+              </a:rPr>
+              <a:t>CSS</a:t>
+            </a:r>
+          </a:p>
+          <a:p>
+            <a:pPr lvl="1"/>
+            <a:r>
+              <a:rPr lang="zh-TW" altLang="en-US" dirty="0"/>
+              <a:t>要在導覽列做出</a:t>
+            </a:r>
+            <a:r>
+              <a:rPr lang="en-US" altLang="zh-TW" dirty="0"/>
+              <a:t>【</a:t>
+            </a:r>
+            <a:r>
+              <a:rPr lang="zh-TW" altLang="en-US" dirty="0"/>
+              <a:t>在當下點擊頁面</a:t>
+            </a:r>
+            <a:r>
+              <a:rPr lang="en-US" altLang="zh-TW" dirty="0"/>
+              <a:t>】</a:t>
+            </a:r>
+            <a:r>
+              <a:rPr lang="zh-TW" altLang="en-US" dirty="0"/>
+              <a:t>效果</a:t>
+            </a:r>
+            <a:endParaRPr lang="en-US" altLang="zh-TW" dirty="0"/>
+          </a:p>
+          <a:p>
+            <a:pPr lvl="1"/>
+            <a:r>
+              <a:rPr lang="en-US" altLang="zh-TW" dirty="0"/>
+              <a:t>(1)</a:t>
+            </a:r>
+            <a:r>
+              <a:rPr lang="zh-TW" altLang="en-US" dirty="0"/>
+              <a:t>在</a:t>
+            </a:r>
+            <a:r>
+              <a:rPr lang="en-US" altLang="zh-TW" dirty="0" err="1"/>
+              <a:t>NavPage.vue</a:t>
+            </a:r>
+            <a:r>
+              <a:rPr lang="zh-TW" altLang="en-US" dirty="0"/>
+              <a:t>做好</a:t>
+            </a:r>
+            <a:r>
+              <a:rPr lang="en-US" altLang="zh-TW" dirty="0"/>
+              <a:t>CSS</a:t>
+            </a:r>
+            <a:r>
+              <a:rPr lang="zh-TW" altLang="en-US" dirty="0"/>
+              <a:t>。</a:t>
+            </a:r>
+            <a:r>
+              <a:rPr lang="en-US" altLang="zh-TW" dirty="0"/>
+              <a:t>(2)</a:t>
+            </a:r>
+            <a:r>
+              <a:rPr lang="zh-TW" altLang="en-US" dirty="0"/>
+              <a:t>在</a:t>
+            </a:r>
+            <a:r>
+              <a:rPr lang="en-US" altLang="zh-TW" dirty="0"/>
+              <a:t>main.js</a:t>
+            </a:r>
+            <a:r>
+              <a:rPr lang="zh-TW" altLang="en-US" dirty="0"/>
+              <a:t>中設定。</a:t>
+            </a:r>
+          </a:p>
+          <a:p>
+            <a:pPr lvl="1"/>
+            <a:endParaRPr lang="zh-TW" altLang="en-US" dirty="0"/>
+          </a:p>
+        </p:txBody>
+      </p:sp>
+      <p:sp>
+        <p:nvSpPr>
+          <p:cNvPr id="3" name="標題 2">
+            <a:extLst>
+              <a:ext uri="{FF2B5EF4-FFF2-40B4-BE49-F238E27FC236}">
+                <a16:creationId xmlns:a16="http://schemas.microsoft.com/office/drawing/2014/main" id="{53D9C14C-BA6D-4BD0-B967-D19FA88E37A2}"/>
+              </a:ext>
+            </a:extLst>
+          </p:cNvPr>
+          <p:cNvSpPr>
+            <a:spLocks noGrp="1"/>
+          </p:cNvSpPr>
+          <p:nvPr>
+            <p:ph type="title"/>
+          </p:nvPr>
+        </p:nvSpPr>
+        <p:spPr/>
+        <p:txBody>
+          <a:bodyPr>
+            <a:normAutofit fontScale="90000"/>
+          </a:bodyPr>
+          <a:lstStyle/>
+          <a:p>
+            <a:r>
+              <a:rPr lang="en-US" altLang="zh-TW" dirty="0"/>
+              <a:t>Vue-</a:t>
+            </a:r>
+            <a:r>
+              <a:rPr lang="en-US" altLang="zh-TW" dirty="0" err="1"/>
+              <a:t>ruter</a:t>
+            </a:r>
+            <a:r>
+              <a:rPr lang="en-US" altLang="zh-TW" dirty="0"/>
+              <a:t>--</a:t>
+            </a:r>
+            <a:r>
+              <a:rPr lang="zh-TW" altLang="en-US" dirty="0"/>
+              <a:t>說明階段</a:t>
+            </a:r>
+          </a:p>
+        </p:txBody>
+      </p:sp>
+      <p:sp>
+        <p:nvSpPr>
+          <p:cNvPr id="4" name="文字版面配置區 3">
+            <a:extLst>
+              <a:ext uri="{FF2B5EF4-FFF2-40B4-BE49-F238E27FC236}">
+                <a16:creationId xmlns:a16="http://schemas.microsoft.com/office/drawing/2014/main" id="{845894A5-7AB0-4FAD-82BA-180A3807EC27}"/>
+              </a:ext>
+            </a:extLst>
+          </p:cNvPr>
+          <p:cNvSpPr>
+            <a:spLocks noGrp="1"/>
+          </p:cNvSpPr>
+          <p:nvPr>
+            <p:ph type="body" sz="quarter" idx="11"/>
+          </p:nvPr>
+        </p:nvSpPr>
+        <p:spPr/>
+        <p:txBody>
+          <a:bodyPr>
+            <a:normAutofit lnSpcReduction="10000"/>
+          </a:bodyPr>
+          <a:lstStyle/>
+          <a:p>
+            <a:endParaRPr lang="zh-TW" altLang="en-US"/>
+          </a:p>
+        </p:txBody>
+      </p:sp>
+      <p:pic>
+        <p:nvPicPr>
+          <p:cNvPr id="5" name="圖片 4">
+            <a:extLst>
+              <a:ext uri="{FF2B5EF4-FFF2-40B4-BE49-F238E27FC236}">
+                <a16:creationId xmlns:a16="http://schemas.microsoft.com/office/drawing/2014/main" id="{1F148B0E-A3B0-44C3-B62B-8A288EF907AD}"/>
+              </a:ext>
+            </a:extLst>
+          </p:cNvPr>
+          <p:cNvPicPr>
+            <a:picLocks noChangeAspect="1"/>
+          </p:cNvPicPr>
+          <p:nvPr/>
+        </p:nvPicPr>
+        <p:blipFill>
+          <a:blip r:embed="rId2"/>
+          <a:stretch>
+            <a:fillRect/>
+          </a:stretch>
+        </p:blipFill>
+        <p:spPr>
+          <a:xfrm>
+            <a:off x="76200" y="2108200"/>
+            <a:ext cx="5067807" cy="4656507"/>
+          </a:xfrm>
+          <a:prstGeom prst="rect">
+            <a:avLst/>
+          </a:prstGeom>
+        </p:spPr>
+      </p:pic>
+      <p:pic>
+        <p:nvPicPr>
+          <p:cNvPr id="6" name="圖片 5">
+            <a:extLst>
+              <a:ext uri="{FF2B5EF4-FFF2-40B4-BE49-F238E27FC236}">
+                <a16:creationId xmlns:a16="http://schemas.microsoft.com/office/drawing/2014/main" id="{7338762F-6829-4689-A80F-F2388B72041D}"/>
+              </a:ext>
+            </a:extLst>
+          </p:cNvPr>
+          <p:cNvPicPr>
+            <a:picLocks noChangeAspect="1"/>
+          </p:cNvPicPr>
+          <p:nvPr/>
+        </p:nvPicPr>
+        <p:blipFill>
+          <a:blip r:embed="rId3"/>
+          <a:stretch>
+            <a:fillRect/>
+          </a:stretch>
+        </p:blipFill>
+        <p:spPr>
+          <a:xfrm>
+            <a:off x="5366084" y="2069144"/>
+            <a:ext cx="5159041" cy="4695563"/>
+          </a:xfrm>
+          <a:prstGeom prst="rect">
+            <a:avLst/>
+          </a:prstGeom>
+        </p:spPr>
+      </p:pic>
+      <p:pic>
+        <p:nvPicPr>
+          <p:cNvPr id="7" name="圖片 6">
+            <a:extLst>
+              <a:ext uri="{FF2B5EF4-FFF2-40B4-BE49-F238E27FC236}">
+                <a16:creationId xmlns:a16="http://schemas.microsoft.com/office/drawing/2014/main" id="{79557488-AC86-47D6-BD87-EDF627ABBA61}"/>
+              </a:ext>
+            </a:extLst>
+          </p:cNvPr>
+          <p:cNvPicPr>
+            <a:picLocks noChangeAspect="1"/>
+          </p:cNvPicPr>
+          <p:nvPr/>
+        </p:nvPicPr>
+        <p:blipFill>
+          <a:blip r:embed="rId4"/>
+          <a:stretch>
+            <a:fillRect/>
+          </a:stretch>
+        </p:blipFill>
+        <p:spPr>
+          <a:xfrm>
+            <a:off x="8139953" y="81640"/>
+            <a:ext cx="3975847" cy="1752538"/>
+          </a:xfrm>
+          <a:prstGeom prst="rect">
+            <a:avLst/>
+          </a:prstGeom>
+          <a:effectLst>
+            <a:outerShdw blurRad="50800" dist="38100" dir="2700000" algn="tl" rotWithShape="0">
+              <a:prstClr val="black">
+                <a:alpha val="40000"/>
+              </a:prstClr>
+            </a:outerShdw>
+          </a:effectLst>
+        </p:spPr>
+      </p:pic>
+    </p:spTree>
+    <p:extLst>
+      <p:ext uri="{BB962C8B-B14F-4D97-AF65-F5344CB8AC3E}">
+        <p14:creationId xmlns:p14="http://schemas.microsoft.com/office/powerpoint/2010/main" val="2483210304"/>
+      </p:ext>
+    </p:extLst>
+  </p:cSld>
+  <p:clrMapOvr>
+    <a:masterClrMapping/>
+  </p:clrMapOvr>
+</p:sld>
+</file>
+
+<file path=ppt/slides/slide18.xml><?xml version="1.0" encoding="utf-8"?>
+<p:sld xmlns:a="http://schemas.openxmlformats.org/drawingml/2006/main" xmlns:r="http://schemas.openxmlformats.org/officeDocument/2006/relationships" xmlns:p="http://schemas.openxmlformats.org/presentationml/2006/main">
+  <p:cSld>
+    <p:spTree>
+      <p:nvGrpSpPr>
+        <p:cNvPr id="1" name=""/>
+        <p:cNvGrpSpPr/>
+        <p:nvPr/>
+      </p:nvGrpSpPr>
+      <p:grpSpPr>
+        <a:xfrm>
+          <a:off x="0" y="0"/>
+          <a:ext cx="0" cy="0"/>
+          <a:chOff x="0" y="0"/>
+          <a:chExt cx="0" cy="0"/>
+        </a:xfrm>
+      </p:grpSpPr>
+      <p:sp>
+        <p:nvSpPr>
+          <p:cNvPr id="2" name="內容版面配置區 1">
+            <a:extLst>
+              <a:ext uri="{FF2B5EF4-FFF2-40B4-BE49-F238E27FC236}">
+                <a16:creationId xmlns:a16="http://schemas.microsoft.com/office/drawing/2014/main" id="{7C64B5B7-6BCB-4F04-A41A-B799AD0FF5C3}"/>
+              </a:ext>
+            </a:extLst>
+          </p:cNvPr>
+          <p:cNvSpPr>
+            <a:spLocks noGrp="1"/>
+          </p:cNvSpPr>
+          <p:nvPr>
+            <p:ph sz="quarter" idx="12"/>
+          </p:nvPr>
+        </p:nvSpPr>
+        <p:spPr/>
+        <p:txBody>
+          <a:bodyPr/>
+          <a:lstStyle/>
+          <a:p>
+            <a:r>
+              <a:rPr lang="zh-TW" altLang="en-US" dirty="0"/>
+              <a:t>重新導向：在</a:t>
+            </a:r>
+            <a:r>
+              <a:rPr lang="en-US" altLang="zh-TW" dirty="0"/>
+              <a:t>router</a:t>
+            </a:r>
+            <a:r>
+              <a:rPr lang="zh-TW" altLang="en-US" dirty="0"/>
+              <a:t>下</a:t>
+            </a:r>
+            <a:r>
+              <a:rPr lang="en-US" altLang="zh-TW" dirty="0"/>
+              <a:t>redirect: “/</a:t>
+            </a:r>
+            <a:r>
+              <a:rPr lang="zh-TW" altLang="en-US" dirty="0"/>
+              <a:t>調轉到哪一個</a:t>
+            </a:r>
+            <a:r>
+              <a:rPr lang="en-US" altLang="zh-TW" dirty="0" err="1"/>
+              <a:t>componemt</a:t>
+            </a:r>
+            <a:r>
+              <a:rPr lang="en-US" altLang="zh-TW" dirty="0"/>
+              <a:t>”</a:t>
+            </a:r>
+          </a:p>
+          <a:p>
+            <a:r>
+              <a:rPr lang="en-US" altLang="zh-TW" dirty="0"/>
+              <a:t>404 not fount</a:t>
+            </a:r>
+            <a:r>
+              <a:rPr lang="zh-TW" altLang="en-US" dirty="0"/>
+              <a:t>：就是找不到任何</a:t>
+            </a:r>
+            <a:r>
+              <a:rPr lang="en-US" altLang="zh-TW" dirty="0" err="1"/>
+              <a:t>componemt</a:t>
+            </a:r>
+            <a:r>
+              <a:rPr lang="zh-TW" altLang="en-US" dirty="0"/>
+              <a:t>，所以導入到</a:t>
+            </a:r>
+            <a:r>
+              <a:rPr lang="en-US" altLang="zh-TW" dirty="0"/>
+              <a:t>”/:</a:t>
+            </a:r>
+            <a:r>
+              <a:rPr lang="en-US" altLang="zh-TW" dirty="0" err="1"/>
+              <a:t>notFound</a:t>
+            </a:r>
+            <a:r>
+              <a:rPr lang="en-US" altLang="zh-TW" dirty="0"/>
+              <a:t>(.</a:t>
+            </a:r>
+            <a:r>
+              <a:rPr lang="zh-TW" altLang="en-US" dirty="0"/>
+              <a:t>*</a:t>
+            </a:r>
+            <a:r>
+              <a:rPr lang="en-US" altLang="zh-TW" dirty="0"/>
+              <a:t>)”=&gt;router</a:t>
+            </a:r>
+            <a:r>
+              <a:rPr lang="zh-TW" altLang="en-US" dirty="0"/>
+              <a:t>順序要放在最後一個</a:t>
+            </a:r>
+          </a:p>
+        </p:txBody>
+      </p:sp>
+      <p:sp>
+        <p:nvSpPr>
+          <p:cNvPr id="3" name="標題 2">
+            <a:extLst>
+              <a:ext uri="{FF2B5EF4-FFF2-40B4-BE49-F238E27FC236}">
+                <a16:creationId xmlns:a16="http://schemas.microsoft.com/office/drawing/2014/main" id="{53D9C14C-BA6D-4BD0-B967-D19FA88E37A2}"/>
+              </a:ext>
+            </a:extLst>
+          </p:cNvPr>
+          <p:cNvSpPr>
+            <a:spLocks noGrp="1"/>
+          </p:cNvSpPr>
+          <p:nvPr>
+            <p:ph type="title"/>
+          </p:nvPr>
+        </p:nvSpPr>
+        <p:spPr/>
+        <p:txBody>
+          <a:bodyPr>
+            <a:normAutofit fontScale="90000"/>
+          </a:bodyPr>
+          <a:lstStyle/>
+          <a:p>
+            <a:r>
+              <a:rPr lang="en-US" altLang="zh-TW" dirty="0"/>
+              <a:t>Vue-</a:t>
+            </a:r>
+            <a:r>
+              <a:rPr lang="en-US" altLang="zh-TW" dirty="0" err="1"/>
+              <a:t>ruter</a:t>
+            </a:r>
+            <a:r>
+              <a:rPr lang="en-US" altLang="zh-TW" dirty="0"/>
+              <a:t>--</a:t>
+            </a:r>
+            <a:r>
+              <a:rPr lang="zh-TW" altLang="en-US" dirty="0"/>
+              <a:t>說明階段</a:t>
+            </a:r>
+          </a:p>
+        </p:txBody>
+      </p:sp>
+      <p:sp>
+        <p:nvSpPr>
+          <p:cNvPr id="4" name="文字版面配置區 3">
+            <a:extLst>
+              <a:ext uri="{FF2B5EF4-FFF2-40B4-BE49-F238E27FC236}">
+                <a16:creationId xmlns:a16="http://schemas.microsoft.com/office/drawing/2014/main" id="{845894A5-7AB0-4FAD-82BA-180A3807EC27}"/>
+              </a:ext>
+            </a:extLst>
+          </p:cNvPr>
+          <p:cNvSpPr>
+            <a:spLocks noGrp="1"/>
+          </p:cNvSpPr>
+          <p:nvPr>
+            <p:ph type="body" sz="quarter" idx="11"/>
+          </p:nvPr>
+        </p:nvSpPr>
+        <p:spPr/>
+        <p:txBody>
+          <a:bodyPr>
+            <a:normAutofit lnSpcReduction="10000"/>
+          </a:bodyPr>
+          <a:lstStyle/>
+          <a:p>
+            <a:endParaRPr lang="zh-TW" altLang="en-US"/>
+          </a:p>
+        </p:txBody>
+      </p:sp>
+      <p:pic>
+        <p:nvPicPr>
+          <p:cNvPr id="5" name="圖片 4">
+            <a:extLst>
+              <a:ext uri="{FF2B5EF4-FFF2-40B4-BE49-F238E27FC236}">
+                <a16:creationId xmlns:a16="http://schemas.microsoft.com/office/drawing/2014/main" id="{41A1B596-8B3E-4B96-A9F3-D7F8D1A6935F}"/>
+              </a:ext>
+            </a:extLst>
+          </p:cNvPr>
+          <p:cNvPicPr>
+            <a:picLocks noChangeAspect="1"/>
+          </p:cNvPicPr>
+          <p:nvPr/>
+        </p:nvPicPr>
+        <p:blipFill>
+          <a:blip r:embed="rId2"/>
+          <a:stretch>
+            <a:fillRect/>
+          </a:stretch>
+        </p:blipFill>
+        <p:spPr>
+          <a:xfrm>
+            <a:off x="76200" y="1858126"/>
+            <a:ext cx="6299200" cy="4880298"/>
+          </a:xfrm>
+          <a:prstGeom prst="rect">
+            <a:avLst/>
+          </a:prstGeom>
+        </p:spPr>
+      </p:pic>
+      <p:pic>
+        <p:nvPicPr>
+          <p:cNvPr id="6" name="圖片 5">
+            <a:extLst>
+              <a:ext uri="{FF2B5EF4-FFF2-40B4-BE49-F238E27FC236}">
+                <a16:creationId xmlns:a16="http://schemas.microsoft.com/office/drawing/2014/main" id="{2C44A728-0311-48A6-8E32-31351BDC20E6}"/>
+              </a:ext>
+            </a:extLst>
+          </p:cNvPr>
+          <p:cNvPicPr>
+            <a:picLocks noChangeAspect="1"/>
+          </p:cNvPicPr>
+          <p:nvPr/>
+        </p:nvPicPr>
+        <p:blipFill>
+          <a:blip r:embed="rId3"/>
+          <a:stretch>
+            <a:fillRect/>
+          </a:stretch>
+        </p:blipFill>
+        <p:spPr>
+          <a:xfrm>
+            <a:off x="6451600" y="4298275"/>
+            <a:ext cx="4723730" cy="2130763"/>
+          </a:xfrm>
+          <a:prstGeom prst="rect">
+            <a:avLst/>
+          </a:prstGeom>
+          <a:effectLst>
+            <a:outerShdw blurRad="50800" dist="38100" dir="2700000" algn="tl" rotWithShape="0">
+              <a:prstClr val="black">
+                <a:alpha val="40000"/>
+              </a:prstClr>
+            </a:outerShdw>
+          </a:effectLst>
+        </p:spPr>
+      </p:pic>
+      <p:pic>
+        <p:nvPicPr>
+          <p:cNvPr id="7" name="圖片 6">
+            <a:extLst>
+              <a:ext uri="{FF2B5EF4-FFF2-40B4-BE49-F238E27FC236}">
+                <a16:creationId xmlns:a16="http://schemas.microsoft.com/office/drawing/2014/main" id="{1D691B94-6005-4A12-872F-96DC0BA28126}"/>
+              </a:ext>
+            </a:extLst>
+          </p:cNvPr>
+          <p:cNvPicPr>
+            <a:picLocks noChangeAspect="1"/>
+          </p:cNvPicPr>
+          <p:nvPr/>
+        </p:nvPicPr>
+        <p:blipFill>
+          <a:blip r:embed="rId4"/>
+          <a:stretch>
+            <a:fillRect/>
+          </a:stretch>
+        </p:blipFill>
+        <p:spPr>
+          <a:xfrm>
+            <a:off x="5614528" y="1803181"/>
+            <a:ext cx="6501272" cy="2424959"/>
+          </a:xfrm>
+          <a:prstGeom prst="rect">
+            <a:avLst/>
+          </a:prstGeom>
+        </p:spPr>
+      </p:pic>
+    </p:spTree>
+    <p:extLst>
+      <p:ext uri="{BB962C8B-B14F-4D97-AF65-F5344CB8AC3E}">
+        <p14:creationId xmlns:p14="http://schemas.microsoft.com/office/powerpoint/2010/main" val="465795237"/>
+      </p:ext>
+    </p:extLst>
+  </p:cSld>
+  <p:clrMapOvr>
+    <a:masterClrMapping/>
+  </p:clrMapOvr>
+</p:sld>
+</file>
+
+<file path=ppt/slides/slide19.xml><?xml version="1.0" encoding="utf-8"?>
+<p:sld xmlns:a="http://schemas.openxmlformats.org/drawingml/2006/main" xmlns:r="http://schemas.openxmlformats.org/officeDocument/2006/relationships" xmlns:p="http://schemas.openxmlformats.org/presentationml/2006/main">
+  <p:cSld>
+    <p:spTree>
+      <p:nvGrpSpPr>
+        <p:cNvPr id="1" name=""/>
+        <p:cNvGrpSpPr/>
+        <p:nvPr/>
+      </p:nvGrpSpPr>
+      <p:grpSpPr>
+        <a:xfrm>
+          <a:off x="0" y="0"/>
+          <a:ext cx="0" cy="0"/>
+          <a:chOff x="0" y="0"/>
+          <a:chExt cx="0" cy="0"/>
+        </a:xfrm>
+      </p:grpSpPr>
+      <p:sp>
+        <p:nvSpPr>
+          <p:cNvPr id="2" name="內容版面配置區 1">
+            <a:extLst>
+              <a:ext uri="{FF2B5EF4-FFF2-40B4-BE49-F238E27FC236}">
+                <a16:creationId xmlns:a16="http://schemas.microsoft.com/office/drawing/2014/main" id="{7C64B5B7-6BCB-4F04-A41A-B799AD0FF5C3}"/>
+              </a:ext>
+            </a:extLst>
+          </p:cNvPr>
+          <p:cNvSpPr>
+            <a:spLocks noGrp="1"/>
+          </p:cNvSpPr>
+          <p:nvPr>
+            <p:ph sz="quarter" idx="12"/>
+          </p:nvPr>
+        </p:nvSpPr>
+        <p:spPr/>
+        <p:txBody>
+          <a:bodyPr/>
+          <a:lstStyle/>
+          <a:p>
+            <a:r>
+              <a:rPr lang="zh-TW" altLang="en-US" dirty="0"/>
+              <a:t>如果需要在內部</a:t>
+            </a:r>
+            <a:r>
+              <a:rPr lang="en-US" altLang="zh-TW" dirty="0"/>
+              <a:t>component</a:t>
+            </a:r>
+            <a:r>
+              <a:rPr lang="zh-TW" altLang="en-US" dirty="0"/>
+              <a:t>中利用</a:t>
+            </a:r>
+            <a:r>
+              <a:rPr lang="en-US" altLang="zh-TW" dirty="0"/>
+              <a:t>button</a:t>
+            </a:r>
+            <a:r>
+              <a:rPr lang="zh-TW" altLang="en-US" dirty="0"/>
+              <a:t>去切換</a:t>
+            </a:r>
+            <a:r>
+              <a:rPr lang="en-US" altLang="zh-TW" dirty="0"/>
+              <a:t>component</a:t>
+            </a:r>
+            <a:endParaRPr lang="zh-TW" altLang="en-US" dirty="0"/>
+          </a:p>
+        </p:txBody>
+      </p:sp>
+      <p:sp>
+        <p:nvSpPr>
+          <p:cNvPr id="3" name="標題 2">
+            <a:extLst>
+              <a:ext uri="{FF2B5EF4-FFF2-40B4-BE49-F238E27FC236}">
+                <a16:creationId xmlns:a16="http://schemas.microsoft.com/office/drawing/2014/main" id="{53D9C14C-BA6D-4BD0-B967-D19FA88E37A2}"/>
+              </a:ext>
+            </a:extLst>
+          </p:cNvPr>
+          <p:cNvSpPr>
+            <a:spLocks noGrp="1"/>
+          </p:cNvSpPr>
+          <p:nvPr>
+            <p:ph type="title"/>
+          </p:nvPr>
+        </p:nvSpPr>
+        <p:spPr/>
+        <p:txBody>
+          <a:bodyPr>
+            <a:normAutofit fontScale="90000"/>
+          </a:bodyPr>
+          <a:lstStyle/>
+          <a:p>
+            <a:r>
+              <a:rPr lang="en-US" altLang="zh-TW" dirty="0"/>
+              <a:t>Vue-</a:t>
+            </a:r>
+            <a:r>
+              <a:rPr lang="en-US" altLang="zh-TW" dirty="0" err="1"/>
+              <a:t>ruter</a:t>
+            </a:r>
+            <a:r>
+              <a:rPr lang="en-US" altLang="zh-TW" dirty="0"/>
+              <a:t>--</a:t>
+            </a:r>
+            <a:r>
+              <a:rPr lang="zh-TW" altLang="en-US" dirty="0"/>
+              <a:t>說明階段</a:t>
+            </a:r>
+          </a:p>
+        </p:txBody>
+      </p:sp>
+      <p:sp>
+        <p:nvSpPr>
+          <p:cNvPr id="4" name="文字版面配置區 3">
+            <a:extLst>
+              <a:ext uri="{FF2B5EF4-FFF2-40B4-BE49-F238E27FC236}">
+                <a16:creationId xmlns:a16="http://schemas.microsoft.com/office/drawing/2014/main" id="{845894A5-7AB0-4FAD-82BA-180A3807EC27}"/>
+              </a:ext>
+            </a:extLst>
+          </p:cNvPr>
+          <p:cNvSpPr>
+            <a:spLocks noGrp="1"/>
+          </p:cNvSpPr>
+          <p:nvPr>
+            <p:ph type="body" sz="quarter" idx="11"/>
+          </p:nvPr>
+        </p:nvSpPr>
+        <p:spPr/>
+        <p:txBody>
+          <a:bodyPr>
+            <a:normAutofit lnSpcReduction="10000"/>
+          </a:bodyPr>
+          <a:lstStyle/>
+          <a:p>
+            <a:endParaRPr lang="zh-TW" altLang="en-US"/>
+          </a:p>
+        </p:txBody>
+      </p:sp>
+      <p:pic>
+        <p:nvPicPr>
+          <p:cNvPr id="5" name="圖片 4">
+            <a:extLst>
+              <a:ext uri="{FF2B5EF4-FFF2-40B4-BE49-F238E27FC236}">
+                <a16:creationId xmlns:a16="http://schemas.microsoft.com/office/drawing/2014/main" id="{DD22F3D8-0F6B-450D-8877-A215B37C06E7}"/>
+              </a:ext>
+            </a:extLst>
+          </p:cNvPr>
+          <p:cNvPicPr>
+            <a:picLocks noChangeAspect="1"/>
+          </p:cNvPicPr>
+          <p:nvPr/>
+        </p:nvPicPr>
+        <p:blipFill>
+          <a:blip r:embed="rId2"/>
+          <a:stretch>
+            <a:fillRect/>
+          </a:stretch>
+        </p:blipFill>
+        <p:spPr>
+          <a:xfrm>
+            <a:off x="9525" y="1346200"/>
+            <a:ext cx="8693607" cy="4914900"/>
+          </a:xfrm>
+          <a:prstGeom prst="rect">
+            <a:avLst/>
+          </a:prstGeom>
+        </p:spPr>
+      </p:pic>
+      <p:pic>
+        <p:nvPicPr>
+          <p:cNvPr id="6" name="圖片 5">
+            <a:extLst>
+              <a:ext uri="{FF2B5EF4-FFF2-40B4-BE49-F238E27FC236}">
+                <a16:creationId xmlns:a16="http://schemas.microsoft.com/office/drawing/2014/main" id="{14A56BC6-7859-49BC-8A0C-F55DD75C22AC}"/>
+              </a:ext>
+            </a:extLst>
+          </p:cNvPr>
+          <p:cNvPicPr>
+            <a:picLocks noChangeAspect="1"/>
+          </p:cNvPicPr>
+          <p:nvPr/>
+        </p:nvPicPr>
+        <p:blipFill>
+          <a:blip r:embed="rId3"/>
+          <a:stretch>
+            <a:fillRect/>
+          </a:stretch>
+        </p:blipFill>
+        <p:spPr>
+          <a:xfrm>
+            <a:off x="8767008" y="1346200"/>
+            <a:ext cx="3348792" cy="2175712"/>
+          </a:xfrm>
+          <a:prstGeom prst="rect">
+            <a:avLst/>
+          </a:prstGeom>
+          <a:effectLst>
+            <a:outerShdw blurRad="50800" dist="38100" dir="2700000" algn="tl" rotWithShape="0">
+              <a:prstClr val="black">
+                <a:alpha val="40000"/>
+              </a:prstClr>
+            </a:outerShdw>
+          </a:effectLst>
+        </p:spPr>
+      </p:pic>
+      <p:pic>
+        <p:nvPicPr>
+          <p:cNvPr id="7" name="圖片 6">
+            <a:extLst>
+              <a:ext uri="{FF2B5EF4-FFF2-40B4-BE49-F238E27FC236}">
+                <a16:creationId xmlns:a16="http://schemas.microsoft.com/office/drawing/2014/main" id="{7B73152A-B53B-4BCB-BC5E-F4604B6BE2BF}"/>
+              </a:ext>
+            </a:extLst>
+          </p:cNvPr>
+          <p:cNvPicPr>
+            <a:picLocks noChangeAspect="1"/>
+          </p:cNvPicPr>
+          <p:nvPr/>
+        </p:nvPicPr>
+        <p:blipFill>
+          <a:blip r:embed="rId4"/>
+          <a:stretch>
+            <a:fillRect/>
+          </a:stretch>
+        </p:blipFill>
+        <p:spPr>
+          <a:xfrm>
+            <a:off x="8823492" y="3689935"/>
+            <a:ext cx="3251033" cy="1539450"/>
+          </a:xfrm>
+          <a:prstGeom prst="rect">
+            <a:avLst/>
+          </a:prstGeom>
+          <a:effectLst>
+            <a:outerShdw blurRad="50800" dist="38100" dir="2700000" algn="tl" rotWithShape="0">
+              <a:prstClr val="black">
+                <a:alpha val="40000"/>
+              </a:prstClr>
+            </a:outerShdw>
+          </a:effectLst>
+        </p:spPr>
+      </p:pic>
+    </p:spTree>
+    <p:extLst>
+      <p:ext uri="{BB962C8B-B14F-4D97-AF65-F5344CB8AC3E}">
+        <p14:creationId xmlns:p14="http://schemas.microsoft.com/office/powerpoint/2010/main" val="3475971152"/>
+      </p:ext>
+    </p:extLst>
+  </p:cSld>
+  <p:clrMapOvr>
+    <a:masterClrMapping/>
+  </p:clrMapOvr>
+</p:sld>
+</file>
+
+<file path=ppt/slides/slide2.xml><?xml version="1.0" encoding="utf-8"?>
+<p:sld xmlns:a="http://schemas.openxmlformats.org/drawingml/2006/main" xmlns:r="http://schemas.openxmlformats.org/officeDocument/2006/relationships" xmlns:p="http://schemas.openxmlformats.org/presentationml/2006/main">
+  <p:cSld>
+    <p:spTree>
+      <p:nvGrpSpPr>
+        <p:cNvPr id="1" name=""/>
+        <p:cNvGrpSpPr/>
+        <p:nvPr/>
+      </p:nvGrpSpPr>
+      <p:grpSpPr>
+        <a:xfrm>
+          <a:off x="0" y="0"/>
+          <a:ext cx="0" cy="0"/>
+          <a:chOff x="0" y="0"/>
+          <a:chExt cx="0" cy="0"/>
+        </a:xfrm>
+      </p:grpSpPr>
+      <p:sp>
+        <p:nvSpPr>
+          <p:cNvPr id="2" name="內容版面配置區 1">
+            <a:extLst>
+              <a:ext uri="{FF2B5EF4-FFF2-40B4-BE49-F238E27FC236}">
+                <a16:creationId xmlns:a16="http://schemas.microsoft.com/office/drawing/2014/main" id="{E53846D1-4366-4CAF-951C-C439E58C9575}"/>
+              </a:ext>
+            </a:extLst>
+          </p:cNvPr>
+          <p:cNvSpPr>
+            <a:spLocks noGrp="1"/>
+          </p:cNvSpPr>
+          <p:nvPr>
+            <p:ph sz="quarter" idx="12"/>
+          </p:nvPr>
+        </p:nvSpPr>
+        <p:spPr/>
+        <p:txBody>
+          <a:bodyPr/>
+          <a:lstStyle/>
+          <a:p>
+            <a:r>
+              <a:rPr lang="zh-TW" altLang="en-US" dirty="0"/>
+              <a:t>傳統的網站型態模式多為 </a:t>
+            </a:r>
+            <a:r>
+              <a:rPr lang="en-US" altLang="zh-TW" dirty="0"/>
+              <a:t>Multi-Page </a:t>
+            </a:r>
+            <a:r>
+              <a:rPr lang="en-US" altLang="zh-TW" dirty="0" err="1"/>
+              <a:t>Appolication</a:t>
+            </a:r>
+            <a:r>
+              <a:rPr lang="en-US" altLang="zh-TW" dirty="0"/>
+              <a:t>(</a:t>
+            </a:r>
+            <a:r>
+              <a:rPr lang="zh-TW" altLang="en-US" dirty="0"/>
+              <a:t>多頁式應用程式</a:t>
+            </a:r>
+            <a:r>
+              <a:rPr lang="en-US" altLang="zh-TW" dirty="0"/>
+              <a:t>)</a:t>
+            </a:r>
+          </a:p>
+          <a:p>
+            <a:r>
+              <a:rPr lang="en-US" altLang="zh-TW" dirty="0"/>
+              <a:t>router </a:t>
+            </a:r>
+            <a:r>
+              <a:rPr lang="zh-TW" altLang="en-US" dirty="0"/>
+              <a:t>的內容切換由伺服器來決定</a:t>
+            </a:r>
+          </a:p>
+          <a:p>
+            <a:r>
+              <a:rPr lang="zh-TW" altLang="en-US" dirty="0"/>
+              <a:t>伺服器會根據網頁的 </a:t>
+            </a:r>
+            <a:r>
+              <a:rPr lang="en-US" altLang="zh-TW" dirty="0"/>
+              <a:t>URL </a:t>
+            </a:r>
+            <a:r>
+              <a:rPr lang="zh-TW" altLang="en-US" dirty="0"/>
+              <a:t>路徑，回傳對應的 </a:t>
+            </a:r>
+            <a:r>
+              <a:rPr lang="en-US" altLang="zh-TW" dirty="0"/>
+              <a:t>html </a:t>
+            </a:r>
+            <a:r>
+              <a:rPr lang="zh-TW" altLang="en-US" dirty="0"/>
+              <a:t>檔案給瀏覽器。</a:t>
+            </a:r>
+            <a:endParaRPr lang="en-US" altLang="zh-TW" dirty="0"/>
+          </a:p>
+          <a:p>
+            <a:pPr marL="0" indent="0">
+              <a:buNone/>
+            </a:pPr>
+            <a:endParaRPr lang="en-US" altLang="zh-TW" dirty="0"/>
+          </a:p>
+          <a:p>
+            <a:r>
+              <a:rPr lang="zh-TW" altLang="en-US" dirty="0"/>
+              <a:t>而 </a:t>
+            </a:r>
+            <a:r>
+              <a:rPr lang="en-US" altLang="zh-TW" dirty="0"/>
+              <a:t>Single-Page Application ( SPA )</a:t>
+            </a:r>
+            <a:r>
+              <a:rPr lang="zh-TW" altLang="en-US" dirty="0"/>
+              <a:t>指的是整個網站只有一個 </a:t>
+            </a:r>
+            <a:r>
+              <a:rPr lang="en-US" altLang="zh-TW" dirty="0"/>
+              <a:t>html </a:t>
+            </a:r>
+            <a:r>
+              <a:rPr lang="zh-TW" altLang="en-US" dirty="0"/>
+              <a:t>檔案。</a:t>
+            </a:r>
+          </a:p>
+          <a:p>
+            <a:r>
+              <a:rPr lang="zh-TW" altLang="en-US" dirty="0"/>
+              <a:t>不論使用者是進入</a:t>
+            </a:r>
+            <a:r>
+              <a:rPr lang="en-US" altLang="zh-TW" dirty="0"/>
+              <a:t>https://example.com</a:t>
+            </a:r>
+            <a:r>
+              <a:rPr lang="zh-TW" altLang="en-US" dirty="0"/>
+              <a:t>或</a:t>
+            </a:r>
+            <a:r>
+              <a:rPr lang="en-US" altLang="zh-TW" dirty="0">
+                <a:hlinkClick r:id="rId2"/>
+              </a:rPr>
+              <a:t>https://example.com/about</a:t>
+            </a:r>
+            <a:r>
+              <a:rPr lang="zh-TW" altLang="en-US" dirty="0"/>
+              <a:t>，伺服器所回傳的都是同一份</a:t>
+            </a:r>
+            <a:r>
+              <a:rPr lang="en-US" altLang="zh-TW" dirty="0"/>
+              <a:t>index.html</a:t>
+            </a:r>
+          </a:p>
+          <a:p>
+            <a:endParaRPr lang="zh-TW" altLang="en-US" dirty="0"/>
+          </a:p>
+          <a:p>
+            <a:endParaRPr lang="zh-TW" altLang="en-US" dirty="0"/>
+          </a:p>
+        </p:txBody>
+      </p:sp>
+      <p:sp>
+        <p:nvSpPr>
+          <p:cNvPr id="3" name="標題 2">
+            <a:extLst>
+              <a:ext uri="{FF2B5EF4-FFF2-40B4-BE49-F238E27FC236}">
+                <a16:creationId xmlns:a16="http://schemas.microsoft.com/office/drawing/2014/main" id="{074A2DFE-AD9B-4C69-ADDF-D26F7C686C69}"/>
+              </a:ext>
+            </a:extLst>
+          </p:cNvPr>
+          <p:cNvSpPr>
+            <a:spLocks noGrp="1"/>
+          </p:cNvSpPr>
+          <p:nvPr>
+            <p:ph type="title"/>
+          </p:nvPr>
+        </p:nvSpPr>
+        <p:spPr/>
+        <p:txBody>
+          <a:bodyPr>
+            <a:normAutofit fontScale="90000"/>
+          </a:bodyPr>
+          <a:lstStyle/>
+          <a:p>
+            <a:r>
+              <a:rPr lang="en-US" altLang="zh-TW" dirty="0"/>
+              <a:t>Vue-</a:t>
+            </a:r>
+            <a:r>
+              <a:rPr lang="en-US" altLang="zh-TW" dirty="0" err="1"/>
+              <a:t>ruter</a:t>
+            </a:r>
+            <a:endParaRPr lang="zh-TW" altLang="en-US" dirty="0"/>
+          </a:p>
+        </p:txBody>
+      </p:sp>
+      <p:sp>
+        <p:nvSpPr>
+          <p:cNvPr id="4" name="文字版面配置區 3">
+            <a:extLst>
+              <a:ext uri="{FF2B5EF4-FFF2-40B4-BE49-F238E27FC236}">
+                <a16:creationId xmlns:a16="http://schemas.microsoft.com/office/drawing/2014/main" id="{0C48A748-9855-46C6-865E-CCD71FEA7139}"/>
+              </a:ext>
+            </a:extLst>
+          </p:cNvPr>
+          <p:cNvSpPr>
+            <a:spLocks noGrp="1"/>
+          </p:cNvSpPr>
+          <p:nvPr>
+            <p:ph type="body" sz="quarter" idx="11"/>
+          </p:nvPr>
+        </p:nvSpPr>
+        <p:spPr/>
+        <p:txBody>
+          <a:bodyPr>
+            <a:normAutofit lnSpcReduction="10000"/>
+          </a:bodyPr>
+          <a:lstStyle/>
+          <a:p>
+            <a:endParaRPr lang="zh-TW" altLang="en-US"/>
+          </a:p>
+        </p:txBody>
+      </p:sp>
+      <p:pic>
+        <p:nvPicPr>
+          <p:cNvPr id="5" name="Picture 2">
+            <a:extLst>
+              <a:ext uri="{FF2B5EF4-FFF2-40B4-BE49-F238E27FC236}">
+                <a16:creationId xmlns:a16="http://schemas.microsoft.com/office/drawing/2014/main" id="{00DF1E85-6A76-4859-B735-5ADA86CB9FDC}"/>
+              </a:ext>
+            </a:extLst>
+          </p:cNvPr>
+          <p:cNvPicPr>
+            <a:picLocks noChangeAspect="1" noChangeArrowheads="1"/>
+          </p:cNvPicPr>
+          <p:nvPr/>
+        </p:nvPicPr>
+        <p:blipFill>
+          <a:blip r:embed="rId3">
+            <a:extLst>
+              <a:ext uri="{28A0092B-C50C-407E-A947-70E740481C1C}">
+                <a14:useLocalDpi xmlns:a14="http://schemas.microsoft.com/office/drawing/2010/main" val="0"/>
+              </a:ext>
+            </a:extLst>
+          </a:blip>
+          <a:srcRect/>
+          <a:stretch>
+            <a:fillRect/>
+          </a:stretch>
+        </p:blipFill>
+        <p:spPr bwMode="auto">
+          <a:xfrm>
+            <a:off x="200025" y="4283117"/>
+            <a:ext cx="5895975" cy="2393908"/>
+          </a:xfrm>
+          <a:prstGeom prst="rect">
+            <a:avLst/>
+          </a:prstGeom>
+          <a:noFill/>
+          <a:effectLst>
+            <a:outerShdw blurRad="50800" dist="38100" dir="2700000" algn="tl" rotWithShape="0">
+              <a:prstClr val="black">
+                <a:alpha val="40000"/>
+              </a:prstClr>
+            </a:outerShdw>
+          </a:effectLst>
+          <a:extLst>
+            <a:ext uri="{909E8E84-426E-40DD-AFC4-6F175D3DCCD1}">
+              <a14:hiddenFill xmlns:a14="http://schemas.microsoft.com/office/drawing/2010/main">
+                <a:solidFill>
+                  <a:srgbClr val="FFFFFF"/>
+                </a:solidFill>
+              </a14:hiddenFill>
+            </a:ext>
+          </a:extLst>
+        </p:spPr>
+      </p:pic>
+      <p:pic>
+        <p:nvPicPr>
+          <p:cNvPr id="6" name="Picture 4">
+            <a:extLst>
+              <a:ext uri="{FF2B5EF4-FFF2-40B4-BE49-F238E27FC236}">
+                <a16:creationId xmlns:a16="http://schemas.microsoft.com/office/drawing/2014/main" id="{F996CB6A-2BE8-413B-84E3-852ADDB8F65E}"/>
+              </a:ext>
+            </a:extLst>
+          </p:cNvPr>
+          <p:cNvPicPr>
+            <a:picLocks noChangeAspect="1" noChangeArrowheads="1"/>
+          </p:cNvPicPr>
+          <p:nvPr/>
+        </p:nvPicPr>
+        <p:blipFill>
+          <a:blip r:embed="rId4">
+            <a:extLst>
+              <a:ext uri="{28A0092B-C50C-407E-A947-70E740481C1C}">
+                <a14:useLocalDpi xmlns:a14="http://schemas.microsoft.com/office/drawing/2010/main" val="0"/>
+              </a:ext>
+            </a:extLst>
+          </a:blip>
+          <a:srcRect/>
+          <a:stretch>
+            <a:fillRect/>
+          </a:stretch>
+        </p:blipFill>
+        <p:spPr bwMode="auto">
+          <a:xfrm>
+            <a:off x="6296025" y="4009302"/>
+            <a:ext cx="5774352" cy="2667723"/>
+          </a:xfrm>
+          <a:prstGeom prst="rect">
+            <a:avLst/>
+          </a:prstGeom>
+          <a:noFill/>
+          <a:effectLst>
+            <a:outerShdw blurRad="50800" dist="38100" dir="2700000" algn="tl" rotWithShape="0">
+              <a:prstClr val="black">
+                <a:alpha val="40000"/>
+              </a:prstClr>
+            </a:outerShdw>
+          </a:effectLst>
+          <a:extLst>
+            <a:ext uri="{909E8E84-426E-40DD-AFC4-6F175D3DCCD1}">
+              <a14:hiddenFill xmlns:a14="http://schemas.microsoft.com/office/drawing/2010/main">
+                <a:solidFill>
+                  <a:srgbClr val="FFFFFF"/>
+                </a:solidFill>
+              </a14:hiddenFill>
+            </a:ext>
+          </a:extLst>
+        </p:spPr>
+      </p:pic>
+    </p:spTree>
+    <p:extLst>
+      <p:ext uri="{BB962C8B-B14F-4D97-AF65-F5344CB8AC3E}">
+        <p14:creationId xmlns:p14="http://schemas.microsoft.com/office/powerpoint/2010/main" val="3437462463"/>
+      </p:ext>
+    </p:extLst>
+  </p:cSld>
+  <p:clrMapOvr>
+    <a:masterClrMapping/>
+  </p:clrMapOvr>
+</p:sld>
+</file>
+
+<file path=ppt/slides/slide20.xml><?xml version="1.0" encoding="utf-8"?>
+<p:sld xmlns:a="http://schemas.openxmlformats.org/drawingml/2006/main" xmlns:r="http://schemas.openxmlformats.org/officeDocument/2006/relationships" xmlns:p="http://schemas.openxmlformats.org/presentationml/2006/main">
+  <p:cSld>
+    <p:spTree>
+      <p:nvGrpSpPr>
+        <p:cNvPr id="1" name=""/>
+        <p:cNvGrpSpPr/>
+        <p:nvPr/>
+      </p:nvGrpSpPr>
+      <p:grpSpPr>
+        <a:xfrm>
+          <a:off x="0" y="0"/>
+          <a:ext cx="0" cy="0"/>
+          <a:chOff x="0" y="0"/>
+          <a:chExt cx="0" cy="0"/>
+        </a:xfrm>
+      </p:grpSpPr>
+      <p:sp>
+        <p:nvSpPr>
+          <p:cNvPr id="2" name="內容版面配置區 1">
+            <a:extLst>
+              <a:ext uri="{FF2B5EF4-FFF2-40B4-BE49-F238E27FC236}">
+                <a16:creationId xmlns:a16="http://schemas.microsoft.com/office/drawing/2014/main" id="{7C64B5B7-6BCB-4F04-A41A-B799AD0FF5C3}"/>
+              </a:ext>
+            </a:extLst>
+          </p:cNvPr>
+          <p:cNvSpPr>
+            <a:spLocks noGrp="1"/>
+          </p:cNvSpPr>
+          <p:nvPr>
+            <p:ph sz="quarter" idx="12"/>
+          </p:nvPr>
+        </p:nvSpPr>
+        <p:spPr/>
+        <p:txBody>
+          <a:bodyPr/>
+          <a:lstStyle/>
+          <a:p>
+            <a:r>
+              <a:rPr lang="zh-TW" altLang="en-US" dirty="0"/>
+              <a:t>路由參數是在 </a:t>
+            </a:r>
+            <a:r>
+              <a:rPr lang="en-US" altLang="zh-TW" dirty="0"/>
+              <a:t>URL </a:t>
+            </a:r>
+            <a:r>
+              <a:rPr lang="zh-TW" altLang="en-US" dirty="0"/>
+              <a:t>中以占位符的形式定義並傳遞數據 </a:t>
+            </a:r>
+            <a:r>
+              <a:rPr lang="en-US" altLang="zh-TW" dirty="0"/>
+              <a:t>=&gt; </a:t>
+            </a:r>
+            <a:r>
+              <a:rPr lang="zh-TW" altLang="en-US" dirty="0"/>
+              <a:t>就是</a:t>
+            </a:r>
+            <a:r>
+              <a:rPr lang="zh-TW" altLang="en-US" sz="1800" dirty="0">
+                <a:latin typeface="Times New Roman" panose="02020603050405020304" pitchFamily="18" charset="0"/>
+                <a:ea typeface="標楷體" panose="03000509000000000000" pitchFamily="65" charset="-120"/>
+                <a:cs typeface="王漢宗顏楷體"/>
+                <a:sym typeface="王漢宗顏楷體"/>
+              </a:rPr>
+              <a:t>在網址列傳遞</a:t>
+            </a:r>
+            <a:r>
+              <a:rPr lang="en-US" altLang="zh-TW" sz="1800" dirty="0">
+                <a:latin typeface="Times New Roman" panose="02020603050405020304" pitchFamily="18" charset="0"/>
+                <a:ea typeface="標楷體" panose="03000509000000000000" pitchFamily="65" charset="-120"/>
+                <a:cs typeface="王漢宗顏楷體"/>
+                <a:sym typeface="王漢宗顏楷體"/>
+              </a:rPr>
+              <a:t>params</a:t>
+            </a:r>
+            <a:endParaRPr lang="zh-TW" altLang="en-US" dirty="0"/>
+          </a:p>
+          <a:p>
+            <a:r>
+              <a:rPr lang="zh-TW" altLang="en-US" dirty="0"/>
+              <a:t>假設由</a:t>
+            </a:r>
+            <a:r>
+              <a:rPr lang="en-US" altLang="zh-TW" dirty="0" err="1"/>
+              <a:t>DashboardView.vue</a:t>
+            </a:r>
+            <a:r>
+              <a:rPr lang="zh-TW" altLang="en-US" dirty="0"/>
+              <a:t>傳參數</a:t>
+            </a:r>
+            <a:r>
+              <a:rPr lang="en-US" altLang="zh-TW" dirty="0"/>
+              <a:t>(</a:t>
+            </a:r>
+            <a:r>
+              <a:rPr lang="en-US" altLang="zh-TW" dirty="0" err="1"/>
+              <a:t>userID</a:t>
+            </a:r>
+            <a:r>
+              <a:rPr lang="en-US" altLang="zh-TW" dirty="0"/>
+              <a:t>)</a:t>
+            </a:r>
+            <a:r>
+              <a:rPr lang="zh-TW" altLang="en-US" dirty="0"/>
+              <a:t>給</a:t>
+            </a:r>
+            <a:r>
+              <a:rPr lang="en-US" altLang="zh-TW" dirty="0" err="1"/>
+              <a:t>TeamPage.vue</a:t>
+            </a:r>
+            <a:endParaRPr lang="en-US" altLang="zh-TW" dirty="0"/>
+          </a:p>
+          <a:p>
+            <a:endParaRPr lang="zh-TW" altLang="en-US" dirty="0"/>
+          </a:p>
+        </p:txBody>
+      </p:sp>
+      <p:sp>
+        <p:nvSpPr>
+          <p:cNvPr id="3" name="標題 2">
+            <a:extLst>
+              <a:ext uri="{FF2B5EF4-FFF2-40B4-BE49-F238E27FC236}">
+                <a16:creationId xmlns:a16="http://schemas.microsoft.com/office/drawing/2014/main" id="{53D9C14C-BA6D-4BD0-B967-D19FA88E37A2}"/>
+              </a:ext>
+            </a:extLst>
+          </p:cNvPr>
+          <p:cNvSpPr>
+            <a:spLocks noGrp="1"/>
+          </p:cNvSpPr>
+          <p:nvPr>
+            <p:ph type="title"/>
+          </p:nvPr>
+        </p:nvSpPr>
+        <p:spPr/>
+        <p:txBody>
+          <a:bodyPr>
+            <a:normAutofit fontScale="90000"/>
+          </a:bodyPr>
+          <a:lstStyle/>
+          <a:p>
+            <a:r>
+              <a:rPr lang="en-US" altLang="zh-TW" dirty="0"/>
+              <a:t>router </a:t>
+            </a:r>
+            <a:r>
+              <a:rPr lang="zh-TW" altLang="en-US" dirty="0"/>
+              <a:t>傳資料</a:t>
+            </a:r>
+            <a:r>
+              <a:rPr lang="en-US" altLang="zh-TW" dirty="0"/>
+              <a:t>--</a:t>
+            </a:r>
+            <a:r>
+              <a:rPr lang="zh-TW" altLang="en-US" dirty="0"/>
+              <a:t>路由參數</a:t>
+            </a:r>
+            <a:r>
+              <a:rPr lang="en-US" altLang="zh-TW" dirty="0"/>
+              <a:t>(params)</a:t>
+            </a:r>
+          </a:p>
+        </p:txBody>
+      </p:sp>
+      <p:sp>
+        <p:nvSpPr>
+          <p:cNvPr id="4" name="文字版面配置區 3">
+            <a:extLst>
+              <a:ext uri="{FF2B5EF4-FFF2-40B4-BE49-F238E27FC236}">
+                <a16:creationId xmlns:a16="http://schemas.microsoft.com/office/drawing/2014/main" id="{845894A5-7AB0-4FAD-82BA-180A3807EC27}"/>
+              </a:ext>
+            </a:extLst>
+          </p:cNvPr>
+          <p:cNvSpPr>
+            <a:spLocks noGrp="1"/>
+          </p:cNvSpPr>
+          <p:nvPr>
+            <p:ph type="body" sz="quarter" idx="11"/>
+          </p:nvPr>
+        </p:nvSpPr>
+        <p:spPr/>
+        <p:txBody>
+          <a:bodyPr>
+            <a:normAutofit lnSpcReduction="10000"/>
+          </a:bodyPr>
+          <a:lstStyle/>
+          <a:p>
+            <a:endParaRPr lang="zh-TW" altLang="en-US"/>
+          </a:p>
+        </p:txBody>
+      </p:sp>
+      <p:pic>
+        <p:nvPicPr>
+          <p:cNvPr id="5" name="圖片 4">
+            <a:extLst>
+              <a:ext uri="{FF2B5EF4-FFF2-40B4-BE49-F238E27FC236}">
+                <a16:creationId xmlns:a16="http://schemas.microsoft.com/office/drawing/2014/main" id="{F82DE4A5-74F3-49A3-9733-B6B45F70F18A}"/>
+              </a:ext>
+            </a:extLst>
+          </p:cNvPr>
+          <p:cNvPicPr>
+            <a:picLocks noChangeAspect="1"/>
+          </p:cNvPicPr>
+          <p:nvPr/>
+        </p:nvPicPr>
+        <p:blipFill>
+          <a:blip r:embed="rId2"/>
+          <a:stretch>
+            <a:fillRect/>
+          </a:stretch>
+        </p:blipFill>
+        <p:spPr>
+          <a:xfrm>
+            <a:off x="76200" y="1788325"/>
+            <a:ext cx="4880993" cy="4096291"/>
+          </a:xfrm>
+          <a:prstGeom prst="rect">
+            <a:avLst/>
+          </a:prstGeom>
+        </p:spPr>
+      </p:pic>
+      <p:pic>
+        <p:nvPicPr>
+          <p:cNvPr id="7" name="圖片 6">
+            <a:extLst>
+              <a:ext uri="{FF2B5EF4-FFF2-40B4-BE49-F238E27FC236}">
+                <a16:creationId xmlns:a16="http://schemas.microsoft.com/office/drawing/2014/main" id="{45C8BF52-D45A-42E6-B7D0-A1845319C43A}"/>
+              </a:ext>
+            </a:extLst>
+          </p:cNvPr>
+          <p:cNvPicPr>
+            <a:picLocks noChangeAspect="1"/>
+          </p:cNvPicPr>
+          <p:nvPr/>
+        </p:nvPicPr>
+        <p:blipFill>
+          <a:blip r:embed="rId3"/>
+          <a:stretch>
+            <a:fillRect/>
+          </a:stretch>
+        </p:blipFill>
+        <p:spPr>
+          <a:xfrm>
+            <a:off x="5017953" y="1788324"/>
+            <a:ext cx="7174044" cy="4096291"/>
+          </a:xfrm>
+          <a:prstGeom prst="rect">
+            <a:avLst/>
+          </a:prstGeom>
+        </p:spPr>
+      </p:pic>
+    </p:spTree>
+    <p:extLst>
+      <p:ext uri="{BB962C8B-B14F-4D97-AF65-F5344CB8AC3E}">
+        <p14:creationId xmlns:p14="http://schemas.microsoft.com/office/powerpoint/2010/main" val="1512644494"/>
+      </p:ext>
+    </p:extLst>
+  </p:cSld>
+  <p:clrMapOvr>
+    <a:masterClrMapping/>
+  </p:clrMapOvr>
+</p:sld>
+</file>
+
+<file path=ppt/slides/slide21.xml><?xml version="1.0" encoding="utf-8"?>
+<p:sld xmlns:a="http://schemas.openxmlformats.org/drawingml/2006/main" xmlns:r="http://schemas.openxmlformats.org/officeDocument/2006/relationships" xmlns:p="http://schemas.openxmlformats.org/presentationml/2006/main">
+  <p:cSld>
+    <p:spTree>
+      <p:nvGrpSpPr>
+        <p:cNvPr id="1" name=""/>
+        <p:cNvGrpSpPr/>
+        <p:nvPr/>
+      </p:nvGrpSpPr>
+      <p:grpSpPr>
+        <a:xfrm>
+          <a:off x="0" y="0"/>
+          <a:ext cx="0" cy="0"/>
+          <a:chOff x="0" y="0"/>
+          <a:chExt cx="0" cy="0"/>
+        </a:xfrm>
+      </p:grpSpPr>
+      <p:sp>
+        <p:nvSpPr>
+          <p:cNvPr id="2" name="內容版面配置區 1">
+            <a:extLst>
+              <a:ext uri="{FF2B5EF4-FFF2-40B4-BE49-F238E27FC236}">
+                <a16:creationId xmlns:a16="http://schemas.microsoft.com/office/drawing/2014/main" id="{7C64B5B7-6BCB-4F04-A41A-B799AD0FF5C3}"/>
+              </a:ext>
+            </a:extLst>
+          </p:cNvPr>
+          <p:cNvSpPr>
+            <a:spLocks noGrp="1"/>
+          </p:cNvSpPr>
+          <p:nvPr>
+            <p:ph sz="quarter" idx="12"/>
+          </p:nvPr>
+        </p:nvSpPr>
+        <p:spPr/>
+        <p:txBody>
+          <a:bodyPr/>
+          <a:lstStyle/>
+          <a:p>
+            <a:r>
+              <a:rPr lang="zh-TW" altLang="en-US" dirty="0"/>
+              <a:t>如果是透過</a:t>
+            </a:r>
+            <a:r>
+              <a:rPr lang="en-US" altLang="zh-TW" dirty="0"/>
+              <a:t>button</a:t>
+            </a:r>
+            <a:r>
+              <a:rPr lang="zh-TW" altLang="en-US" dirty="0"/>
+              <a:t>帶</a:t>
+            </a:r>
+            <a:r>
+              <a:rPr lang="en-US" altLang="zh-TW" dirty="0"/>
+              <a:t>param</a:t>
+            </a:r>
+            <a:r>
+              <a:rPr lang="zh-TW" altLang="en-US" dirty="0"/>
+              <a:t>傳送</a:t>
+            </a:r>
+          </a:p>
+        </p:txBody>
+      </p:sp>
+      <p:sp>
+        <p:nvSpPr>
+          <p:cNvPr id="3" name="標題 2">
+            <a:extLst>
+              <a:ext uri="{FF2B5EF4-FFF2-40B4-BE49-F238E27FC236}">
+                <a16:creationId xmlns:a16="http://schemas.microsoft.com/office/drawing/2014/main" id="{53D9C14C-BA6D-4BD0-B967-D19FA88E37A2}"/>
+              </a:ext>
+            </a:extLst>
+          </p:cNvPr>
+          <p:cNvSpPr>
+            <a:spLocks noGrp="1"/>
+          </p:cNvSpPr>
+          <p:nvPr>
+            <p:ph type="title"/>
+          </p:nvPr>
+        </p:nvSpPr>
+        <p:spPr/>
+        <p:txBody>
+          <a:bodyPr>
+            <a:normAutofit fontScale="90000"/>
+          </a:bodyPr>
+          <a:lstStyle/>
+          <a:p>
+            <a:r>
+              <a:rPr lang="en-US" altLang="zh-TW" dirty="0"/>
+              <a:t>router </a:t>
+            </a:r>
+            <a:r>
+              <a:rPr lang="zh-TW" altLang="en-US" dirty="0"/>
+              <a:t>傳資料</a:t>
+            </a:r>
+            <a:r>
+              <a:rPr lang="en-US" altLang="zh-TW" dirty="0"/>
+              <a:t>--</a:t>
+            </a:r>
+            <a:r>
+              <a:rPr lang="zh-TW" altLang="en-US" dirty="0"/>
+              <a:t>路由參數</a:t>
+            </a:r>
+            <a:r>
+              <a:rPr lang="en-US" altLang="zh-TW" dirty="0"/>
+              <a:t>(params)</a:t>
+            </a:r>
+            <a:endParaRPr lang="zh-TW" altLang="en-US" dirty="0"/>
+          </a:p>
+        </p:txBody>
+      </p:sp>
+      <p:sp>
+        <p:nvSpPr>
+          <p:cNvPr id="4" name="文字版面配置區 3">
+            <a:extLst>
+              <a:ext uri="{FF2B5EF4-FFF2-40B4-BE49-F238E27FC236}">
+                <a16:creationId xmlns:a16="http://schemas.microsoft.com/office/drawing/2014/main" id="{845894A5-7AB0-4FAD-82BA-180A3807EC27}"/>
+              </a:ext>
+            </a:extLst>
+          </p:cNvPr>
+          <p:cNvSpPr>
+            <a:spLocks noGrp="1"/>
+          </p:cNvSpPr>
+          <p:nvPr>
+            <p:ph type="body" sz="quarter" idx="11"/>
+          </p:nvPr>
+        </p:nvSpPr>
+        <p:spPr/>
+        <p:txBody>
+          <a:bodyPr>
+            <a:normAutofit lnSpcReduction="10000"/>
+          </a:bodyPr>
+          <a:lstStyle/>
+          <a:p>
+            <a:endParaRPr lang="zh-TW" altLang="en-US"/>
+          </a:p>
+        </p:txBody>
+      </p:sp>
+      <p:pic>
+        <p:nvPicPr>
+          <p:cNvPr id="5" name="圖片 4">
+            <a:extLst>
+              <a:ext uri="{FF2B5EF4-FFF2-40B4-BE49-F238E27FC236}">
+                <a16:creationId xmlns:a16="http://schemas.microsoft.com/office/drawing/2014/main" id="{93711397-8251-4FB4-BE9F-090E50A7BA9A}"/>
+              </a:ext>
+            </a:extLst>
+          </p:cNvPr>
+          <p:cNvPicPr>
+            <a:picLocks noChangeAspect="1"/>
+          </p:cNvPicPr>
+          <p:nvPr/>
+        </p:nvPicPr>
+        <p:blipFill>
+          <a:blip r:embed="rId2"/>
+          <a:stretch>
+            <a:fillRect/>
+          </a:stretch>
+        </p:blipFill>
+        <p:spPr>
+          <a:xfrm>
+            <a:off x="76201" y="1360287"/>
+            <a:ext cx="9639300" cy="5474395"/>
+          </a:xfrm>
+          <a:prstGeom prst="rect">
+            <a:avLst/>
+          </a:prstGeom>
+        </p:spPr>
+      </p:pic>
+      <p:pic>
+        <p:nvPicPr>
+          <p:cNvPr id="6" name="圖片 5">
+            <a:extLst>
+              <a:ext uri="{FF2B5EF4-FFF2-40B4-BE49-F238E27FC236}">
+                <a16:creationId xmlns:a16="http://schemas.microsoft.com/office/drawing/2014/main" id="{473A27CE-7C53-451F-B832-BE4543CAD43F}"/>
+              </a:ext>
+            </a:extLst>
+          </p:cNvPr>
+          <p:cNvPicPr>
+            <a:picLocks noChangeAspect="1"/>
+          </p:cNvPicPr>
+          <p:nvPr/>
+        </p:nvPicPr>
+        <p:blipFill>
+          <a:blip r:embed="rId3"/>
+          <a:stretch>
+            <a:fillRect/>
+          </a:stretch>
+        </p:blipFill>
+        <p:spPr>
+          <a:xfrm>
+            <a:off x="6794500" y="973384"/>
+            <a:ext cx="5321299" cy="2115567"/>
+          </a:xfrm>
+          <a:prstGeom prst="rect">
+            <a:avLst/>
+          </a:prstGeom>
+          <a:effectLst>
+            <a:outerShdw blurRad="50800" dist="38100" dir="2700000" algn="tl" rotWithShape="0">
+              <a:prstClr val="black">
+                <a:alpha val="40000"/>
+              </a:prstClr>
+            </a:outerShdw>
+          </a:effectLst>
+        </p:spPr>
+      </p:pic>
+    </p:spTree>
+    <p:extLst>
+      <p:ext uri="{BB962C8B-B14F-4D97-AF65-F5344CB8AC3E}">
+        <p14:creationId xmlns:p14="http://schemas.microsoft.com/office/powerpoint/2010/main" val="2758834036"/>
+      </p:ext>
+    </p:extLst>
+  </p:cSld>
+  <p:clrMapOvr>
+    <a:masterClrMapping/>
+  </p:clrMapOvr>
+</p:sld>
+</file>
+
+<file path=ppt/slides/slide22.xml><?xml version="1.0" encoding="utf-8"?>
+<p:sld xmlns:a="http://schemas.openxmlformats.org/drawingml/2006/main" xmlns:r="http://schemas.openxmlformats.org/officeDocument/2006/relationships" xmlns:p="http://schemas.openxmlformats.org/presentationml/2006/main">
+  <p:cSld>
+    <p:spTree>
+      <p:nvGrpSpPr>
+        <p:cNvPr id="1" name=""/>
+        <p:cNvGrpSpPr/>
+        <p:nvPr/>
+      </p:nvGrpSpPr>
+      <p:grpSpPr>
+        <a:xfrm>
+          <a:off x="0" y="0"/>
+          <a:ext cx="0" cy="0"/>
+          <a:chOff x="0" y="0"/>
+          <a:chExt cx="0" cy="0"/>
+        </a:xfrm>
+      </p:grpSpPr>
+      <p:sp>
+        <p:nvSpPr>
+          <p:cNvPr id="2" name="內容版面配置區 1">
+            <a:extLst>
+              <a:ext uri="{FF2B5EF4-FFF2-40B4-BE49-F238E27FC236}">
+                <a16:creationId xmlns:a16="http://schemas.microsoft.com/office/drawing/2014/main" id="{7C64B5B7-6BCB-4F04-A41A-B799AD0FF5C3}"/>
+              </a:ext>
+            </a:extLst>
+          </p:cNvPr>
+          <p:cNvSpPr>
+            <a:spLocks noGrp="1"/>
+          </p:cNvSpPr>
+          <p:nvPr>
+            <p:ph sz="quarter" idx="12"/>
+          </p:nvPr>
+        </p:nvSpPr>
+        <p:spPr/>
+        <p:txBody>
+          <a:bodyPr/>
+          <a:lstStyle/>
+          <a:p>
+            <a:r>
+              <a:rPr lang="zh-TW" altLang="en-US" dirty="0"/>
+              <a:t>查詢參數在 </a:t>
+            </a:r>
+            <a:r>
+              <a:rPr lang="en-US" altLang="zh-TW" dirty="0"/>
+              <a:t>URL </a:t>
+            </a:r>
+            <a:r>
+              <a:rPr lang="zh-TW" altLang="en-US" dirty="0"/>
+              <a:t>中以 </a:t>
+            </a:r>
+            <a:r>
+              <a:rPr lang="en-US" altLang="zh-TW" dirty="0"/>
+              <a:t>?key=value </a:t>
+            </a:r>
+            <a:r>
+              <a:rPr lang="zh-TW" altLang="en-US" dirty="0"/>
+              <a:t>的形式傳遞。</a:t>
+            </a:r>
+          </a:p>
+          <a:p>
+            <a:r>
+              <a:rPr lang="zh-TW" altLang="en-US" dirty="0"/>
+              <a:t>假設要傳遞：</a:t>
+            </a:r>
+            <a:r>
+              <a:rPr lang="en-US" altLang="zh-TW" dirty="0"/>
+              <a:t>http://localhost:8080/userpage?userId=54</a:t>
+            </a:r>
+          </a:p>
+          <a:p>
+            <a:endParaRPr lang="zh-TW" altLang="en-US" dirty="0"/>
+          </a:p>
+        </p:txBody>
+      </p:sp>
+      <p:sp>
+        <p:nvSpPr>
+          <p:cNvPr id="3" name="標題 2">
+            <a:extLst>
+              <a:ext uri="{FF2B5EF4-FFF2-40B4-BE49-F238E27FC236}">
+                <a16:creationId xmlns:a16="http://schemas.microsoft.com/office/drawing/2014/main" id="{53D9C14C-BA6D-4BD0-B967-D19FA88E37A2}"/>
+              </a:ext>
+            </a:extLst>
+          </p:cNvPr>
+          <p:cNvSpPr>
+            <a:spLocks noGrp="1"/>
+          </p:cNvSpPr>
+          <p:nvPr>
+            <p:ph type="title"/>
+          </p:nvPr>
+        </p:nvSpPr>
+        <p:spPr/>
+        <p:txBody>
+          <a:bodyPr>
+            <a:normAutofit fontScale="90000"/>
+          </a:bodyPr>
+          <a:lstStyle/>
+          <a:p>
+            <a:r>
+              <a:rPr lang="en-US" altLang="zh-TW" dirty="0"/>
+              <a:t>router </a:t>
+            </a:r>
+            <a:r>
+              <a:rPr lang="zh-TW" altLang="en-US" dirty="0"/>
+              <a:t>傳資料</a:t>
+            </a:r>
+            <a:r>
+              <a:rPr lang="en-US" altLang="zh-TW" dirty="0"/>
+              <a:t>--</a:t>
+            </a:r>
+            <a:r>
+              <a:rPr lang="zh-TW" altLang="en-US" dirty="0"/>
+              <a:t>查尋參數</a:t>
+            </a:r>
+            <a:r>
+              <a:rPr lang="en-US" altLang="zh-TW" dirty="0"/>
+              <a:t>(query)</a:t>
+            </a:r>
+          </a:p>
+        </p:txBody>
+      </p:sp>
+      <p:sp>
+        <p:nvSpPr>
+          <p:cNvPr id="4" name="文字版面配置區 3">
+            <a:extLst>
+              <a:ext uri="{FF2B5EF4-FFF2-40B4-BE49-F238E27FC236}">
+                <a16:creationId xmlns:a16="http://schemas.microsoft.com/office/drawing/2014/main" id="{845894A5-7AB0-4FAD-82BA-180A3807EC27}"/>
+              </a:ext>
+            </a:extLst>
+          </p:cNvPr>
+          <p:cNvSpPr>
+            <a:spLocks noGrp="1"/>
+          </p:cNvSpPr>
+          <p:nvPr>
+            <p:ph type="body" sz="quarter" idx="11"/>
+          </p:nvPr>
+        </p:nvSpPr>
+        <p:spPr/>
+        <p:txBody>
+          <a:bodyPr>
+            <a:normAutofit lnSpcReduction="10000"/>
+          </a:bodyPr>
+          <a:lstStyle/>
+          <a:p>
+            <a:endParaRPr lang="zh-TW" altLang="en-US"/>
+          </a:p>
+        </p:txBody>
+      </p:sp>
+      <p:pic>
+        <p:nvPicPr>
+          <p:cNvPr id="5" name="圖片 4">
+            <a:extLst>
+              <a:ext uri="{FF2B5EF4-FFF2-40B4-BE49-F238E27FC236}">
+                <a16:creationId xmlns:a16="http://schemas.microsoft.com/office/drawing/2014/main" id="{9832AF0C-FBFD-4E50-A3F8-12AEA31FEB32}"/>
+              </a:ext>
+            </a:extLst>
+          </p:cNvPr>
+          <p:cNvPicPr>
+            <a:picLocks noChangeAspect="1"/>
+          </p:cNvPicPr>
+          <p:nvPr/>
+        </p:nvPicPr>
+        <p:blipFill>
+          <a:blip r:embed="rId2"/>
+          <a:stretch>
+            <a:fillRect/>
+          </a:stretch>
+        </p:blipFill>
+        <p:spPr>
+          <a:xfrm>
+            <a:off x="106607" y="1798990"/>
+            <a:ext cx="7713809" cy="4462110"/>
+          </a:xfrm>
+          <a:prstGeom prst="rect">
+            <a:avLst/>
+          </a:prstGeom>
+        </p:spPr>
+      </p:pic>
+      <p:pic>
+        <p:nvPicPr>
+          <p:cNvPr id="6" name="圖片 5">
+            <a:extLst>
+              <a:ext uri="{FF2B5EF4-FFF2-40B4-BE49-F238E27FC236}">
+                <a16:creationId xmlns:a16="http://schemas.microsoft.com/office/drawing/2014/main" id="{01A2A0BC-328D-40A9-9787-E7AC942B1AAA}"/>
+              </a:ext>
+            </a:extLst>
+          </p:cNvPr>
+          <p:cNvPicPr>
+            <a:picLocks noChangeAspect="1"/>
+          </p:cNvPicPr>
+          <p:nvPr/>
+        </p:nvPicPr>
+        <p:blipFill>
+          <a:blip r:embed="rId3"/>
+          <a:stretch>
+            <a:fillRect/>
+          </a:stretch>
+        </p:blipFill>
+        <p:spPr>
+          <a:xfrm>
+            <a:off x="7926739" y="1773179"/>
+            <a:ext cx="4054964" cy="1935222"/>
+          </a:xfrm>
+          <a:prstGeom prst="rect">
+            <a:avLst/>
+          </a:prstGeom>
+          <a:effectLst>
+            <a:outerShdw blurRad="50800" dist="38100" dir="2700000" algn="tl" rotWithShape="0">
+              <a:prstClr val="black">
+                <a:alpha val="40000"/>
+              </a:prstClr>
+            </a:outerShdw>
+          </a:effectLst>
+        </p:spPr>
+      </p:pic>
+    </p:spTree>
+    <p:extLst>
+      <p:ext uri="{BB962C8B-B14F-4D97-AF65-F5344CB8AC3E}">
+        <p14:creationId xmlns:p14="http://schemas.microsoft.com/office/powerpoint/2010/main" val="414113759"/>
+      </p:ext>
+    </p:extLst>
+  </p:cSld>
+  <p:clrMapOvr>
+    <a:masterClrMapping/>
+  </p:clrMapOvr>
+</p:sld>
+</file>
+
+<file path=ppt/slides/slide23.xml><?xml version="1.0" encoding="utf-8"?>
+<p:sld xmlns:a="http://schemas.openxmlformats.org/drawingml/2006/main" xmlns:r="http://schemas.openxmlformats.org/officeDocument/2006/relationships" xmlns:p="http://schemas.openxmlformats.org/presentationml/2006/main">
+  <p:cSld>
+    <p:spTree>
+      <p:nvGrpSpPr>
+        <p:cNvPr id="1" name=""/>
+        <p:cNvGrpSpPr/>
+        <p:nvPr/>
+      </p:nvGrpSpPr>
+      <p:grpSpPr>
+        <a:xfrm>
+          <a:off x="0" y="0"/>
+          <a:ext cx="0" cy="0"/>
+          <a:chOff x="0" y="0"/>
+          <a:chExt cx="0" cy="0"/>
+        </a:xfrm>
+      </p:grpSpPr>
+      <p:sp>
+        <p:nvSpPr>
+          <p:cNvPr id="2" name="內容版面配置區 1">
+            <a:extLst>
+              <a:ext uri="{FF2B5EF4-FFF2-40B4-BE49-F238E27FC236}">
+                <a16:creationId xmlns:a16="http://schemas.microsoft.com/office/drawing/2014/main" id="{7C64B5B7-6BCB-4F04-A41A-B799AD0FF5C3}"/>
+              </a:ext>
+            </a:extLst>
+          </p:cNvPr>
+          <p:cNvSpPr>
+            <a:spLocks noGrp="1"/>
+          </p:cNvSpPr>
+          <p:nvPr>
+            <p:ph sz="quarter" idx="12"/>
+          </p:nvPr>
+        </p:nvSpPr>
+        <p:spPr/>
+        <p:txBody>
+          <a:bodyPr/>
+          <a:lstStyle/>
+          <a:p>
+            <a:r>
+              <a:rPr lang="zh-TW" altLang="en-US" sz="1800" dirty="0">
+                <a:latin typeface="Times New Roman" panose="02020603050405020304" pitchFamily="18" charset="0"/>
+                <a:ea typeface="標楷體" panose="03000509000000000000" pitchFamily="65" charset="-120"/>
+                <a:cs typeface="王漢宗顏楷體"/>
+                <a:sym typeface="王漢宗顏楷體"/>
+              </a:rPr>
+              <a:t>也可以透過組件</a:t>
+            </a:r>
+            <a:r>
+              <a:rPr lang="en-US" altLang="zh-TW" sz="1800" dirty="0">
+                <a:latin typeface="Times New Roman" panose="02020603050405020304" pitchFamily="18" charset="0"/>
+                <a:ea typeface="標楷體" panose="03000509000000000000" pitchFamily="65" charset="-120"/>
+                <a:cs typeface="王漢宗顏楷體"/>
+                <a:sym typeface="王漢宗顏楷體"/>
+              </a:rPr>
+              <a:t>(button)</a:t>
+            </a:r>
+            <a:r>
+              <a:rPr lang="zh-TW" altLang="en-US" sz="1800" dirty="0">
+                <a:latin typeface="Times New Roman" panose="02020603050405020304" pitchFamily="18" charset="0"/>
+                <a:ea typeface="標楷體" panose="03000509000000000000" pitchFamily="65" charset="-120"/>
+                <a:cs typeface="王漢宗顏楷體"/>
+                <a:sym typeface="王漢宗顏楷體"/>
+              </a:rPr>
+              <a:t>去傳遞</a:t>
+            </a:r>
+            <a:r>
+              <a:rPr lang="en-US" altLang="zh-TW" sz="1800" dirty="0">
+                <a:latin typeface="Times New Roman" panose="02020603050405020304" pitchFamily="18" charset="0"/>
+                <a:ea typeface="標楷體" panose="03000509000000000000" pitchFamily="65" charset="-120"/>
+                <a:cs typeface="王漢宗顏楷體"/>
+                <a:sym typeface="王漢宗顏楷體"/>
+              </a:rPr>
+              <a:t>query</a:t>
+            </a:r>
+          </a:p>
+          <a:p>
+            <a:endParaRPr lang="zh-TW" altLang="en-US" dirty="0"/>
+          </a:p>
+        </p:txBody>
+      </p:sp>
+      <p:sp>
+        <p:nvSpPr>
+          <p:cNvPr id="3" name="標題 2">
+            <a:extLst>
+              <a:ext uri="{FF2B5EF4-FFF2-40B4-BE49-F238E27FC236}">
+                <a16:creationId xmlns:a16="http://schemas.microsoft.com/office/drawing/2014/main" id="{53D9C14C-BA6D-4BD0-B967-D19FA88E37A2}"/>
+              </a:ext>
+            </a:extLst>
+          </p:cNvPr>
+          <p:cNvSpPr>
+            <a:spLocks noGrp="1"/>
+          </p:cNvSpPr>
+          <p:nvPr>
+            <p:ph type="title"/>
+          </p:nvPr>
+        </p:nvSpPr>
+        <p:spPr/>
+        <p:txBody>
+          <a:bodyPr>
+            <a:normAutofit fontScale="90000"/>
+          </a:bodyPr>
+          <a:lstStyle/>
+          <a:p>
+            <a:r>
+              <a:rPr lang="en-US" altLang="zh-TW" dirty="0"/>
+              <a:t>router </a:t>
+            </a:r>
+            <a:r>
+              <a:rPr lang="zh-TW" altLang="en-US" dirty="0"/>
+              <a:t>傳資料</a:t>
+            </a:r>
+            <a:r>
+              <a:rPr lang="en-US" altLang="zh-TW" dirty="0"/>
+              <a:t>--</a:t>
+            </a:r>
+            <a:r>
+              <a:rPr lang="zh-TW" altLang="en-US" dirty="0"/>
+              <a:t>查尋參數</a:t>
+            </a:r>
+            <a:r>
+              <a:rPr lang="en-US" altLang="zh-TW" dirty="0"/>
+              <a:t>(query)</a:t>
+            </a:r>
+            <a:endParaRPr lang="zh-TW" altLang="en-US" dirty="0"/>
+          </a:p>
+        </p:txBody>
+      </p:sp>
+      <p:sp>
+        <p:nvSpPr>
+          <p:cNvPr id="4" name="文字版面配置區 3">
+            <a:extLst>
+              <a:ext uri="{FF2B5EF4-FFF2-40B4-BE49-F238E27FC236}">
+                <a16:creationId xmlns:a16="http://schemas.microsoft.com/office/drawing/2014/main" id="{845894A5-7AB0-4FAD-82BA-180A3807EC27}"/>
+              </a:ext>
+            </a:extLst>
+          </p:cNvPr>
+          <p:cNvSpPr>
+            <a:spLocks noGrp="1"/>
+          </p:cNvSpPr>
+          <p:nvPr>
+            <p:ph type="body" sz="quarter" idx="11"/>
+          </p:nvPr>
+        </p:nvSpPr>
+        <p:spPr/>
+        <p:txBody>
+          <a:bodyPr>
+            <a:normAutofit lnSpcReduction="10000"/>
+          </a:bodyPr>
+          <a:lstStyle/>
+          <a:p>
+            <a:endParaRPr lang="zh-TW" altLang="en-US"/>
+          </a:p>
+        </p:txBody>
+      </p:sp>
+      <p:pic>
+        <p:nvPicPr>
+          <p:cNvPr id="5" name="圖片 4">
+            <a:extLst>
+              <a:ext uri="{FF2B5EF4-FFF2-40B4-BE49-F238E27FC236}">
+                <a16:creationId xmlns:a16="http://schemas.microsoft.com/office/drawing/2014/main" id="{59E517FA-8877-4C75-BC8E-A8C557AF894D}"/>
+              </a:ext>
+            </a:extLst>
+          </p:cNvPr>
+          <p:cNvPicPr>
+            <a:picLocks noChangeAspect="1"/>
+          </p:cNvPicPr>
+          <p:nvPr/>
+        </p:nvPicPr>
+        <p:blipFill>
+          <a:blip r:embed="rId2"/>
+          <a:stretch>
+            <a:fillRect/>
+          </a:stretch>
+        </p:blipFill>
+        <p:spPr>
+          <a:xfrm>
+            <a:off x="76200" y="1288440"/>
+            <a:ext cx="9391776" cy="5388585"/>
+          </a:xfrm>
+          <a:prstGeom prst="rect">
+            <a:avLst/>
+          </a:prstGeom>
+        </p:spPr>
+      </p:pic>
+      <p:pic>
+        <p:nvPicPr>
+          <p:cNvPr id="6" name="圖片 5">
+            <a:extLst>
+              <a:ext uri="{FF2B5EF4-FFF2-40B4-BE49-F238E27FC236}">
+                <a16:creationId xmlns:a16="http://schemas.microsoft.com/office/drawing/2014/main" id="{5236F468-73E0-4018-8B76-D736160A3A3A}"/>
+              </a:ext>
+            </a:extLst>
+          </p:cNvPr>
+          <p:cNvPicPr>
+            <a:picLocks noChangeAspect="1"/>
+          </p:cNvPicPr>
+          <p:nvPr/>
+        </p:nvPicPr>
+        <p:blipFill>
+          <a:blip r:embed="rId3"/>
+          <a:stretch>
+            <a:fillRect/>
+          </a:stretch>
+        </p:blipFill>
+        <p:spPr>
+          <a:xfrm>
+            <a:off x="5457822" y="2873972"/>
+            <a:ext cx="4219578" cy="3803053"/>
+          </a:xfrm>
+          <a:prstGeom prst="rect">
+            <a:avLst/>
+          </a:prstGeom>
+          <a:effectLst>
+            <a:outerShdw blurRad="50800" dist="38100" dir="2700000" algn="tl" rotWithShape="0">
+              <a:prstClr val="black">
+                <a:alpha val="40000"/>
+              </a:prstClr>
+            </a:outerShdw>
+          </a:effectLst>
+        </p:spPr>
+      </p:pic>
+      <p:pic>
+        <p:nvPicPr>
+          <p:cNvPr id="7" name="圖片 6">
+            <a:extLst>
+              <a:ext uri="{FF2B5EF4-FFF2-40B4-BE49-F238E27FC236}">
+                <a16:creationId xmlns:a16="http://schemas.microsoft.com/office/drawing/2014/main" id="{55325A55-9522-44B9-88A5-268A8EA794D3}"/>
+              </a:ext>
+            </a:extLst>
+          </p:cNvPr>
+          <p:cNvPicPr>
+            <a:picLocks noChangeAspect="1"/>
+          </p:cNvPicPr>
+          <p:nvPr/>
+        </p:nvPicPr>
+        <p:blipFill rotWithShape="1">
+          <a:blip r:embed="rId4"/>
+          <a:srcRect r="32768"/>
+          <a:stretch/>
+        </p:blipFill>
+        <p:spPr>
+          <a:xfrm>
+            <a:off x="8337360" y="2951095"/>
+            <a:ext cx="3854637" cy="2705592"/>
+          </a:xfrm>
+          <a:prstGeom prst="rect">
+            <a:avLst/>
+          </a:prstGeom>
+          <a:effectLst>
+            <a:outerShdw blurRad="50800" dist="38100" dir="2700000" algn="tl" rotWithShape="0">
+              <a:prstClr val="black">
+                <a:alpha val="40000"/>
+              </a:prstClr>
+            </a:outerShdw>
+          </a:effectLst>
+        </p:spPr>
+      </p:pic>
+    </p:spTree>
+    <p:extLst>
+      <p:ext uri="{BB962C8B-B14F-4D97-AF65-F5344CB8AC3E}">
+        <p14:creationId xmlns:p14="http://schemas.microsoft.com/office/powerpoint/2010/main" val="264692346"/>
+      </p:ext>
+    </p:extLst>
+  </p:cSld>
+  <p:clrMapOvr>
+    <a:masterClrMapping/>
+  </p:clrMapOvr>
+</p:sld>
+</file>
+
+<file path=ppt/slides/slide24.xml><?xml version="1.0" encoding="utf-8"?>
+<p:sld xmlns:a="http://schemas.openxmlformats.org/drawingml/2006/main" xmlns:r="http://schemas.openxmlformats.org/officeDocument/2006/relationships" xmlns:p="http://schemas.openxmlformats.org/presentationml/2006/main">
+  <p:cSld>
+    <p:spTree>
+      <p:nvGrpSpPr>
+        <p:cNvPr id="1" name=""/>
+        <p:cNvGrpSpPr/>
+        <p:nvPr/>
+      </p:nvGrpSpPr>
+      <p:grpSpPr>
+        <a:xfrm>
+          <a:off x="0" y="0"/>
+          <a:ext cx="0" cy="0"/>
+          <a:chOff x="0" y="0"/>
+          <a:chExt cx="0" cy="0"/>
+        </a:xfrm>
+      </p:grpSpPr>
+      <p:sp>
+        <p:nvSpPr>
+          <p:cNvPr id="2" name="內容版面配置區 1">
+            <a:extLst>
+              <a:ext uri="{FF2B5EF4-FFF2-40B4-BE49-F238E27FC236}">
+                <a16:creationId xmlns:a16="http://schemas.microsoft.com/office/drawing/2014/main" id="{7C64B5B7-6BCB-4F04-A41A-B799AD0FF5C3}"/>
+              </a:ext>
+            </a:extLst>
+          </p:cNvPr>
+          <p:cNvSpPr>
+            <a:spLocks noGrp="1"/>
+          </p:cNvSpPr>
+          <p:nvPr>
+            <p:ph sz="quarter" idx="12"/>
+          </p:nvPr>
+        </p:nvSpPr>
+        <p:spPr/>
+        <p:txBody>
+          <a:bodyPr/>
+          <a:lstStyle/>
+          <a:p>
+            <a:endParaRPr lang="zh-TW" altLang="en-US" dirty="0"/>
+          </a:p>
+        </p:txBody>
+      </p:sp>
+      <p:sp>
+        <p:nvSpPr>
+          <p:cNvPr id="3" name="標題 2">
+            <a:extLst>
+              <a:ext uri="{FF2B5EF4-FFF2-40B4-BE49-F238E27FC236}">
+                <a16:creationId xmlns:a16="http://schemas.microsoft.com/office/drawing/2014/main" id="{53D9C14C-BA6D-4BD0-B967-D19FA88E37A2}"/>
+              </a:ext>
+            </a:extLst>
+          </p:cNvPr>
+          <p:cNvSpPr>
+            <a:spLocks noGrp="1"/>
+          </p:cNvSpPr>
+          <p:nvPr>
+            <p:ph type="title"/>
+          </p:nvPr>
+        </p:nvSpPr>
+        <p:spPr/>
+        <p:txBody>
+          <a:bodyPr>
+            <a:normAutofit fontScale="90000"/>
+          </a:bodyPr>
+          <a:lstStyle/>
+          <a:p>
+            <a:r>
+              <a:rPr lang="en-US" altLang="zh-TW" dirty="0"/>
+              <a:t>router </a:t>
+            </a:r>
+            <a:r>
+              <a:rPr lang="zh-TW" altLang="en-US" dirty="0"/>
+              <a:t>傳資料</a:t>
+            </a:r>
+            <a:r>
+              <a:rPr lang="en-US" altLang="zh-TW" dirty="0"/>
+              <a:t>--</a:t>
+            </a:r>
+            <a:r>
+              <a:rPr lang="zh-TW" altLang="en-US" dirty="0"/>
+              <a:t>查尋參數</a:t>
+            </a:r>
+            <a:r>
+              <a:rPr lang="en-US" altLang="zh-TW" dirty="0"/>
+              <a:t>(query)</a:t>
+            </a:r>
+            <a:endParaRPr lang="zh-TW" altLang="en-US" dirty="0"/>
+          </a:p>
+        </p:txBody>
+      </p:sp>
+      <p:sp>
+        <p:nvSpPr>
+          <p:cNvPr id="4" name="文字版面配置區 3">
+            <a:extLst>
+              <a:ext uri="{FF2B5EF4-FFF2-40B4-BE49-F238E27FC236}">
+                <a16:creationId xmlns:a16="http://schemas.microsoft.com/office/drawing/2014/main" id="{845894A5-7AB0-4FAD-82BA-180A3807EC27}"/>
+              </a:ext>
+            </a:extLst>
+          </p:cNvPr>
+          <p:cNvSpPr>
+            <a:spLocks noGrp="1"/>
+          </p:cNvSpPr>
+          <p:nvPr>
+            <p:ph type="body" sz="quarter" idx="11"/>
+          </p:nvPr>
+        </p:nvSpPr>
+        <p:spPr/>
+        <p:txBody>
+          <a:bodyPr>
+            <a:normAutofit lnSpcReduction="10000"/>
+          </a:bodyPr>
+          <a:lstStyle/>
+          <a:p>
+            <a:endParaRPr lang="zh-TW" altLang="en-US"/>
+          </a:p>
+        </p:txBody>
+      </p:sp>
+    </p:spTree>
+    <p:extLst>
+      <p:ext uri="{BB962C8B-B14F-4D97-AF65-F5344CB8AC3E}">
+        <p14:creationId xmlns:p14="http://schemas.microsoft.com/office/powerpoint/2010/main" val="4007765542"/>
+      </p:ext>
+    </p:extLst>
+  </p:cSld>
+  <p:clrMapOvr>
+    <a:masterClrMapping/>
+  </p:clrMapOvr>
+</p:sld>
+</file>
+
+<file path=ppt/slides/slide25.xml><?xml version="1.0" encoding="utf-8"?>
+<p:sld xmlns:a="http://schemas.openxmlformats.org/drawingml/2006/main" xmlns:r="http://schemas.openxmlformats.org/officeDocument/2006/relationships" xmlns:p="http://schemas.openxmlformats.org/presentationml/2006/main">
+  <p:cSld>
+    <p:spTree>
+      <p:nvGrpSpPr>
+        <p:cNvPr id="1" name=""/>
+        <p:cNvGrpSpPr/>
+        <p:nvPr/>
+      </p:nvGrpSpPr>
+      <p:grpSpPr>
+        <a:xfrm>
+          <a:off x="0" y="0"/>
+          <a:ext cx="0" cy="0"/>
+          <a:chOff x="0" y="0"/>
+          <a:chExt cx="0" cy="0"/>
+        </a:xfrm>
+      </p:grpSpPr>
+      <p:sp>
+        <p:nvSpPr>
+          <p:cNvPr id="2" name="內容版面配置區 1">
+            <a:extLst>
+              <a:ext uri="{FF2B5EF4-FFF2-40B4-BE49-F238E27FC236}">
+                <a16:creationId xmlns:a16="http://schemas.microsoft.com/office/drawing/2014/main" id="{7C64B5B7-6BCB-4F04-A41A-B799AD0FF5C3}"/>
+              </a:ext>
+            </a:extLst>
+          </p:cNvPr>
+          <p:cNvSpPr>
+            <a:spLocks noGrp="1"/>
+          </p:cNvSpPr>
+          <p:nvPr>
+            <p:ph sz="quarter" idx="12"/>
+          </p:nvPr>
+        </p:nvSpPr>
+        <p:spPr/>
+        <p:txBody>
+          <a:bodyPr/>
+          <a:lstStyle/>
+          <a:p>
+            <a:endParaRPr lang="zh-TW" altLang="en-US" dirty="0"/>
+          </a:p>
+        </p:txBody>
+      </p:sp>
+      <p:sp>
+        <p:nvSpPr>
+          <p:cNvPr id="3" name="標題 2">
+            <a:extLst>
+              <a:ext uri="{FF2B5EF4-FFF2-40B4-BE49-F238E27FC236}">
+                <a16:creationId xmlns:a16="http://schemas.microsoft.com/office/drawing/2014/main" id="{53D9C14C-BA6D-4BD0-B967-D19FA88E37A2}"/>
+              </a:ext>
+            </a:extLst>
+          </p:cNvPr>
+          <p:cNvSpPr>
+            <a:spLocks noGrp="1"/>
+          </p:cNvSpPr>
+          <p:nvPr>
+            <p:ph type="title"/>
+          </p:nvPr>
+        </p:nvSpPr>
+        <p:spPr/>
+        <p:txBody>
+          <a:bodyPr>
+            <a:normAutofit fontScale="90000"/>
+          </a:bodyPr>
+          <a:lstStyle/>
+          <a:p>
+            <a:r>
+              <a:rPr lang="en-US" altLang="zh-TW" dirty="0"/>
+              <a:t>Vue-</a:t>
+            </a:r>
+            <a:r>
+              <a:rPr lang="en-US" altLang="zh-TW" dirty="0" err="1"/>
+              <a:t>ruter</a:t>
+            </a:r>
+            <a:r>
+              <a:rPr lang="en-US" altLang="zh-TW" dirty="0"/>
+              <a:t>--</a:t>
+            </a:r>
+            <a:r>
+              <a:rPr lang="zh-TW" altLang="en-US" dirty="0"/>
+              <a:t>說明階段</a:t>
+            </a:r>
+          </a:p>
+        </p:txBody>
+      </p:sp>
+      <p:sp>
+        <p:nvSpPr>
+          <p:cNvPr id="4" name="文字版面配置區 3">
+            <a:extLst>
+              <a:ext uri="{FF2B5EF4-FFF2-40B4-BE49-F238E27FC236}">
+                <a16:creationId xmlns:a16="http://schemas.microsoft.com/office/drawing/2014/main" id="{845894A5-7AB0-4FAD-82BA-180A3807EC27}"/>
+              </a:ext>
+            </a:extLst>
+          </p:cNvPr>
+          <p:cNvSpPr>
+            <a:spLocks noGrp="1"/>
+          </p:cNvSpPr>
+          <p:nvPr>
+            <p:ph type="body" sz="quarter" idx="11"/>
+          </p:nvPr>
+        </p:nvSpPr>
+        <p:spPr/>
+        <p:txBody>
+          <a:bodyPr>
+            <a:normAutofit lnSpcReduction="10000"/>
+          </a:bodyPr>
+          <a:lstStyle/>
+          <a:p>
+            <a:endParaRPr lang="zh-TW" altLang="en-US"/>
+          </a:p>
+        </p:txBody>
+      </p:sp>
+    </p:spTree>
+    <p:extLst>
+      <p:ext uri="{BB962C8B-B14F-4D97-AF65-F5344CB8AC3E}">
+        <p14:creationId xmlns:p14="http://schemas.microsoft.com/office/powerpoint/2010/main" val="795896861"/>
+      </p:ext>
+    </p:extLst>
+  </p:cSld>
+  <p:clrMapOvr>
+    <a:masterClrMapping/>
+  </p:clrMapOvr>
+</p:sld>
+</file>
+
+<file path=ppt/slides/slide26.xml><?xml version="1.0" encoding="utf-8"?>
+<p:sld xmlns:a="http://schemas.openxmlformats.org/drawingml/2006/main" xmlns:r="http://schemas.openxmlformats.org/officeDocument/2006/relationships" xmlns:p="http://schemas.openxmlformats.org/presentationml/2006/main">
+  <p:cSld>
+    <p:spTree>
+      <p:nvGrpSpPr>
+        <p:cNvPr id="1" name=""/>
+        <p:cNvGrpSpPr/>
+        <p:nvPr/>
+      </p:nvGrpSpPr>
+      <p:grpSpPr>
+        <a:xfrm>
+          <a:off x="0" y="0"/>
+          <a:ext cx="0" cy="0"/>
+          <a:chOff x="0" y="0"/>
+          <a:chExt cx="0" cy="0"/>
+        </a:xfrm>
+      </p:grpSpPr>
+      <p:sp>
+        <p:nvSpPr>
+          <p:cNvPr id="2" name="內容版面配置區 1">
+            <a:extLst>
+              <a:ext uri="{FF2B5EF4-FFF2-40B4-BE49-F238E27FC236}">
+                <a16:creationId xmlns:a16="http://schemas.microsoft.com/office/drawing/2014/main" id="{7C64B5B7-6BCB-4F04-A41A-B799AD0FF5C3}"/>
+              </a:ext>
+            </a:extLst>
+          </p:cNvPr>
+          <p:cNvSpPr>
+            <a:spLocks noGrp="1"/>
+          </p:cNvSpPr>
+          <p:nvPr>
+            <p:ph sz="quarter" idx="12"/>
+          </p:nvPr>
+        </p:nvSpPr>
+        <p:spPr/>
+        <p:txBody>
+          <a:bodyPr/>
+          <a:lstStyle/>
+          <a:p>
+            <a:endParaRPr lang="zh-TW" altLang="en-US" dirty="0"/>
+          </a:p>
+        </p:txBody>
+      </p:sp>
+      <p:sp>
+        <p:nvSpPr>
+          <p:cNvPr id="3" name="標題 2">
+            <a:extLst>
+              <a:ext uri="{FF2B5EF4-FFF2-40B4-BE49-F238E27FC236}">
+                <a16:creationId xmlns:a16="http://schemas.microsoft.com/office/drawing/2014/main" id="{53D9C14C-BA6D-4BD0-B967-D19FA88E37A2}"/>
+              </a:ext>
+            </a:extLst>
+          </p:cNvPr>
+          <p:cNvSpPr>
+            <a:spLocks noGrp="1"/>
+          </p:cNvSpPr>
+          <p:nvPr>
+            <p:ph type="title"/>
+          </p:nvPr>
+        </p:nvSpPr>
+        <p:spPr/>
+        <p:txBody>
+          <a:bodyPr>
+            <a:normAutofit fontScale="90000"/>
+          </a:bodyPr>
+          <a:lstStyle/>
+          <a:p>
+            <a:r>
+              <a:rPr lang="en-US" altLang="zh-TW" dirty="0"/>
+              <a:t>Vue-</a:t>
+            </a:r>
+            <a:r>
+              <a:rPr lang="en-US" altLang="zh-TW" dirty="0" err="1"/>
+              <a:t>ruter</a:t>
+            </a:r>
+            <a:r>
+              <a:rPr lang="en-US" altLang="zh-TW" dirty="0"/>
+              <a:t>--</a:t>
+            </a:r>
+            <a:r>
+              <a:rPr lang="zh-TW" altLang="en-US" dirty="0"/>
+              <a:t>說明階段</a:t>
+            </a:r>
+          </a:p>
+        </p:txBody>
+      </p:sp>
+      <p:sp>
+        <p:nvSpPr>
+          <p:cNvPr id="4" name="文字版面配置區 3">
+            <a:extLst>
+              <a:ext uri="{FF2B5EF4-FFF2-40B4-BE49-F238E27FC236}">
+                <a16:creationId xmlns:a16="http://schemas.microsoft.com/office/drawing/2014/main" id="{845894A5-7AB0-4FAD-82BA-180A3807EC27}"/>
+              </a:ext>
+            </a:extLst>
+          </p:cNvPr>
+          <p:cNvSpPr>
+            <a:spLocks noGrp="1"/>
+          </p:cNvSpPr>
+          <p:nvPr>
+            <p:ph type="body" sz="quarter" idx="11"/>
+          </p:nvPr>
+        </p:nvSpPr>
+        <p:spPr/>
+        <p:txBody>
+          <a:bodyPr>
+            <a:normAutofit lnSpcReduction="10000"/>
+          </a:bodyPr>
+          <a:lstStyle/>
+          <a:p>
+            <a:endParaRPr lang="zh-TW" altLang="en-US"/>
+          </a:p>
+        </p:txBody>
+      </p:sp>
+    </p:spTree>
+    <p:extLst>
+      <p:ext uri="{BB962C8B-B14F-4D97-AF65-F5344CB8AC3E}">
+        <p14:creationId xmlns:p14="http://schemas.microsoft.com/office/powerpoint/2010/main" val="4051577640"/>
+      </p:ext>
+    </p:extLst>
+  </p:cSld>
+  <p:clrMapOvr>
+    <a:masterClrMapping/>
+  </p:clrMapOvr>
+</p:sld>
+</file>
+
+<file path=ppt/slides/slide27.xml><?xml version="1.0" encoding="utf-8"?>
+<p:sld xmlns:a="http://schemas.openxmlformats.org/drawingml/2006/main" xmlns:r="http://schemas.openxmlformats.org/officeDocument/2006/relationships" xmlns:p="http://schemas.openxmlformats.org/presentationml/2006/main">
+  <p:cSld>
+    <p:spTree>
+      <p:nvGrpSpPr>
+        <p:cNvPr id="1" name=""/>
+        <p:cNvGrpSpPr/>
+        <p:nvPr/>
+      </p:nvGrpSpPr>
+      <p:grpSpPr>
+        <a:xfrm>
+          <a:off x="0" y="0"/>
+          <a:ext cx="0" cy="0"/>
+          <a:chOff x="0" y="0"/>
+          <a:chExt cx="0" cy="0"/>
+        </a:xfrm>
+      </p:grpSpPr>
+      <p:sp>
+        <p:nvSpPr>
+          <p:cNvPr id="2" name="內容版面配置區 1">
+            <a:extLst>
+              <a:ext uri="{FF2B5EF4-FFF2-40B4-BE49-F238E27FC236}">
+                <a16:creationId xmlns:a16="http://schemas.microsoft.com/office/drawing/2014/main" id="{7C64B5B7-6BCB-4F04-A41A-B799AD0FF5C3}"/>
+              </a:ext>
+            </a:extLst>
+          </p:cNvPr>
+          <p:cNvSpPr>
+            <a:spLocks noGrp="1"/>
+          </p:cNvSpPr>
+          <p:nvPr>
+            <p:ph sz="quarter" idx="12"/>
+          </p:nvPr>
+        </p:nvSpPr>
+        <p:spPr/>
+        <p:txBody>
+          <a:bodyPr/>
+          <a:lstStyle/>
+          <a:p>
+            <a:endParaRPr lang="zh-TW" altLang="en-US" dirty="0"/>
+          </a:p>
+        </p:txBody>
+      </p:sp>
+      <p:sp>
+        <p:nvSpPr>
+          <p:cNvPr id="3" name="標題 2">
+            <a:extLst>
+              <a:ext uri="{FF2B5EF4-FFF2-40B4-BE49-F238E27FC236}">
+                <a16:creationId xmlns:a16="http://schemas.microsoft.com/office/drawing/2014/main" id="{53D9C14C-BA6D-4BD0-B967-D19FA88E37A2}"/>
+              </a:ext>
+            </a:extLst>
+          </p:cNvPr>
+          <p:cNvSpPr>
+            <a:spLocks noGrp="1"/>
+          </p:cNvSpPr>
+          <p:nvPr>
+            <p:ph type="title"/>
+          </p:nvPr>
+        </p:nvSpPr>
+        <p:spPr/>
+        <p:txBody>
+          <a:bodyPr>
+            <a:normAutofit fontScale="90000"/>
+          </a:bodyPr>
+          <a:lstStyle/>
+          <a:p>
+            <a:r>
+              <a:rPr lang="en-US" altLang="zh-TW" dirty="0"/>
+              <a:t>Vue-</a:t>
+            </a:r>
+            <a:r>
+              <a:rPr lang="en-US" altLang="zh-TW" dirty="0" err="1"/>
+              <a:t>ruter</a:t>
+            </a:r>
+            <a:r>
+              <a:rPr lang="en-US" altLang="zh-TW" dirty="0"/>
+              <a:t>--</a:t>
+            </a:r>
+            <a:r>
+              <a:rPr lang="zh-TW" altLang="en-US" dirty="0"/>
+              <a:t>說明階段</a:t>
+            </a:r>
+          </a:p>
+        </p:txBody>
+      </p:sp>
+      <p:sp>
+        <p:nvSpPr>
+          <p:cNvPr id="4" name="文字版面配置區 3">
+            <a:extLst>
+              <a:ext uri="{FF2B5EF4-FFF2-40B4-BE49-F238E27FC236}">
+                <a16:creationId xmlns:a16="http://schemas.microsoft.com/office/drawing/2014/main" id="{845894A5-7AB0-4FAD-82BA-180A3807EC27}"/>
+              </a:ext>
+            </a:extLst>
+          </p:cNvPr>
+          <p:cNvSpPr>
+            <a:spLocks noGrp="1"/>
+          </p:cNvSpPr>
+          <p:nvPr>
+            <p:ph type="body" sz="quarter" idx="11"/>
+          </p:nvPr>
+        </p:nvSpPr>
+        <p:spPr/>
+        <p:txBody>
+          <a:bodyPr>
+            <a:normAutofit lnSpcReduction="10000"/>
+          </a:bodyPr>
+          <a:lstStyle/>
+          <a:p>
+            <a:endParaRPr lang="zh-TW" altLang="en-US"/>
+          </a:p>
+        </p:txBody>
+      </p:sp>
+    </p:spTree>
+    <p:extLst>
+      <p:ext uri="{BB962C8B-B14F-4D97-AF65-F5344CB8AC3E}">
+        <p14:creationId xmlns:p14="http://schemas.microsoft.com/office/powerpoint/2010/main" val="2736834146"/>
+      </p:ext>
+    </p:extLst>
+  </p:cSld>
+  <p:clrMapOvr>
+    <a:masterClrMapping/>
+  </p:clrMapOvr>
+</p:sld>
+</file>
+
+<file path=ppt/slides/slide3.xml><?xml version="1.0" encoding="utf-8"?>
+<p:sld xmlns:a="http://schemas.openxmlformats.org/drawingml/2006/main" xmlns:r="http://schemas.openxmlformats.org/officeDocument/2006/relationships" xmlns:p="http://schemas.openxmlformats.org/presentationml/2006/main">
+  <p:cSld>
+    <p:spTree>
+      <p:nvGrpSpPr>
+        <p:cNvPr id="1" name=""/>
+        <p:cNvGrpSpPr/>
+        <p:nvPr/>
+      </p:nvGrpSpPr>
+      <p:grpSpPr>
+        <a:xfrm>
+          <a:off x="0" y="0"/>
+          <a:ext cx="0" cy="0"/>
+          <a:chOff x="0" y="0"/>
+          <a:chExt cx="0" cy="0"/>
+        </a:xfrm>
+      </p:grpSpPr>
+      <p:sp>
+        <p:nvSpPr>
+          <p:cNvPr id="2" name="內容版面配置區 1">
+            <a:extLst>
+              <a:ext uri="{FF2B5EF4-FFF2-40B4-BE49-F238E27FC236}">
+                <a16:creationId xmlns:a16="http://schemas.microsoft.com/office/drawing/2014/main" id="{0A8B8977-2505-45DB-B0EE-C9DAE66ECB37}"/>
+              </a:ext>
+            </a:extLst>
+          </p:cNvPr>
+          <p:cNvSpPr>
+            <a:spLocks noGrp="1"/>
+          </p:cNvSpPr>
+          <p:nvPr>
+            <p:ph sz="quarter" idx="12"/>
+          </p:nvPr>
+        </p:nvSpPr>
+        <p:spPr/>
+        <p:txBody>
+          <a:bodyPr/>
+          <a:lstStyle/>
+          <a:p>
+            <a:r>
+              <a:rPr lang="zh-TW" altLang="en-US" sz="1800" dirty="0">
+                <a:latin typeface="Times New Roman" panose="02020603050405020304" pitchFamily="18" charset="0"/>
+                <a:ea typeface="標楷體" panose="03000509000000000000" pitchFamily="65" charset="-120"/>
+                <a:cs typeface="王漢宗顏楷體"/>
+                <a:sym typeface="王漢宗顏楷體"/>
+              </a:rPr>
+              <a:t>安裝：</a:t>
+            </a:r>
+            <a:r>
+              <a:rPr lang="en-US" altLang="zh-TW" sz="1800" dirty="0" err="1">
+                <a:latin typeface="Times New Roman" panose="02020603050405020304" pitchFamily="18" charset="0"/>
+                <a:ea typeface="標楷體" panose="03000509000000000000" pitchFamily="65" charset="-120"/>
+                <a:cs typeface="王漢宗顏楷體"/>
+                <a:sym typeface="王漢宗顏楷體"/>
+              </a:rPr>
+              <a:t>npm</a:t>
+            </a:r>
+            <a:r>
+              <a:rPr lang="en-US" altLang="zh-TW" sz="1800" dirty="0">
+                <a:latin typeface="Times New Roman" panose="02020603050405020304" pitchFamily="18" charset="0"/>
+                <a:ea typeface="標楷體" panose="03000509000000000000" pitchFamily="65" charset="-120"/>
+                <a:cs typeface="王漢宗顏楷體"/>
+                <a:sym typeface="王漢宗顏楷體"/>
+              </a:rPr>
+              <a:t> install vue-router@4</a:t>
+            </a:r>
+          </a:p>
+          <a:p>
+            <a:r>
+              <a:rPr lang="zh-TW" altLang="en-US" sz="1800" dirty="0">
+                <a:latin typeface="Times New Roman" panose="02020603050405020304" pitchFamily="18" charset="0"/>
+                <a:ea typeface="標楷體" panose="03000509000000000000" pitchFamily="65" charset="-120"/>
+                <a:cs typeface="王漢宗顏楷體"/>
+                <a:sym typeface="王漢宗顏楷體"/>
+              </a:rPr>
+              <a:t>兩種歷史模式：</a:t>
+            </a:r>
+            <a:endParaRPr lang="en-US" altLang="zh-TW" sz="1800" dirty="0">
+              <a:latin typeface="Times New Roman" panose="02020603050405020304" pitchFamily="18" charset="0"/>
+              <a:ea typeface="標楷體" panose="03000509000000000000" pitchFamily="65" charset="-120"/>
+              <a:cs typeface="王漢宗顏楷體"/>
+              <a:sym typeface="王漢宗顏楷體"/>
+            </a:endParaRPr>
+          </a:p>
+          <a:p>
+            <a:pPr lvl="1"/>
+            <a:r>
+              <a:rPr lang="zh-TW" altLang="en-US" dirty="0"/>
+              <a:t>呼叫 </a:t>
+            </a:r>
+            <a:r>
+              <a:rPr lang="en-US" altLang="zh-TW" dirty="0" err="1"/>
+              <a:t>createRouter</a:t>
+            </a:r>
+            <a:r>
+              <a:rPr lang="en-US" altLang="zh-TW" dirty="0"/>
+              <a:t> </a:t>
+            </a:r>
+            <a:r>
+              <a:rPr lang="zh-TW" altLang="en-US" dirty="0"/>
+              <a:t>建立 </a:t>
+            </a:r>
+            <a:r>
+              <a:rPr lang="en-US" altLang="zh-TW" dirty="0"/>
+              <a:t>router </a:t>
+            </a:r>
+            <a:r>
+              <a:rPr lang="zh-TW" altLang="en-US" dirty="0"/>
+              <a:t>的時候，需要在 </a:t>
+            </a:r>
+            <a:r>
+              <a:rPr lang="en-US" altLang="zh-TW" dirty="0"/>
+              <a:t>history </a:t>
+            </a:r>
+            <a:r>
+              <a:rPr lang="zh-TW" altLang="en-US" dirty="0"/>
+              <a:t>屬性指定歷史模式。</a:t>
+            </a:r>
+          </a:p>
+          <a:p>
+            <a:pPr lvl="1"/>
+            <a:r>
+              <a:rPr lang="zh-TW" altLang="en-US" dirty="0"/>
+              <a:t>目前 </a:t>
+            </a:r>
+            <a:r>
+              <a:rPr lang="en-US" altLang="zh-TW" dirty="0"/>
+              <a:t>Vue Router 4 </a:t>
+            </a:r>
+            <a:r>
+              <a:rPr lang="zh-TW" altLang="en-US" dirty="0"/>
+              <a:t>上提供的歷史模式有兩種：</a:t>
+            </a:r>
+            <a:r>
+              <a:rPr lang="en-US" altLang="zh-TW" dirty="0"/>
+              <a:t>Hash </a:t>
+            </a:r>
+            <a:r>
+              <a:rPr lang="zh-TW" altLang="en-US" dirty="0"/>
+              <a:t>模式和 </a:t>
+            </a:r>
+            <a:r>
+              <a:rPr lang="en-US" altLang="zh-TW" dirty="0"/>
+              <a:t>HTML5 </a:t>
+            </a:r>
+            <a:r>
+              <a:rPr lang="zh-TW" altLang="en-US" dirty="0"/>
+              <a:t>模式。</a:t>
+            </a:r>
+            <a:endParaRPr lang="en-US" altLang="zh-TW" dirty="0"/>
+          </a:p>
+          <a:p>
+            <a:r>
+              <a:rPr lang="en-US" altLang="zh-TW" dirty="0"/>
+              <a:t>Hash </a:t>
+            </a:r>
+            <a:r>
+              <a:rPr lang="zh-TW" altLang="en-US" dirty="0"/>
+              <a:t>模式</a:t>
+            </a:r>
+            <a:endParaRPr lang="en-US" altLang="zh-TW" dirty="0"/>
+          </a:p>
+          <a:p>
+            <a:pPr lvl="1"/>
+            <a:r>
+              <a:rPr lang="zh-TW" altLang="en-US" dirty="0"/>
+              <a:t>路由中會有 </a:t>
+            </a:r>
+            <a:r>
+              <a:rPr lang="en-US" altLang="zh-TW" dirty="0"/>
+              <a:t>`#` </a:t>
+            </a:r>
+            <a:r>
+              <a:rPr lang="zh-TW" altLang="en-US" dirty="0"/>
+              <a:t>符號，參數或 </a:t>
+            </a:r>
+            <a:r>
+              <a:rPr lang="en-US" altLang="zh-TW" dirty="0"/>
+              <a:t>Query </a:t>
+            </a:r>
+            <a:r>
+              <a:rPr lang="zh-TW" altLang="en-US" dirty="0"/>
+              <a:t>都會放在 </a:t>
+            </a:r>
+            <a:r>
+              <a:rPr lang="en-US" altLang="zh-TW" dirty="0"/>
+              <a:t>`#` </a:t>
+            </a:r>
+            <a:r>
+              <a:rPr lang="zh-TW" altLang="en-US" dirty="0"/>
+              <a:t>後。對 </a:t>
+            </a:r>
+            <a:r>
+              <a:rPr lang="en-US" altLang="zh-TW" dirty="0"/>
+              <a:t>SEO </a:t>
+            </a:r>
+            <a:r>
+              <a:rPr lang="zh-TW" altLang="en-US" dirty="0"/>
+              <a:t>不友好，影響搜尋引擎排名。</a:t>
+            </a:r>
+          </a:p>
+          <a:p>
+            <a:pPr lvl="1"/>
+            <a:r>
+              <a:rPr lang="zh-TW" altLang="en-US" dirty="0"/>
+              <a:t>避免刷新時出現 </a:t>
+            </a:r>
+            <a:r>
+              <a:rPr lang="en-US" altLang="zh-TW" dirty="0"/>
+              <a:t>`404 Not Found` </a:t>
+            </a:r>
+            <a:r>
+              <a:rPr lang="zh-TW" altLang="en-US" dirty="0"/>
+              <a:t>錯誤。</a:t>
+            </a:r>
+          </a:p>
+          <a:p>
+            <a:pPr lvl="1"/>
+            <a:r>
+              <a:rPr lang="zh-TW" altLang="en-US" dirty="0"/>
+              <a:t>符合 </a:t>
+            </a:r>
+            <a:r>
+              <a:rPr lang="en-US" altLang="zh-TW" dirty="0"/>
+              <a:t>SPA </a:t>
+            </a:r>
+            <a:r>
+              <a:rPr lang="zh-TW" altLang="en-US" dirty="0"/>
+              <a:t>的需求，只有一份 </a:t>
+            </a:r>
+            <a:r>
+              <a:rPr lang="en-US" altLang="zh-TW" dirty="0"/>
+              <a:t>`index.html` </a:t>
+            </a:r>
+            <a:r>
+              <a:rPr lang="zh-TW" altLang="en-US" dirty="0"/>
+              <a:t>作為入口。</a:t>
+            </a:r>
+          </a:p>
+          <a:p>
+            <a:pPr lvl="1"/>
+            <a:endParaRPr lang="zh-TW" altLang="en-US" dirty="0"/>
+          </a:p>
+        </p:txBody>
+      </p:sp>
+      <p:sp>
+        <p:nvSpPr>
+          <p:cNvPr id="3" name="標題 2">
+            <a:extLst>
+              <a:ext uri="{FF2B5EF4-FFF2-40B4-BE49-F238E27FC236}">
+                <a16:creationId xmlns:a16="http://schemas.microsoft.com/office/drawing/2014/main" id="{C204A655-9D52-4BD8-869C-A15927FD92C2}"/>
+              </a:ext>
+            </a:extLst>
+          </p:cNvPr>
+          <p:cNvSpPr>
+            <a:spLocks noGrp="1"/>
+          </p:cNvSpPr>
+          <p:nvPr>
+            <p:ph type="title"/>
+          </p:nvPr>
+        </p:nvSpPr>
+        <p:spPr/>
+        <p:txBody>
+          <a:bodyPr>
+            <a:normAutofit fontScale="90000"/>
+          </a:bodyPr>
+          <a:lstStyle/>
+          <a:p>
+            <a:r>
+              <a:rPr lang="en-US" altLang="zh-TW" dirty="0"/>
+              <a:t>Vue-</a:t>
+            </a:r>
+            <a:r>
+              <a:rPr lang="en-US" altLang="zh-TW" dirty="0" err="1"/>
+              <a:t>ruter</a:t>
+            </a:r>
+            <a:endParaRPr lang="zh-TW" altLang="en-US" dirty="0"/>
+          </a:p>
+        </p:txBody>
+      </p:sp>
+      <p:sp>
+        <p:nvSpPr>
+          <p:cNvPr id="4" name="文字版面配置區 3">
+            <a:extLst>
+              <a:ext uri="{FF2B5EF4-FFF2-40B4-BE49-F238E27FC236}">
+                <a16:creationId xmlns:a16="http://schemas.microsoft.com/office/drawing/2014/main" id="{1C424DE1-1D77-499D-9B0E-19E88042E069}"/>
+              </a:ext>
+            </a:extLst>
+          </p:cNvPr>
+          <p:cNvSpPr>
+            <a:spLocks noGrp="1"/>
+          </p:cNvSpPr>
+          <p:nvPr>
+            <p:ph type="body" sz="quarter" idx="11"/>
+          </p:nvPr>
+        </p:nvSpPr>
+        <p:spPr/>
+        <p:txBody>
+          <a:bodyPr>
+            <a:normAutofit lnSpcReduction="10000"/>
+          </a:bodyPr>
+          <a:lstStyle/>
+          <a:p>
+            <a:endParaRPr lang="zh-TW" altLang="en-US"/>
+          </a:p>
+        </p:txBody>
+      </p:sp>
+      <p:pic>
+        <p:nvPicPr>
+          <p:cNvPr id="6" name="Picture 2">
+            <a:extLst>
+              <a:ext uri="{FF2B5EF4-FFF2-40B4-BE49-F238E27FC236}">
+                <a16:creationId xmlns:a16="http://schemas.microsoft.com/office/drawing/2014/main" id="{FD8FF9A5-E828-4040-A7E9-CF292E9B561C}"/>
+              </a:ext>
+            </a:extLst>
+          </p:cNvPr>
+          <p:cNvPicPr>
+            <a:picLocks noChangeAspect="1" noChangeArrowheads="1"/>
+          </p:cNvPicPr>
+          <p:nvPr/>
+        </p:nvPicPr>
+        <p:blipFill>
+          <a:blip r:embed="rId2">
+            <a:extLst>
+              <a:ext uri="{28A0092B-C50C-407E-A947-70E740481C1C}">
+                <a14:useLocalDpi xmlns:a14="http://schemas.microsoft.com/office/drawing/2010/main" val="0"/>
+              </a:ext>
+            </a:extLst>
+          </a:blip>
+          <a:srcRect/>
+          <a:stretch>
+            <a:fillRect/>
+          </a:stretch>
+        </p:blipFill>
+        <p:spPr bwMode="auto">
+          <a:xfrm>
+            <a:off x="413657" y="3931809"/>
+            <a:ext cx="8686800" cy="2753551"/>
+          </a:xfrm>
+          <a:prstGeom prst="rect">
+            <a:avLst/>
+          </a:prstGeom>
+          <a:noFill/>
+          <a:effectLst>
+            <a:outerShdw blurRad="50800" dist="38100" dir="2700000" algn="tl" rotWithShape="0">
+              <a:prstClr val="black">
+                <a:alpha val="40000"/>
+              </a:prstClr>
+            </a:outerShdw>
+          </a:effectLst>
+          <a:extLst>
+            <a:ext uri="{909E8E84-426E-40DD-AFC4-6F175D3DCCD1}">
+              <a14:hiddenFill xmlns:a14="http://schemas.microsoft.com/office/drawing/2010/main">
+                <a:solidFill>
+                  <a:srgbClr val="FFFFFF"/>
+                </a:solidFill>
+              </a14:hiddenFill>
+            </a:ext>
+          </a:extLst>
+        </p:spPr>
+      </p:pic>
+    </p:spTree>
+    <p:extLst>
+      <p:ext uri="{BB962C8B-B14F-4D97-AF65-F5344CB8AC3E}">
+        <p14:creationId xmlns:p14="http://schemas.microsoft.com/office/powerpoint/2010/main" val="1386978267"/>
+      </p:ext>
+    </p:extLst>
+  </p:cSld>
+  <p:clrMapOvr>
+    <a:masterClrMapping/>
+  </p:clrMapOvr>
+</p:sld>
+</file>
+
+<file path=ppt/slides/slide4.xml><?xml version="1.0" encoding="utf-8"?>
+<p:sld xmlns:a="http://schemas.openxmlformats.org/drawingml/2006/main" xmlns:r="http://schemas.openxmlformats.org/officeDocument/2006/relationships" xmlns:p="http://schemas.openxmlformats.org/presentationml/2006/main">
+  <p:cSld>
+    <p:spTree>
+      <p:nvGrpSpPr>
+        <p:cNvPr id="1" name=""/>
+        <p:cNvGrpSpPr/>
+        <p:nvPr/>
+      </p:nvGrpSpPr>
+      <p:grpSpPr>
+        <a:xfrm>
+          <a:off x="0" y="0"/>
+          <a:ext cx="0" cy="0"/>
+          <a:chOff x="0" y="0"/>
+          <a:chExt cx="0" cy="0"/>
+        </a:xfrm>
+      </p:grpSpPr>
+      <p:sp>
+        <p:nvSpPr>
+          <p:cNvPr id="2" name="內容版面配置區 1">
+            <a:extLst>
+              <a:ext uri="{FF2B5EF4-FFF2-40B4-BE49-F238E27FC236}">
+                <a16:creationId xmlns:a16="http://schemas.microsoft.com/office/drawing/2014/main" id="{0A8B8977-2505-45DB-B0EE-C9DAE66ECB37}"/>
+              </a:ext>
+            </a:extLst>
+          </p:cNvPr>
+          <p:cNvSpPr>
+            <a:spLocks noGrp="1"/>
+          </p:cNvSpPr>
+          <p:nvPr>
+            <p:ph sz="quarter" idx="12"/>
+          </p:nvPr>
+        </p:nvSpPr>
+        <p:spPr/>
+        <p:txBody>
+          <a:bodyPr/>
+          <a:lstStyle/>
+          <a:p>
+            <a:r>
+              <a:rPr lang="en-US" altLang="zh-TW" sz="1800" dirty="0">
+                <a:latin typeface="Times New Roman" panose="02020603050405020304" pitchFamily="18" charset="0"/>
+                <a:ea typeface="標楷體" panose="03000509000000000000" pitchFamily="65" charset="-120"/>
+                <a:cs typeface="王漢宗顏楷體"/>
+                <a:sym typeface="王漢宗顏楷體"/>
+              </a:rPr>
+              <a:t>HTML5 </a:t>
+            </a:r>
+            <a:r>
+              <a:rPr lang="zh-TW" altLang="en-US" sz="1800" dirty="0">
+                <a:latin typeface="Times New Roman" panose="02020603050405020304" pitchFamily="18" charset="0"/>
+                <a:ea typeface="標楷體" panose="03000509000000000000" pitchFamily="65" charset="-120"/>
+                <a:cs typeface="王漢宗顏楷體"/>
+                <a:sym typeface="王漢宗顏楷體"/>
+              </a:rPr>
+              <a:t>模式 </a:t>
+            </a:r>
+            <a:r>
+              <a:rPr lang="en-US" altLang="zh-TW" sz="1800" dirty="0">
+                <a:latin typeface="Times New Roman" panose="02020603050405020304" pitchFamily="18" charset="0"/>
+                <a:ea typeface="標楷體" panose="03000509000000000000" pitchFamily="65" charset="-120"/>
+                <a:cs typeface="王漢宗顏楷體"/>
+                <a:sym typeface="王漢宗顏楷體"/>
+              </a:rPr>
+              <a:t>/ History </a:t>
+            </a:r>
+            <a:r>
+              <a:rPr lang="zh-TW" altLang="en-US" sz="1800" dirty="0">
+                <a:latin typeface="Times New Roman" panose="02020603050405020304" pitchFamily="18" charset="0"/>
+                <a:ea typeface="標楷體" panose="03000509000000000000" pitchFamily="65" charset="-120"/>
+                <a:cs typeface="王漢宗顏楷體"/>
+                <a:sym typeface="王漢宗顏楷體"/>
+              </a:rPr>
+              <a:t>模式</a:t>
+            </a:r>
+            <a:r>
+              <a:rPr lang="en-US" altLang="zh-TW" sz="1800" dirty="0">
+                <a:latin typeface="Times New Roman" panose="02020603050405020304" pitchFamily="18" charset="0"/>
+                <a:ea typeface="標楷體" panose="03000509000000000000" pitchFamily="65" charset="-120"/>
+                <a:cs typeface="王漢宗顏楷體"/>
+                <a:sym typeface="王漢宗顏楷體"/>
+              </a:rPr>
+              <a:t>(</a:t>
+            </a:r>
+            <a:r>
+              <a:rPr lang="zh-TW" altLang="en-US" sz="1800" dirty="0">
+                <a:latin typeface="Times New Roman" panose="02020603050405020304" pitchFamily="18" charset="0"/>
+                <a:ea typeface="標楷體" panose="03000509000000000000" pitchFamily="65" charset="-120"/>
+                <a:cs typeface="王漢宗顏楷體"/>
+                <a:sym typeface="王漢宗顏楷體"/>
+              </a:rPr>
+              <a:t>目前使用方式</a:t>
+            </a:r>
+            <a:r>
+              <a:rPr lang="en-US" altLang="zh-TW" sz="1800" dirty="0">
+                <a:latin typeface="Times New Roman" panose="02020603050405020304" pitchFamily="18" charset="0"/>
+                <a:ea typeface="標楷體" panose="03000509000000000000" pitchFamily="65" charset="-120"/>
+                <a:cs typeface="王漢宗顏楷體"/>
+                <a:sym typeface="王漢宗顏楷體"/>
+              </a:rPr>
+              <a:t>)</a:t>
+            </a:r>
+          </a:p>
+          <a:p>
+            <a:pPr lvl="1"/>
+            <a:r>
+              <a:rPr lang="zh-TW" altLang="en-US" dirty="0"/>
+              <a:t>基於 </a:t>
+            </a:r>
+            <a:r>
+              <a:rPr lang="en-US" altLang="zh-TW" dirty="0"/>
+              <a:t>HTML5 </a:t>
+            </a:r>
+            <a:r>
+              <a:rPr lang="zh-TW" altLang="en-US" dirty="0"/>
+              <a:t>的 </a:t>
+            </a:r>
+            <a:r>
+              <a:rPr lang="en-US" altLang="zh-TW" dirty="0"/>
+              <a:t>History API</a:t>
+            </a:r>
+            <a:r>
+              <a:rPr lang="zh-TW" altLang="en-US" dirty="0"/>
+              <a:t>，操作瀏覽器的 </a:t>
+            </a:r>
+            <a:r>
+              <a:rPr lang="en-US" altLang="zh-TW" dirty="0"/>
+              <a:t>`history` </a:t>
+            </a:r>
+            <a:r>
+              <a:rPr lang="zh-TW" altLang="en-US" dirty="0"/>
+              <a:t>物件（新增、修改、切換瀏覽記錄）。</a:t>
+            </a:r>
+          </a:p>
+          <a:p>
+            <a:pPr lvl="1"/>
+            <a:r>
+              <a:rPr lang="zh-TW" altLang="en-US" dirty="0"/>
+              <a:t>可以在不向後端發送請求的情況下改變頁面的 </a:t>
+            </a:r>
+            <a:r>
+              <a:rPr lang="en-US" altLang="zh-TW" dirty="0"/>
+              <a:t>URL</a:t>
+            </a:r>
+            <a:r>
+              <a:rPr lang="zh-TW" altLang="en-US" dirty="0"/>
+              <a:t>。</a:t>
+            </a:r>
+          </a:p>
+          <a:p>
+            <a:pPr lvl="1"/>
+            <a:r>
+              <a:rPr lang="en-US" altLang="zh-TW" dirty="0"/>
+              <a:t>URL </a:t>
+            </a:r>
+            <a:r>
+              <a:rPr lang="zh-TW" altLang="en-US" dirty="0"/>
+              <a:t>更加「順眼」，結構符合傳統網站。</a:t>
+            </a:r>
+          </a:p>
+          <a:p>
+            <a:pPr lvl="1"/>
+            <a:r>
+              <a:rPr lang="zh-TW" altLang="en-US" dirty="0"/>
+              <a:t>不會出現多餘的 </a:t>
+            </a:r>
+            <a:r>
+              <a:rPr lang="en-US" altLang="zh-TW" dirty="0"/>
+              <a:t>`#` </a:t>
+            </a:r>
+            <a:r>
+              <a:rPr lang="zh-TW" altLang="en-US" dirty="0"/>
+              <a:t>符號，</a:t>
+            </a:r>
+            <a:r>
+              <a:rPr lang="en-US" altLang="zh-TW" dirty="0"/>
+              <a:t>SEO</a:t>
+            </a:r>
+            <a:r>
+              <a:rPr lang="zh-TW" altLang="en-US" dirty="0"/>
+              <a:t>友好。</a:t>
+            </a:r>
+          </a:p>
+          <a:p>
+            <a:pPr lvl="1"/>
+            <a:r>
+              <a:rPr lang="zh-TW" altLang="en-US" dirty="0"/>
+              <a:t>需要伺服器配置支援，避免刷新時出現 </a:t>
+            </a:r>
+            <a:r>
+              <a:rPr lang="en-US" altLang="zh-TW" dirty="0"/>
+              <a:t>`404 Not Found`</a:t>
+            </a:r>
+            <a:r>
+              <a:rPr lang="zh-TW" altLang="en-US" dirty="0"/>
+              <a:t>。</a:t>
+            </a:r>
+          </a:p>
+          <a:p>
+            <a:pPr lvl="1"/>
+            <a:r>
+              <a:rPr lang="zh-TW" altLang="en-US" dirty="0"/>
+              <a:t>必須確保伺服器將所有路由指向 </a:t>
+            </a:r>
+            <a:r>
+              <a:rPr lang="en-US" altLang="zh-TW" dirty="0"/>
+              <a:t>`index.html`</a:t>
+            </a:r>
+            <a:r>
+              <a:rPr lang="zh-TW" altLang="en-US" dirty="0"/>
+              <a:t>。</a:t>
+            </a:r>
+          </a:p>
+          <a:p>
+            <a:endParaRPr lang="zh-TW" altLang="en-US" dirty="0"/>
+          </a:p>
+        </p:txBody>
+      </p:sp>
+      <p:sp>
+        <p:nvSpPr>
+          <p:cNvPr id="3" name="標題 2">
+            <a:extLst>
+              <a:ext uri="{FF2B5EF4-FFF2-40B4-BE49-F238E27FC236}">
+                <a16:creationId xmlns:a16="http://schemas.microsoft.com/office/drawing/2014/main" id="{C204A655-9D52-4BD8-869C-A15927FD92C2}"/>
+              </a:ext>
+            </a:extLst>
+          </p:cNvPr>
+          <p:cNvSpPr>
+            <a:spLocks noGrp="1"/>
+          </p:cNvSpPr>
+          <p:nvPr>
+            <p:ph type="title"/>
+          </p:nvPr>
+        </p:nvSpPr>
+        <p:spPr/>
+        <p:txBody>
+          <a:bodyPr>
+            <a:normAutofit fontScale="90000"/>
+          </a:bodyPr>
+          <a:lstStyle/>
+          <a:p>
+            <a:r>
+              <a:rPr lang="en-US" altLang="zh-TW" dirty="0"/>
+              <a:t>Vue-</a:t>
+            </a:r>
+            <a:r>
+              <a:rPr lang="en-US" altLang="zh-TW" dirty="0" err="1"/>
+              <a:t>ruter</a:t>
+            </a:r>
+            <a:endParaRPr lang="zh-TW" altLang="en-US" dirty="0"/>
+          </a:p>
+        </p:txBody>
+      </p:sp>
+      <p:sp>
+        <p:nvSpPr>
+          <p:cNvPr id="4" name="文字版面配置區 3">
+            <a:extLst>
+              <a:ext uri="{FF2B5EF4-FFF2-40B4-BE49-F238E27FC236}">
+                <a16:creationId xmlns:a16="http://schemas.microsoft.com/office/drawing/2014/main" id="{1C424DE1-1D77-499D-9B0E-19E88042E069}"/>
+              </a:ext>
+            </a:extLst>
+          </p:cNvPr>
+          <p:cNvSpPr>
+            <a:spLocks noGrp="1"/>
+          </p:cNvSpPr>
+          <p:nvPr>
+            <p:ph type="body" sz="quarter" idx="11"/>
+          </p:nvPr>
+        </p:nvSpPr>
+        <p:spPr/>
+        <p:txBody>
+          <a:bodyPr>
+            <a:normAutofit lnSpcReduction="10000"/>
+          </a:bodyPr>
+          <a:lstStyle/>
+          <a:p>
+            <a:endParaRPr lang="zh-TW" altLang="en-US"/>
+          </a:p>
+        </p:txBody>
+      </p:sp>
+      <p:pic>
+        <p:nvPicPr>
+          <p:cNvPr id="6" name="Picture 4">
+            <a:extLst>
+              <a:ext uri="{FF2B5EF4-FFF2-40B4-BE49-F238E27FC236}">
+                <a16:creationId xmlns:a16="http://schemas.microsoft.com/office/drawing/2014/main" id="{BDDA0C61-D846-4F1A-BC24-2FE9CAB01141}"/>
+              </a:ext>
+            </a:extLst>
+          </p:cNvPr>
+          <p:cNvPicPr>
+            <a:picLocks noChangeAspect="1" noChangeArrowheads="1"/>
+          </p:cNvPicPr>
+          <p:nvPr/>
+        </p:nvPicPr>
+        <p:blipFill>
+          <a:blip r:embed="rId2">
+            <a:extLst>
+              <a:ext uri="{28A0092B-C50C-407E-A947-70E740481C1C}">
+                <a14:useLocalDpi xmlns:a14="http://schemas.microsoft.com/office/drawing/2010/main" val="0"/>
+              </a:ext>
+            </a:extLst>
+          </a:blip>
+          <a:srcRect/>
+          <a:stretch>
+            <a:fillRect/>
+          </a:stretch>
+        </p:blipFill>
+        <p:spPr bwMode="auto">
+          <a:xfrm>
+            <a:off x="227239" y="3492745"/>
+            <a:ext cx="7284245" cy="2519363"/>
+          </a:xfrm>
+          <a:prstGeom prst="rect">
+            <a:avLst/>
+          </a:prstGeom>
+          <a:noFill/>
+          <a:effectLst>
+            <a:outerShdw blurRad="50800" dist="38100" dir="2700000" algn="tl" rotWithShape="0">
+              <a:prstClr val="black">
+                <a:alpha val="40000"/>
+              </a:prstClr>
+            </a:outerShdw>
+          </a:effectLst>
+          <a:extLst>
+            <a:ext uri="{909E8E84-426E-40DD-AFC4-6F175D3DCCD1}">
+              <a14:hiddenFill xmlns:a14="http://schemas.microsoft.com/office/drawing/2010/main">
+                <a:solidFill>
+                  <a:srgbClr val="FFFFFF"/>
+                </a:solidFill>
+              </a14:hiddenFill>
+            </a:ext>
+          </a:extLst>
+        </p:spPr>
+      </p:pic>
+    </p:spTree>
+    <p:extLst>
+      <p:ext uri="{BB962C8B-B14F-4D97-AF65-F5344CB8AC3E}">
+        <p14:creationId xmlns:p14="http://schemas.microsoft.com/office/powerpoint/2010/main" val="573250343"/>
+      </p:ext>
+    </p:extLst>
+  </p:cSld>
+  <p:clrMapOvr>
+    <a:masterClrMapping/>
+  </p:clrMapOvr>
+</p:sld>
+</file>
+
+<file path=ppt/slides/slide5.xml><?xml version="1.0" encoding="utf-8"?>
+<p:sld xmlns:a="http://schemas.openxmlformats.org/drawingml/2006/main" xmlns:r="http://schemas.openxmlformats.org/officeDocument/2006/relationships" xmlns:p="http://schemas.openxmlformats.org/presentationml/2006/main">
+  <p:cSld>
+    <p:spTree>
+      <p:nvGrpSpPr>
+        <p:cNvPr id="1" name=""/>
+        <p:cNvGrpSpPr/>
+        <p:nvPr/>
+      </p:nvGrpSpPr>
+      <p:grpSpPr>
+        <a:xfrm>
+          <a:off x="0" y="0"/>
+          <a:ext cx="0" cy="0"/>
+          <a:chOff x="0" y="0"/>
+          <a:chExt cx="0" cy="0"/>
+        </a:xfrm>
+      </p:grpSpPr>
+      <p:sp>
+        <p:nvSpPr>
+          <p:cNvPr id="2" name="內容版面配置區 1">
+            <a:extLst>
+              <a:ext uri="{FF2B5EF4-FFF2-40B4-BE49-F238E27FC236}">
+                <a16:creationId xmlns:a16="http://schemas.microsoft.com/office/drawing/2014/main" id="{0A8B8977-2505-45DB-B0EE-C9DAE66ECB37}"/>
+              </a:ext>
+            </a:extLst>
+          </p:cNvPr>
+          <p:cNvSpPr>
+            <a:spLocks noGrp="1"/>
+          </p:cNvSpPr>
+          <p:nvPr>
+            <p:ph sz="quarter" idx="12"/>
+          </p:nvPr>
+        </p:nvSpPr>
+        <p:spPr/>
+        <p:txBody>
+          <a:bodyPr/>
+          <a:lstStyle/>
+          <a:p>
+            <a:r>
+              <a:rPr lang="zh-TW" altLang="en-US" dirty="0"/>
+              <a:t>假如要做一個，有一個共同導覽列，然後切換不同頁面的架構</a:t>
+            </a:r>
+          </a:p>
+        </p:txBody>
+      </p:sp>
+      <p:sp>
+        <p:nvSpPr>
+          <p:cNvPr id="3" name="標題 2">
+            <a:extLst>
+              <a:ext uri="{FF2B5EF4-FFF2-40B4-BE49-F238E27FC236}">
+                <a16:creationId xmlns:a16="http://schemas.microsoft.com/office/drawing/2014/main" id="{C204A655-9D52-4BD8-869C-A15927FD92C2}"/>
+              </a:ext>
+            </a:extLst>
+          </p:cNvPr>
+          <p:cNvSpPr>
+            <a:spLocks noGrp="1"/>
+          </p:cNvSpPr>
+          <p:nvPr>
+            <p:ph type="title"/>
+          </p:nvPr>
+        </p:nvSpPr>
+        <p:spPr/>
+        <p:txBody>
+          <a:bodyPr>
+            <a:normAutofit fontScale="90000"/>
+          </a:bodyPr>
+          <a:lstStyle/>
+          <a:p>
+            <a:r>
+              <a:rPr lang="en-US" altLang="zh-TW" dirty="0"/>
+              <a:t>Vue-</a:t>
+            </a:r>
+            <a:r>
+              <a:rPr lang="en-US" altLang="zh-TW" dirty="0" err="1"/>
+              <a:t>ruter</a:t>
+            </a:r>
+            <a:endParaRPr lang="zh-TW" altLang="en-US" dirty="0"/>
+          </a:p>
+        </p:txBody>
+      </p:sp>
+      <p:sp>
+        <p:nvSpPr>
+          <p:cNvPr id="4" name="文字版面配置區 3">
+            <a:extLst>
+              <a:ext uri="{FF2B5EF4-FFF2-40B4-BE49-F238E27FC236}">
+                <a16:creationId xmlns:a16="http://schemas.microsoft.com/office/drawing/2014/main" id="{1C424DE1-1D77-499D-9B0E-19E88042E069}"/>
+              </a:ext>
+            </a:extLst>
+          </p:cNvPr>
+          <p:cNvSpPr>
+            <a:spLocks noGrp="1"/>
+          </p:cNvSpPr>
+          <p:nvPr>
+            <p:ph type="body" sz="quarter" idx="11"/>
+          </p:nvPr>
+        </p:nvSpPr>
+        <p:spPr/>
+        <p:txBody>
+          <a:bodyPr>
+            <a:normAutofit lnSpcReduction="10000"/>
+          </a:bodyPr>
+          <a:lstStyle/>
+          <a:p>
+            <a:endParaRPr lang="zh-TW" altLang="en-US"/>
+          </a:p>
+        </p:txBody>
+      </p:sp>
+      <p:pic>
+        <p:nvPicPr>
+          <p:cNvPr id="1026" name="Picture 2">
+            <a:extLst>
+              <a:ext uri="{FF2B5EF4-FFF2-40B4-BE49-F238E27FC236}">
+                <a16:creationId xmlns:a16="http://schemas.microsoft.com/office/drawing/2014/main" id="{DA73E246-4AD4-4EB5-BA39-0C26C6CEE703}"/>
+              </a:ext>
+            </a:extLst>
+          </p:cNvPr>
+          <p:cNvPicPr>
+            <a:picLocks noChangeAspect="1" noChangeArrowheads="1"/>
+          </p:cNvPicPr>
+          <p:nvPr/>
+        </p:nvPicPr>
+        <p:blipFill>
+          <a:blip r:embed="rId2">
+            <a:extLst>
+              <a:ext uri="{28A0092B-C50C-407E-A947-70E740481C1C}">
+                <a14:useLocalDpi xmlns:a14="http://schemas.microsoft.com/office/drawing/2010/main" val="0"/>
+              </a:ext>
+            </a:extLst>
+          </a:blip>
+          <a:srcRect/>
+          <a:stretch>
+            <a:fillRect/>
+          </a:stretch>
+        </p:blipFill>
+        <p:spPr bwMode="auto">
+          <a:xfrm>
+            <a:off x="237564" y="1511347"/>
+            <a:ext cx="10449870" cy="4841828"/>
+          </a:xfrm>
+          <a:prstGeom prst="rect">
+            <a:avLst/>
+          </a:prstGeom>
+          <a:noFill/>
+          <a:extLst>
+            <a:ext uri="{909E8E84-426E-40DD-AFC4-6F175D3DCCD1}">
+              <a14:hiddenFill xmlns:a14="http://schemas.microsoft.com/office/drawing/2010/main">
+                <a:solidFill>
+                  <a:srgbClr val="FFFFFF"/>
+                </a:solidFill>
+              </a14:hiddenFill>
+            </a:ext>
+          </a:extLst>
+        </p:spPr>
+      </p:pic>
+      <p:pic>
+        <p:nvPicPr>
+          <p:cNvPr id="8" name="圖片 7">
+            <a:extLst>
+              <a:ext uri="{FF2B5EF4-FFF2-40B4-BE49-F238E27FC236}">
+                <a16:creationId xmlns:a16="http://schemas.microsoft.com/office/drawing/2014/main" id="{F529B731-E782-4E78-B78A-25BF581A55AA}"/>
+              </a:ext>
+            </a:extLst>
+          </p:cNvPr>
+          <p:cNvPicPr>
+            <a:picLocks noChangeAspect="1"/>
+          </p:cNvPicPr>
+          <p:nvPr/>
+        </p:nvPicPr>
+        <p:blipFill>
+          <a:blip r:embed="rId3"/>
+          <a:stretch>
+            <a:fillRect/>
+          </a:stretch>
+        </p:blipFill>
+        <p:spPr>
+          <a:xfrm>
+            <a:off x="8175812" y="180976"/>
+            <a:ext cx="3778624" cy="2516368"/>
+          </a:xfrm>
+          <a:prstGeom prst="rect">
+            <a:avLst/>
+          </a:prstGeom>
+        </p:spPr>
+      </p:pic>
+    </p:spTree>
+    <p:extLst>
+      <p:ext uri="{BB962C8B-B14F-4D97-AF65-F5344CB8AC3E}">
+        <p14:creationId xmlns:p14="http://schemas.microsoft.com/office/powerpoint/2010/main" val="3303569093"/>
+      </p:ext>
+    </p:extLst>
+  </p:cSld>
+  <p:clrMapOvr>
+    <a:masterClrMapping/>
+  </p:clrMapOvr>
+</p:sld>
+</file>
+
+<file path=ppt/slides/slide6.xml><?xml version="1.0" encoding="utf-8"?>
+<p:sld xmlns:a="http://schemas.openxmlformats.org/drawingml/2006/main" xmlns:r="http://schemas.openxmlformats.org/officeDocument/2006/relationships" xmlns:p="http://schemas.openxmlformats.org/presentationml/2006/main">
+  <p:cSld>
+    <p:spTree>
+      <p:nvGrpSpPr>
+        <p:cNvPr id="1" name=""/>
+        <p:cNvGrpSpPr/>
+        <p:nvPr/>
+      </p:nvGrpSpPr>
+      <p:grpSpPr>
+        <a:xfrm>
+          <a:off x="0" y="0"/>
+          <a:ext cx="0" cy="0"/>
+          <a:chOff x="0" y="0"/>
+          <a:chExt cx="0" cy="0"/>
+        </a:xfrm>
+      </p:grpSpPr>
+      <p:sp>
+        <p:nvSpPr>
+          <p:cNvPr id="2" name="內容版面配置區 1">
+            <a:extLst>
+              <a:ext uri="{FF2B5EF4-FFF2-40B4-BE49-F238E27FC236}">
+                <a16:creationId xmlns:a16="http://schemas.microsoft.com/office/drawing/2014/main" id="{0A8B8977-2505-45DB-B0EE-C9DAE66ECB37}"/>
+              </a:ext>
+            </a:extLst>
+          </p:cNvPr>
+          <p:cNvSpPr>
+            <a:spLocks noGrp="1"/>
+          </p:cNvSpPr>
+          <p:nvPr>
+            <p:ph sz="quarter" idx="12"/>
+          </p:nvPr>
+        </p:nvSpPr>
+        <p:spPr/>
+        <p:txBody>
+          <a:bodyPr/>
+          <a:lstStyle/>
+          <a:p>
+            <a:r>
+              <a:rPr lang="zh-TW" altLang="en-US" dirty="0"/>
+              <a:t>先把一個</a:t>
+            </a:r>
+            <a:r>
+              <a:rPr lang="en-US" altLang="zh-TW" dirty="0"/>
+              <a:t>Vue-</a:t>
+            </a:r>
+            <a:r>
+              <a:rPr lang="en-US" altLang="zh-TW" dirty="0" err="1"/>
+              <a:t>ruter</a:t>
+            </a:r>
+            <a:r>
+              <a:rPr lang="zh-TW" altLang="en-US" dirty="0"/>
+              <a:t>堆起來，再來慢慢說明</a:t>
+            </a:r>
+            <a:endParaRPr lang="en-US" altLang="zh-TW" dirty="0"/>
+          </a:p>
+          <a:p>
+            <a:r>
+              <a:rPr lang="zh-TW" altLang="en-US" dirty="0"/>
+              <a:t>檔案：</a:t>
+            </a:r>
+            <a:r>
+              <a:rPr lang="en-US" altLang="zh-TW" dirty="0" err="1"/>
+              <a:t>vue</a:t>
+            </a:r>
+            <a:r>
+              <a:rPr lang="en-US" altLang="zh-TW" dirty="0"/>
+              <a:t>-project-router</a:t>
+            </a:r>
+          </a:p>
+          <a:p>
+            <a:r>
+              <a:rPr lang="zh-TW" altLang="en-US" dirty="0"/>
+              <a:t>模擬</a:t>
+            </a:r>
+            <a:r>
+              <a:rPr lang="en-US" altLang="zh-TW" dirty="0"/>
+              <a:t>1</a:t>
+            </a:r>
+            <a:r>
+              <a:rPr lang="zh-TW" altLang="en-US" dirty="0"/>
+              <a:t>個</a:t>
+            </a:r>
+            <a:r>
+              <a:rPr lang="en-US" altLang="zh-TW" dirty="0"/>
+              <a:t>nav</a:t>
+            </a:r>
+            <a:r>
+              <a:rPr lang="zh-TW" altLang="en-US" dirty="0"/>
+              <a:t>跟</a:t>
+            </a:r>
+            <a:r>
+              <a:rPr lang="en-US" altLang="zh-TW" dirty="0"/>
+              <a:t>3</a:t>
+            </a:r>
+            <a:r>
+              <a:rPr lang="zh-TW" altLang="en-US" dirty="0"/>
+              <a:t>個</a:t>
+            </a:r>
+            <a:r>
+              <a:rPr lang="en-US" altLang="zh-TW" dirty="0"/>
+              <a:t>component</a:t>
+            </a:r>
+            <a:r>
+              <a:rPr lang="zh-TW" altLang="en-US" dirty="0"/>
+              <a:t>切換</a:t>
+            </a:r>
+            <a:endParaRPr lang="en-US" altLang="zh-TW" dirty="0"/>
+          </a:p>
+          <a:p>
+            <a:r>
+              <a:rPr lang="zh-TW" altLang="en-US" dirty="0"/>
+              <a:t>還有一個</a:t>
+            </a:r>
+            <a:r>
+              <a:rPr lang="en-US" altLang="zh-TW" dirty="0"/>
+              <a:t>404not found</a:t>
+            </a:r>
+            <a:r>
+              <a:rPr lang="zh-TW" altLang="en-US" dirty="0"/>
+              <a:t>的</a:t>
+            </a:r>
+            <a:r>
+              <a:rPr lang="en-US" altLang="zh-TW" dirty="0"/>
+              <a:t>component</a:t>
+            </a:r>
+          </a:p>
+          <a:p>
+            <a:r>
+              <a:rPr lang="en-US" altLang="zh-TW" dirty="0"/>
+              <a:t>STEP01</a:t>
+            </a:r>
+            <a:r>
+              <a:rPr lang="zh-TW" altLang="en-US" dirty="0"/>
+              <a:t>：建立</a:t>
+            </a:r>
+            <a:r>
+              <a:rPr lang="en-US" altLang="zh-TW" dirty="0"/>
+              <a:t>component </a:t>
+            </a:r>
+            <a:r>
+              <a:rPr lang="en-US" altLang="zh-TW" dirty="0" err="1"/>
+              <a:t>NavPage.vue</a:t>
+            </a:r>
+            <a:r>
+              <a:rPr lang="en-US" altLang="zh-TW" dirty="0"/>
+              <a:t>(</a:t>
+            </a:r>
+            <a:r>
+              <a:rPr lang="zh-TW" altLang="en-US" dirty="0"/>
+              <a:t>導覽</a:t>
+            </a:r>
+            <a:r>
+              <a:rPr lang="en-US" altLang="zh-TW" dirty="0"/>
+              <a:t>)</a:t>
+            </a:r>
+          </a:p>
+          <a:p>
+            <a:endParaRPr lang="zh-TW" altLang="en-US" dirty="0"/>
+          </a:p>
+        </p:txBody>
+      </p:sp>
+      <p:sp>
+        <p:nvSpPr>
+          <p:cNvPr id="3" name="標題 2">
+            <a:extLst>
+              <a:ext uri="{FF2B5EF4-FFF2-40B4-BE49-F238E27FC236}">
+                <a16:creationId xmlns:a16="http://schemas.microsoft.com/office/drawing/2014/main" id="{C204A655-9D52-4BD8-869C-A15927FD92C2}"/>
+              </a:ext>
+            </a:extLst>
+          </p:cNvPr>
+          <p:cNvSpPr>
+            <a:spLocks noGrp="1"/>
+          </p:cNvSpPr>
+          <p:nvPr>
+            <p:ph type="title"/>
+          </p:nvPr>
+        </p:nvSpPr>
+        <p:spPr/>
+        <p:txBody>
+          <a:bodyPr>
+            <a:normAutofit fontScale="90000"/>
+          </a:bodyPr>
+          <a:lstStyle/>
+          <a:p>
+            <a:r>
+              <a:rPr lang="en-US" altLang="zh-TW" dirty="0"/>
+              <a:t>Vue-</a:t>
+            </a:r>
+            <a:r>
+              <a:rPr lang="en-US" altLang="zh-TW" dirty="0" err="1"/>
+              <a:t>ruter</a:t>
+            </a:r>
+            <a:endParaRPr lang="zh-TW" altLang="en-US" dirty="0"/>
+          </a:p>
+        </p:txBody>
+      </p:sp>
+      <p:sp>
+        <p:nvSpPr>
+          <p:cNvPr id="8" name="文字版面配置區 7">
+            <a:extLst>
+              <a:ext uri="{FF2B5EF4-FFF2-40B4-BE49-F238E27FC236}">
+                <a16:creationId xmlns:a16="http://schemas.microsoft.com/office/drawing/2014/main" id="{25636164-8A31-42BA-956A-EEF0FEEEE049}"/>
+              </a:ext>
+            </a:extLst>
+          </p:cNvPr>
+          <p:cNvSpPr>
+            <a:spLocks noGrp="1"/>
+          </p:cNvSpPr>
+          <p:nvPr>
+            <p:ph type="body" sz="quarter" idx="11"/>
+          </p:nvPr>
+        </p:nvSpPr>
+        <p:spPr/>
+        <p:txBody>
+          <a:bodyPr>
+            <a:normAutofit lnSpcReduction="10000"/>
+          </a:bodyPr>
+          <a:lstStyle/>
+          <a:p>
+            <a:endParaRPr lang="zh-TW" altLang="en-US"/>
+          </a:p>
+        </p:txBody>
+      </p:sp>
+      <p:pic>
+        <p:nvPicPr>
+          <p:cNvPr id="10" name="圖片 9">
+            <a:extLst>
+              <a:ext uri="{FF2B5EF4-FFF2-40B4-BE49-F238E27FC236}">
+                <a16:creationId xmlns:a16="http://schemas.microsoft.com/office/drawing/2014/main" id="{8AE5CA12-0C27-4888-AD33-5A7C06B76489}"/>
+              </a:ext>
+            </a:extLst>
+          </p:cNvPr>
+          <p:cNvPicPr>
+            <a:picLocks noChangeAspect="1"/>
+          </p:cNvPicPr>
+          <p:nvPr/>
+        </p:nvPicPr>
+        <p:blipFill>
+          <a:blip r:embed="rId2">
+            <a:extLst>
+              <a:ext uri="{28A0092B-C50C-407E-A947-70E740481C1C}">
+                <a14:useLocalDpi xmlns:a14="http://schemas.microsoft.com/office/drawing/2010/main" val="0"/>
+              </a:ext>
+            </a:extLst>
+          </a:blip>
+          <a:stretch>
+            <a:fillRect/>
+          </a:stretch>
+        </p:blipFill>
+        <p:spPr>
+          <a:xfrm>
+            <a:off x="1969247" y="3429000"/>
+            <a:ext cx="7696200" cy="2371725"/>
+          </a:xfrm>
+          <a:prstGeom prst="rect">
+            <a:avLst/>
+          </a:prstGeom>
+        </p:spPr>
+      </p:pic>
+    </p:spTree>
+    <p:extLst>
+      <p:ext uri="{BB962C8B-B14F-4D97-AF65-F5344CB8AC3E}">
+        <p14:creationId xmlns:p14="http://schemas.microsoft.com/office/powerpoint/2010/main" val="1484675501"/>
+      </p:ext>
+    </p:extLst>
+  </p:cSld>
+  <p:clrMapOvr>
+    <a:masterClrMapping/>
+  </p:clrMapOvr>
+</p:sld>
+</file>
+
+<file path=ppt/slides/slide7.xml><?xml version="1.0" encoding="utf-8"?>
+<p:sld xmlns:a="http://schemas.openxmlformats.org/drawingml/2006/main" xmlns:r="http://schemas.openxmlformats.org/officeDocument/2006/relationships" xmlns:p="http://schemas.openxmlformats.org/presentationml/2006/main">
+  <p:cSld>
+    <p:spTree>
+      <p:nvGrpSpPr>
+        <p:cNvPr id="1" name=""/>
+        <p:cNvGrpSpPr/>
+        <p:nvPr/>
+      </p:nvGrpSpPr>
+      <p:grpSpPr>
+        <a:xfrm>
+          <a:off x="0" y="0"/>
+          <a:ext cx="0" cy="0"/>
+          <a:chOff x="0" y="0"/>
+          <a:chExt cx="0" cy="0"/>
+        </a:xfrm>
+      </p:grpSpPr>
+      <p:sp>
+        <p:nvSpPr>
+          <p:cNvPr id="2" name="內容版面配置區 1">
+            <a:extLst>
+              <a:ext uri="{FF2B5EF4-FFF2-40B4-BE49-F238E27FC236}">
+                <a16:creationId xmlns:a16="http://schemas.microsoft.com/office/drawing/2014/main" id="{0A8B8977-2505-45DB-B0EE-C9DAE66ECB37}"/>
+              </a:ext>
+            </a:extLst>
+          </p:cNvPr>
+          <p:cNvSpPr>
+            <a:spLocks noGrp="1"/>
+          </p:cNvSpPr>
+          <p:nvPr>
+            <p:ph sz="quarter" idx="12"/>
+          </p:nvPr>
+        </p:nvSpPr>
+        <p:spPr/>
+        <p:txBody>
+          <a:bodyPr/>
+          <a:lstStyle/>
+          <a:p>
+            <a:r>
+              <a:rPr lang="zh-TW" altLang="en-US" dirty="0"/>
+              <a:t>檔案：</a:t>
+            </a:r>
+            <a:r>
+              <a:rPr lang="en-US" altLang="zh-TW" dirty="0" err="1"/>
+              <a:t>vue</a:t>
+            </a:r>
+            <a:r>
+              <a:rPr lang="en-US" altLang="zh-TW" dirty="0"/>
+              <a:t>-project-router</a:t>
+            </a:r>
+          </a:p>
+          <a:p>
+            <a:r>
+              <a:rPr lang="en-US" altLang="zh-TW" dirty="0"/>
+              <a:t>STEP01</a:t>
+            </a:r>
+            <a:r>
+              <a:rPr lang="zh-TW" altLang="en-US" dirty="0"/>
+              <a:t>：建立</a:t>
+            </a:r>
+            <a:r>
+              <a:rPr lang="en-US" altLang="zh-TW" dirty="0"/>
+              <a:t>component </a:t>
+            </a:r>
+            <a:r>
+              <a:rPr lang="en-US" altLang="zh-TW" dirty="0" err="1"/>
+              <a:t>NavPage.vue</a:t>
+            </a:r>
+            <a:r>
+              <a:rPr lang="en-US" altLang="zh-TW" dirty="0"/>
+              <a:t>(</a:t>
+            </a:r>
+            <a:r>
+              <a:rPr lang="zh-TW" altLang="en-US" dirty="0"/>
+              <a:t>導覽</a:t>
+            </a:r>
+            <a:r>
+              <a:rPr lang="en-US" altLang="zh-TW" dirty="0"/>
+              <a:t>)</a:t>
+            </a:r>
+            <a:endParaRPr lang="zh-TW" altLang="en-US" dirty="0"/>
+          </a:p>
+        </p:txBody>
+      </p:sp>
+      <p:sp>
+        <p:nvSpPr>
+          <p:cNvPr id="3" name="標題 2">
+            <a:extLst>
+              <a:ext uri="{FF2B5EF4-FFF2-40B4-BE49-F238E27FC236}">
+                <a16:creationId xmlns:a16="http://schemas.microsoft.com/office/drawing/2014/main" id="{C204A655-9D52-4BD8-869C-A15927FD92C2}"/>
+              </a:ext>
+            </a:extLst>
+          </p:cNvPr>
+          <p:cNvSpPr>
+            <a:spLocks noGrp="1"/>
+          </p:cNvSpPr>
+          <p:nvPr>
+            <p:ph type="title"/>
+          </p:nvPr>
+        </p:nvSpPr>
+        <p:spPr/>
+        <p:txBody>
+          <a:bodyPr>
+            <a:normAutofit fontScale="90000"/>
+          </a:bodyPr>
+          <a:lstStyle/>
+          <a:p>
+            <a:r>
+              <a:rPr lang="en-US" altLang="zh-TW" dirty="0"/>
+              <a:t>Vue-</a:t>
+            </a:r>
+            <a:r>
+              <a:rPr lang="en-US" altLang="zh-TW" dirty="0" err="1"/>
+              <a:t>ruter</a:t>
+            </a:r>
+            <a:r>
+              <a:rPr lang="en-US" altLang="zh-TW" dirty="0"/>
+              <a:t>--</a:t>
+            </a:r>
+            <a:r>
+              <a:rPr lang="zh-TW" altLang="en-US" dirty="0"/>
+              <a:t>實作階段</a:t>
+            </a:r>
+          </a:p>
+        </p:txBody>
+      </p:sp>
+      <p:sp>
+        <p:nvSpPr>
+          <p:cNvPr id="4" name="文字版面配置區 3">
+            <a:extLst>
+              <a:ext uri="{FF2B5EF4-FFF2-40B4-BE49-F238E27FC236}">
+                <a16:creationId xmlns:a16="http://schemas.microsoft.com/office/drawing/2014/main" id="{1C424DE1-1D77-499D-9B0E-19E88042E069}"/>
+              </a:ext>
+            </a:extLst>
+          </p:cNvPr>
+          <p:cNvSpPr>
+            <a:spLocks noGrp="1"/>
+          </p:cNvSpPr>
+          <p:nvPr>
+            <p:ph type="body" sz="quarter" idx="11"/>
+          </p:nvPr>
+        </p:nvSpPr>
+        <p:spPr>
+          <a:xfrm>
+            <a:off x="475141" y="5365134"/>
+            <a:ext cx="2790825" cy="323850"/>
+          </a:xfrm>
+        </p:spPr>
+        <p:txBody>
+          <a:bodyPr>
+            <a:normAutofit lnSpcReduction="10000"/>
+          </a:bodyPr>
+          <a:lstStyle/>
+          <a:p>
+            <a:r>
+              <a:rPr lang="en-US" altLang="zh-TW" dirty="0" err="1"/>
+              <a:t>NavPage.vue</a:t>
+            </a:r>
+            <a:r>
+              <a:rPr lang="zh-TW" altLang="en-US" dirty="0"/>
+              <a:t>的</a:t>
+            </a:r>
+            <a:r>
+              <a:rPr lang="en-US" altLang="zh-TW" dirty="0"/>
+              <a:t>style</a:t>
+            </a:r>
+          </a:p>
+          <a:p>
+            <a:endParaRPr lang="zh-TW" altLang="en-US" dirty="0"/>
+          </a:p>
+          <a:p>
+            <a:endParaRPr lang="zh-TW" altLang="en-US" dirty="0"/>
+          </a:p>
+        </p:txBody>
+      </p:sp>
+      <p:pic>
+        <p:nvPicPr>
+          <p:cNvPr id="6" name="圖片 5">
+            <a:extLst>
+              <a:ext uri="{FF2B5EF4-FFF2-40B4-BE49-F238E27FC236}">
+                <a16:creationId xmlns:a16="http://schemas.microsoft.com/office/drawing/2014/main" id="{B96F60BD-3104-4758-9DFA-384DB86086EB}"/>
+              </a:ext>
+            </a:extLst>
+          </p:cNvPr>
+          <p:cNvPicPr>
+            <a:picLocks noChangeAspect="1"/>
+          </p:cNvPicPr>
+          <p:nvPr/>
+        </p:nvPicPr>
+        <p:blipFill>
+          <a:blip r:embed="rId2"/>
+          <a:stretch>
+            <a:fillRect/>
+          </a:stretch>
+        </p:blipFill>
+        <p:spPr>
+          <a:xfrm>
+            <a:off x="76200" y="1836684"/>
+            <a:ext cx="3987800" cy="3502638"/>
+          </a:xfrm>
+          <a:prstGeom prst="rect">
+            <a:avLst/>
+          </a:prstGeom>
+        </p:spPr>
+      </p:pic>
+      <p:pic>
+        <p:nvPicPr>
+          <p:cNvPr id="7" name="圖片 6">
+            <a:extLst>
+              <a:ext uri="{FF2B5EF4-FFF2-40B4-BE49-F238E27FC236}">
+                <a16:creationId xmlns:a16="http://schemas.microsoft.com/office/drawing/2014/main" id="{8F35D1A4-29F3-4E57-8455-92F575BDF551}"/>
+              </a:ext>
+            </a:extLst>
+          </p:cNvPr>
+          <p:cNvPicPr>
+            <a:picLocks noChangeAspect="1"/>
+          </p:cNvPicPr>
+          <p:nvPr/>
+        </p:nvPicPr>
+        <p:blipFill>
+          <a:blip r:embed="rId3"/>
+          <a:stretch>
+            <a:fillRect/>
+          </a:stretch>
+        </p:blipFill>
+        <p:spPr>
+          <a:xfrm>
+            <a:off x="4845424" y="1161317"/>
+            <a:ext cx="7346576" cy="5651874"/>
+          </a:xfrm>
+          <a:prstGeom prst="rect">
+            <a:avLst/>
+          </a:prstGeom>
+        </p:spPr>
+      </p:pic>
+      <p:sp>
+        <p:nvSpPr>
+          <p:cNvPr id="8" name="文字版面配置區 3">
+            <a:extLst>
+              <a:ext uri="{FF2B5EF4-FFF2-40B4-BE49-F238E27FC236}">
+                <a16:creationId xmlns:a16="http://schemas.microsoft.com/office/drawing/2014/main" id="{DA5DC4C7-166D-442E-839D-9DA7DCDCB785}"/>
+              </a:ext>
+            </a:extLst>
+          </p:cNvPr>
+          <p:cNvSpPr txBox="1">
+            <a:spLocks/>
+          </p:cNvSpPr>
+          <p:nvPr/>
+        </p:nvSpPr>
+        <p:spPr>
+          <a:xfrm>
+            <a:off x="1888751" y="6418729"/>
+            <a:ext cx="2790825" cy="364523"/>
+          </a:xfrm>
+          <a:prstGeom prst="rect">
+            <a:avLst/>
+          </a:prstGeom>
+        </p:spPr>
+        <p:txBody>
+          <a:bodyPr vert="horz" lIns="91440" tIns="45720" rIns="91440" bIns="45720" rtlCol="0">
+            <a:normAutofit/>
+          </a:bodyPr>
+          <a:lstStyle>
+            <a:lvl1pPr marL="0" indent="0" algn="ctr" defTabSz="914400" rtl="0" eaLnBrk="1" latinLnBrk="0" hangingPunct="1">
+              <a:lnSpc>
+                <a:spcPct val="100000"/>
+              </a:lnSpc>
+              <a:spcBef>
+                <a:spcPts val="1000"/>
+              </a:spcBef>
+              <a:buFont typeface="Wingdings" panose="05000000000000000000" pitchFamily="2" charset="2"/>
+              <a:buNone/>
+              <a:defRPr sz="1600" kern="1200" baseline="0">
+                <a:solidFill>
+                  <a:schemeClr val="tx1"/>
+                </a:solidFill>
+                <a:latin typeface="Times New Roman" panose="02020603050405020304" pitchFamily="18" charset="0"/>
+                <a:ea typeface="標楷體" panose="03000509000000000000" pitchFamily="65" charset="-120"/>
+                <a:cs typeface="+mn-cs"/>
+              </a:defRPr>
+            </a:lvl1pPr>
+            <a:lvl2pPr marL="800100" indent="-342900" algn="l" defTabSz="914400" rtl="0" eaLnBrk="1" latinLnBrk="0" hangingPunct="1">
+              <a:lnSpc>
+                <a:spcPct val="100000"/>
+              </a:lnSpc>
+              <a:spcBef>
+                <a:spcPts val="500"/>
+              </a:spcBef>
+              <a:buFont typeface="Wingdings" panose="05000000000000000000" pitchFamily="2" charset="2"/>
+              <a:buChar char="v"/>
+              <a:defRPr sz="1800" kern="1200" baseline="0">
+                <a:solidFill>
+                  <a:schemeClr val="tx1"/>
+                </a:solidFill>
+                <a:latin typeface="Times New Roman" panose="02020603050405020304" pitchFamily="18" charset="0"/>
+                <a:ea typeface="標楷體" panose="03000509000000000000" pitchFamily="65" charset="-120"/>
+                <a:cs typeface="+mn-cs"/>
+              </a:defRPr>
+            </a:lvl2pPr>
+            <a:lvl3pPr marL="1143000" indent="-228600" algn="l" defTabSz="914400" rtl="0" eaLnBrk="1" latinLnBrk="0" hangingPunct="1">
+              <a:lnSpc>
+                <a:spcPct val="100000"/>
+              </a:lnSpc>
+              <a:spcBef>
+                <a:spcPts val="500"/>
+              </a:spcBef>
+              <a:buFont typeface="Wingdings" panose="05000000000000000000" pitchFamily="2" charset="2"/>
+              <a:buChar char="v"/>
+              <a:defRPr sz="1800" kern="1200" baseline="0">
+                <a:solidFill>
+                  <a:schemeClr val="tx1"/>
+                </a:solidFill>
+                <a:latin typeface="Times New Roman" panose="02020603050405020304" pitchFamily="18" charset="0"/>
+                <a:ea typeface="標楷體" panose="03000509000000000000" pitchFamily="65" charset="-120"/>
+                <a:cs typeface="+mn-cs"/>
+              </a:defRPr>
+            </a:lvl3pPr>
+            <a:lvl4pPr marL="1600200" indent="-228600" algn="l" defTabSz="914400" rtl="0" eaLnBrk="1" latinLnBrk="0" hangingPunct="1">
+              <a:lnSpc>
+                <a:spcPct val="90000"/>
+              </a:lnSpc>
+              <a:spcBef>
+                <a:spcPts val="500"/>
+              </a:spcBef>
+              <a:buFont typeface="Arial" panose="020B0604020202020204" pitchFamily="34" charset="0"/>
+              <a:buChar char="•"/>
+              <a:defRPr sz="1800" kern="1200" baseline="0">
+                <a:solidFill>
+                  <a:schemeClr val="tx1"/>
+                </a:solidFill>
+                <a:latin typeface="Times New Roman" panose="02020603050405020304" pitchFamily="18" charset="0"/>
+                <a:ea typeface="標楷體" panose="03000509000000000000" pitchFamily="65" charset="-120"/>
+                <a:cs typeface="+mn-cs"/>
+              </a:defRPr>
+            </a:lvl4pPr>
+            <a:lvl5pPr marL="2057400" indent="-228600" algn="l" defTabSz="914400" rtl="0" eaLnBrk="1" latinLnBrk="0" hangingPunct="1">
+              <a:lnSpc>
+                <a:spcPct val="90000"/>
+              </a:lnSpc>
+              <a:spcBef>
+                <a:spcPts val="500"/>
+              </a:spcBef>
+              <a:buFont typeface="Arial" panose="020B0604020202020204" pitchFamily="34" charset="0"/>
+              <a:buChar char="•"/>
+              <a:defRPr sz="1800" kern="1200" baseline="0">
+                <a:solidFill>
+                  <a:schemeClr val="tx1"/>
+                </a:solidFill>
+                <a:latin typeface="Times New Roman" panose="02020603050405020304" pitchFamily="18" charset="0"/>
+                <a:ea typeface="標楷體" panose="03000509000000000000" pitchFamily="65" charset="-120"/>
+                <a:cs typeface="+mn-cs"/>
+              </a:defRPr>
+            </a:lvl5pPr>
+            <a:lvl6pPr marL="2514600" indent="-228600" algn="l" defTabSz="914400" rtl="0" eaLnBrk="1" latinLnBrk="0" hangingPunct="1">
+              <a:lnSpc>
+                <a:spcPct val="90000"/>
+              </a:lnSpc>
+              <a:spcBef>
+                <a:spcPts val="500"/>
+              </a:spcBef>
+              <a:buFont typeface="Arial" panose="020B0604020202020204" pitchFamily="34" charset="0"/>
+              <a:buChar char="•"/>
+              <a:defRPr sz="1800" kern="1200">
+                <a:solidFill>
+                  <a:schemeClr val="tx1"/>
+                </a:solidFill>
+                <a:latin typeface="+mn-lt"/>
+                <a:ea typeface="+mn-ea"/>
+                <a:cs typeface="+mn-cs"/>
+              </a:defRPr>
+            </a:lvl6pPr>
+            <a:lvl7pPr marL="2971800" indent="-228600" algn="l" defTabSz="914400" rtl="0" eaLnBrk="1" latinLnBrk="0" hangingPunct="1">
+              <a:lnSpc>
+                <a:spcPct val="90000"/>
+              </a:lnSpc>
+              <a:spcBef>
+                <a:spcPts val="500"/>
+              </a:spcBef>
+              <a:buFont typeface="Arial" panose="020B0604020202020204" pitchFamily="34" charset="0"/>
+              <a:buChar char="•"/>
+              <a:defRPr sz="1800" kern="1200">
+                <a:solidFill>
+                  <a:schemeClr val="tx1"/>
+                </a:solidFill>
+                <a:latin typeface="+mn-lt"/>
+                <a:ea typeface="+mn-ea"/>
+                <a:cs typeface="+mn-cs"/>
+              </a:defRPr>
+            </a:lvl7pPr>
+            <a:lvl8pPr marL="3429000" indent="-228600" algn="l" defTabSz="914400" rtl="0" eaLnBrk="1" latinLnBrk="0" hangingPunct="1">
+              <a:lnSpc>
+                <a:spcPct val="90000"/>
+              </a:lnSpc>
+              <a:spcBef>
+                <a:spcPts val="500"/>
+              </a:spcBef>
+              <a:buFont typeface="Arial" panose="020B0604020202020204" pitchFamily="34" charset="0"/>
+              <a:buChar char="•"/>
+              <a:defRPr sz="1800" kern="1200">
+                <a:solidFill>
+                  <a:schemeClr val="tx1"/>
+                </a:solidFill>
+                <a:latin typeface="+mn-lt"/>
+                <a:ea typeface="+mn-ea"/>
+                <a:cs typeface="+mn-cs"/>
+              </a:defRPr>
+            </a:lvl8pPr>
+            <a:lvl9pPr marL="3886200" indent="-228600" algn="l" defTabSz="914400" rtl="0" eaLnBrk="1" latinLnBrk="0" hangingPunct="1">
+              <a:lnSpc>
+                <a:spcPct val="90000"/>
+              </a:lnSpc>
+              <a:spcBef>
+                <a:spcPts val="500"/>
+              </a:spcBef>
+              <a:buFont typeface="Arial" panose="020B0604020202020204" pitchFamily="34" charset="0"/>
+              <a:buChar char="•"/>
+              <a:defRPr sz="1800" kern="1200">
+                <a:solidFill>
+                  <a:schemeClr val="tx1"/>
+                </a:solidFill>
+                <a:latin typeface="+mn-lt"/>
+                <a:ea typeface="+mn-ea"/>
+                <a:cs typeface="+mn-cs"/>
+              </a:defRPr>
+            </a:lvl9pPr>
+          </a:lstStyle>
+          <a:p>
+            <a:r>
+              <a:rPr lang="en-US" altLang="zh-TW"/>
+              <a:t>NavPage.vue</a:t>
+            </a:r>
+            <a:r>
+              <a:rPr lang="zh-TW" altLang="en-US"/>
+              <a:t>的</a:t>
+            </a:r>
+            <a:r>
+              <a:rPr lang="en-US" altLang="zh-TW"/>
+              <a:t>template</a:t>
+            </a:r>
+          </a:p>
+          <a:p>
+            <a:endParaRPr lang="zh-TW" altLang="en-US" dirty="0"/>
+          </a:p>
+        </p:txBody>
+      </p:sp>
+    </p:spTree>
+    <p:extLst>
+      <p:ext uri="{BB962C8B-B14F-4D97-AF65-F5344CB8AC3E}">
+        <p14:creationId xmlns:p14="http://schemas.microsoft.com/office/powerpoint/2010/main" val="643940314"/>
+      </p:ext>
+    </p:extLst>
+  </p:cSld>
+  <p:clrMapOvr>
+    <a:masterClrMapping/>
+  </p:clrMapOvr>
+</p:sld>
+</file>
+
+<file path=ppt/slides/slide8.xml><?xml version="1.0" encoding="utf-8"?>
+<p:sld xmlns:a="http://schemas.openxmlformats.org/drawingml/2006/main" xmlns:r="http://schemas.openxmlformats.org/officeDocument/2006/relationships" xmlns:p="http://schemas.openxmlformats.org/presentationml/2006/main">
+  <p:cSld>
+    <p:spTree>
+      <p:nvGrpSpPr>
+        <p:cNvPr id="1" name=""/>
+        <p:cNvGrpSpPr/>
+        <p:nvPr/>
+      </p:nvGrpSpPr>
+      <p:grpSpPr>
+        <a:xfrm>
+          <a:off x="0" y="0"/>
+          <a:ext cx="0" cy="0"/>
+          <a:chOff x="0" y="0"/>
+          <a:chExt cx="0" cy="0"/>
+        </a:xfrm>
+      </p:grpSpPr>
+      <p:sp>
+        <p:nvSpPr>
+          <p:cNvPr id="2" name="內容版面配置區 1">
+            <a:extLst>
+              <a:ext uri="{FF2B5EF4-FFF2-40B4-BE49-F238E27FC236}">
+                <a16:creationId xmlns:a16="http://schemas.microsoft.com/office/drawing/2014/main" id="{0A8B8977-2505-45DB-B0EE-C9DAE66ECB37}"/>
+              </a:ext>
+            </a:extLst>
+          </p:cNvPr>
+          <p:cNvSpPr>
+            <a:spLocks noGrp="1"/>
+          </p:cNvSpPr>
+          <p:nvPr>
+            <p:ph sz="quarter" idx="12"/>
+          </p:nvPr>
+        </p:nvSpPr>
+        <p:spPr/>
+        <p:txBody>
+          <a:bodyPr/>
+          <a:lstStyle/>
+          <a:p>
+            <a:r>
+              <a:rPr lang="zh-TW" altLang="en-US" dirty="0"/>
+              <a:t>檔案：</a:t>
+            </a:r>
+            <a:r>
+              <a:rPr lang="en-US" altLang="zh-TW" dirty="0" err="1"/>
+              <a:t>vue</a:t>
+            </a:r>
+            <a:r>
+              <a:rPr lang="en-US" altLang="zh-TW" dirty="0"/>
+              <a:t>-project-router</a:t>
+            </a:r>
+          </a:p>
+          <a:p>
+            <a:r>
+              <a:rPr lang="en-US" altLang="zh-TW" dirty="0"/>
+              <a:t>STEP02</a:t>
+            </a:r>
+            <a:r>
+              <a:rPr lang="zh-TW" altLang="en-US" dirty="0"/>
+              <a:t>：建立</a:t>
+            </a:r>
+            <a:r>
+              <a:rPr lang="en-US" altLang="zh-TW" dirty="0"/>
+              <a:t>component </a:t>
+            </a:r>
+            <a:r>
+              <a:rPr lang="en-US" altLang="zh-TW" dirty="0" err="1"/>
+              <a:t>DashboardView.vue</a:t>
+            </a:r>
+            <a:endParaRPr lang="zh-TW" altLang="en-US" dirty="0"/>
+          </a:p>
+          <a:p>
+            <a:endParaRPr lang="zh-TW" altLang="en-US" dirty="0"/>
+          </a:p>
+        </p:txBody>
+      </p:sp>
+      <p:sp>
+        <p:nvSpPr>
+          <p:cNvPr id="3" name="標題 2">
+            <a:extLst>
+              <a:ext uri="{FF2B5EF4-FFF2-40B4-BE49-F238E27FC236}">
+                <a16:creationId xmlns:a16="http://schemas.microsoft.com/office/drawing/2014/main" id="{C204A655-9D52-4BD8-869C-A15927FD92C2}"/>
+              </a:ext>
+            </a:extLst>
+          </p:cNvPr>
+          <p:cNvSpPr>
+            <a:spLocks noGrp="1"/>
+          </p:cNvSpPr>
+          <p:nvPr>
+            <p:ph type="title"/>
+          </p:nvPr>
+        </p:nvSpPr>
+        <p:spPr/>
+        <p:txBody>
+          <a:bodyPr>
+            <a:normAutofit fontScale="90000"/>
+          </a:bodyPr>
+          <a:lstStyle/>
+          <a:p>
+            <a:r>
+              <a:rPr lang="en-US" altLang="zh-TW" dirty="0"/>
+              <a:t>Vue-</a:t>
+            </a:r>
+            <a:r>
+              <a:rPr lang="en-US" altLang="zh-TW" dirty="0" err="1"/>
+              <a:t>ruter</a:t>
+            </a:r>
+            <a:r>
+              <a:rPr lang="en-US" altLang="zh-TW" dirty="0"/>
+              <a:t>--</a:t>
+            </a:r>
+            <a:r>
+              <a:rPr lang="zh-TW" altLang="en-US" dirty="0"/>
+              <a:t>實作階段</a:t>
+            </a:r>
+          </a:p>
+        </p:txBody>
+      </p:sp>
+      <p:sp>
+        <p:nvSpPr>
+          <p:cNvPr id="4" name="文字版面配置區 3">
+            <a:extLst>
+              <a:ext uri="{FF2B5EF4-FFF2-40B4-BE49-F238E27FC236}">
+                <a16:creationId xmlns:a16="http://schemas.microsoft.com/office/drawing/2014/main" id="{1C424DE1-1D77-499D-9B0E-19E88042E069}"/>
+              </a:ext>
+            </a:extLst>
+          </p:cNvPr>
+          <p:cNvSpPr>
+            <a:spLocks noGrp="1"/>
+          </p:cNvSpPr>
+          <p:nvPr>
+            <p:ph type="body" sz="quarter" idx="11"/>
+          </p:nvPr>
+        </p:nvSpPr>
+        <p:spPr>
+          <a:xfrm>
+            <a:off x="4838136" y="6037921"/>
+            <a:ext cx="3499040" cy="323850"/>
+          </a:xfrm>
+        </p:spPr>
+        <p:txBody>
+          <a:bodyPr>
+            <a:normAutofit lnSpcReduction="10000"/>
+          </a:bodyPr>
+          <a:lstStyle/>
+          <a:p>
+            <a:r>
+              <a:rPr lang="en-US" altLang="zh-TW" dirty="0" err="1"/>
+              <a:t>DashboardView.vue</a:t>
+            </a:r>
+            <a:r>
+              <a:rPr lang="zh-TW" altLang="en-US" dirty="0"/>
+              <a:t>的</a:t>
+            </a:r>
+            <a:r>
+              <a:rPr lang="en-US" altLang="zh-TW" dirty="0"/>
+              <a:t>template</a:t>
+            </a:r>
+            <a:endParaRPr lang="zh-TW" altLang="en-US" dirty="0"/>
+          </a:p>
+        </p:txBody>
+      </p:sp>
+      <p:pic>
+        <p:nvPicPr>
+          <p:cNvPr id="6" name="圖片 5">
+            <a:extLst>
+              <a:ext uri="{FF2B5EF4-FFF2-40B4-BE49-F238E27FC236}">
+                <a16:creationId xmlns:a16="http://schemas.microsoft.com/office/drawing/2014/main" id="{390D5D08-6A91-4031-B51C-07121A978D0D}"/>
+              </a:ext>
+            </a:extLst>
+          </p:cNvPr>
+          <p:cNvPicPr>
+            <a:picLocks noChangeAspect="1"/>
+          </p:cNvPicPr>
+          <p:nvPr/>
+        </p:nvPicPr>
+        <p:blipFill>
+          <a:blip r:embed="rId2"/>
+          <a:stretch>
+            <a:fillRect/>
+          </a:stretch>
+        </p:blipFill>
+        <p:spPr>
+          <a:xfrm>
+            <a:off x="602147" y="1747437"/>
+            <a:ext cx="11114724" cy="4264671"/>
+          </a:xfrm>
+          <a:prstGeom prst="rect">
+            <a:avLst/>
+          </a:prstGeom>
+        </p:spPr>
+      </p:pic>
+    </p:spTree>
+    <p:extLst>
+      <p:ext uri="{BB962C8B-B14F-4D97-AF65-F5344CB8AC3E}">
+        <p14:creationId xmlns:p14="http://schemas.microsoft.com/office/powerpoint/2010/main" val="1864183791"/>
+      </p:ext>
+    </p:extLst>
+  </p:cSld>
+  <p:clrMapOvr>
+    <a:masterClrMapping/>
+  </p:clrMapOvr>
+</p:sld>
+</file>
+
+<file path=ppt/slides/slide9.xml><?xml version="1.0" encoding="utf-8"?>
+<p:sld xmlns:a="http://schemas.openxmlformats.org/drawingml/2006/main" xmlns:r="http://schemas.openxmlformats.org/officeDocument/2006/relationships" xmlns:p="http://schemas.openxmlformats.org/presentationml/2006/main">
+  <p:cSld>
+    <p:spTree>
+      <p:nvGrpSpPr>
+        <p:cNvPr id="1" name=""/>
+        <p:cNvGrpSpPr/>
+        <p:nvPr/>
+      </p:nvGrpSpPr>
+      <p:grpSpPr>
+        <a:xfrm>
+          <a:off x="0" y="0"/>
+          <a:ext cx="0" cy="0"/>
+          <a:chOff x="0" y="0"/>
+          <a:chExt cx="0" cy="0"/>
+        </a:xfrm>
+      </p:grpSpPr>
+      <p:sp>
+        <p:nvSpPr>
+          <p:cNvPr id="2" name="內容版面配置區 1">
+            <a:extLst>
+              <a:ext uri="{FF2B5EF4-FFF2-40B4-BE49-F238E27FC236}">
+                <a16:creationId xmlns:a16="http://schemas.microsoft.com/office/drawing/2014/main" id="{0A8B8977-2505-45DB-B0EE-C9DAE66ECB37}"/>
+              </a:ext>
+            </a:extLst>
+          </p:cNvPr>
+          <p:cNvSpPr>
+            <a:spLocks noGrp="1"/>
+          </p:cNvSpPr>
+          <p:nvPr>
+            <p:ph sz="quarter" idx="12"/>
+          </p:nvPr>
+        </p:nvSpPr>
+        <p:spPr>
+          <a:xfrm>
+            <a:off x="76200" y="1002086"/>
+            <a:ext cx="12115800" cy="5038725"/>
+          </a:xfrm>
+        </p:spPr>
+        <p:txBody>
+          <a:bodyPr/>
+          <a:lstStyle/>
+          <a:p>
+            <a:r>
+              <a:rPr lang="zh-TW" altLang="en-US" dirty="0"/>
+              <a:t>檔案：</a:t>
+            </a:r>
+            <a:r>
+              <a:rPr lang="en-US" altLang="zh-TW" dirty="0" err="1"/>
+              <a:t>vue</a:t>
+            </a:r>
+            <a:r>
+              <a:rPr lang="en-US" altLang="zh-TW" dirty="0"/>
+              <a:t>-project-router</a:t>
+            </a:r>
+          </a:p>
+          <a:p>
+            <a:r>
+              <a:rPr lang="en-US" altLang="zh-TW" dirty="0"/>
+              <a:t>STEP02</a:t>
+            </a:r>
+            <a:r>
+              <a:rPr lang="zh-TW" altLang="en-US" dirty="0"/>
+              <a:t>：建立</a:t>
+            </a:r>
+            <a:r>
+              <a:rPr lang="en-US" altLang="zh-TW" dirty="0"/>
+              <a:t>component </a:t>
+            </a:r>
+            <a:r>
+              <a:rPr lang="en-US" altLang="zh-TW" dirty="0" err="1"/>
+              <a:t>DashboardView.vue</a:t>
+            </a:r>
+            <a:endParaRPr lang="zh-TW" altLang="en-US" dirty="0"/>
+          </a:p>
+        </p:txBody>
+      </p:sp>
+      <p:sp>
+        <p:nvSpPr>
+          <p:cNvPr id="3" name="標題 2">
+            <a:extLst>
+              <a:ext uri="{FF2B5EF4-FFF2-40B4-BE49-F238E27FC236}">
+                <a16:creationId xmlns:a16="http://schemas.microsoft.com/office/drawing/2014/main" id="{C204A655-9D52-4BD8-869C-A15927FD92C2}"/>
+              </a:ext>
+            </a:extLst>
+          </p:cNvPr>
+          <p:cNvSpPr>
+            <a:spLocks noGrp="1"/>
+          </p:cNvSpPr>
+          <p:nvPr>
+            <p:ph type="title"/>
+          </p:nvPr>
+        </p:nvSpPr>
+        <p:spPr/>
+        <p:txBody>
+          <a:bodyPr>
+            <a:normAutofit fontScale="90000"/>
+          </a:bodyPr>
+          <a:lstStyle/>
+          <a:p>
+            <a:r>
+              <a:rPr lang="en-US" altLang="zh-TW" dirty="0"/>
+              <a:t>Vue-</a:t>
+            </a:r>
+            <a:r>
+              <a:rPr lang="en-US" altLang="zh-TW" dirty="0" err="1"/>
+              <a:t>ruter</a:t>
+            </a:r>
+            <a:r>
+              <a:rPr lang="en-US" altLang="zh-TW" dirty="0"/>
+              <a:t>--</a:t>
+            </a:r>
+            <a:r>
+              <a:rPr lang="zh-TW" altLang="en-US" dirty="0"/>
+              <a:t>實作階段</a:t>
+            </a:r>
+          </a:p>
+        </p:txBody>
+      </p:sp>
+      <p:sp>
+        <p:nvSpPr>
+          <p:cNvPr id="4" name="文字版面配置區 3">
+            <a:extLst>
+              <a:ext uri="{FF2B5EF4-FFF2-40B4-BE49-F238E27FC236}">
+                <a16:creationId xmlns:a16="http://schemas.microsoft.com/office/drawing/2014/main" id="{1C424DE1-1D77-499D-9B0E-19E88042E069}"/>
+              </a:ext>
+            </a:extLst>
+          </p:cNvPr>
+          <p:cNvSpPr>
+            <a:spLocks noGrp="1"/>
+          </p:cNvSpPr>
+          <p:nvPr>
+            <p:ph type="body" sz="quarter" idx="11"/>
+          </p:nvPr>
+        </p:nvSpPr>
+        <p:spPr>
+          <a:xfrm>
+            <a:off x="1447981" y="4166513"/>
+            <a:ext cx="2790825" cy="323850"/>
+          </a:xfrm>
+        </p:spPr>
+        <p:txBody>
+          <a:bodyPr>
+            <a:normAutofit lnSpcReduction="10000"/>
+          </a:bodyPr>
+          <a:lstStyle/>
+          <a:p>
+            <a:r>
+              <a:rPr lang="en-US" altLang="zh-TW" dirty="0" err="1"/>
+              <a:t>DashboardView.vue</a:t>
+            </a:r>
+            <a:r>
+              <a:rPr lang="zh-TW" altLang="en-US" dirty="0"/>
+              <a:t>的</a:t>
+            </a:r>
+            <a:r>
+              <a:rPr lang="en-US" altLang="zh-TW" dirty="0"/>
+              <a:t>style</a:t>
+            </a:r>
+            <a:endParaRPr lang="zh-TW" altLang="en-US" dirty="0"/>
+          </a:p>
+        </p:txBody>
+      </p:sp>
+      <p:pic>
+        <p:nvPicPr>
+          <p:cNvPr id="6" name="圖片 5">
+            <a:extLst>
+              <a:ext uri="{FF2B5EF4-FFF2-40B4-BE49-F238E27FC236}">
+                <a16:creationId xmlns:a16="http://schemas.microsoft.com/office/drawing/2014/main" id="{BE75A9D6-30C6-474E-BDB7-A57C70389728}"/>
+              </a:ext>
+            </a:extLst>
+          </p:cNvPr>
+          <p:cNvPicPr>
+            <a:picLocks noChangeAspect="1"/>
+          </p:cNvPicPr>
+          <p:nvPr/>
+        </p:nvPicPr>
+        <p:blipFill>
+          <a:blip r:embed="rId2"/>
+          <a:stretch>
+            <a:fillRect/>
+          </a:stretch>
+        </p:blipFill>
+        <p:spPr>
+          <a:xfrm>
+            <a:off x="5359720" y="1129553"/>
+            <a:ext cx="4315954" cy="4911258"/>
+          </a:xfrm>
+          <a:prstGeom prst="rect">
+            <a:avLst/>
+          </a:prstGeom>
+        </p:spPr>
+      </p:pic>
+      <p:pic>
+        <p:nvPicPr>
+          <p:cNvPr id="8" name="圖片 7">
+            <a:extLst>
+              <a:ext uri="{FF2B5EF4-FFF2-40B4-BE49-F238E27FC236}">
+                <a16:creationId xmlns:a16="http://schemas.microsoft.com/office/drawing/2014/main" id="{5FA9E76F-8107-4F6D-9877-291C6430AED3}"/>
+              </a:ext>
+            </a:extLst>
+          </p:cNvPr>
+          <p:cNvPicPr>
+            <a:picLocks noChangeAspect="1"/>
+          </p:cNvPicPr>
+          <p:nvPr/>
+        </p:nvPicPr>
+        <p:blipFill>
+          <a:blip r:embed="rId3"/>
+          <a:stretch>
+            <a:fillRect/>
+          </a:stretch>
+        </p:blipFill>
+        <p:spPr>
+          <a:xfrm>
+            <a:off x="272863" y="1940171"/>
+            <a:ext cx="4988196" cy="2156700"/>
+          </a:xfrm>
+          <a:prstGeom prst="rect">
+            <a:avLst/>
+          </a:prstGeom>
+        </p:spPr>
+      </p:pic>
+      <p:sp>
+        <p:nvSpPr>
+          <p:cNvPr id="9" name="文字版面配置區 3">
+            <a:extLst>
+              <a:ext uri="{FF2B5EF4-FFF2-40B4-BE49-F238E27FC236}">
+                <a16:creationId xmlns:a16="http://schemas.microsoft.com/office/drawing/2014/main" id="{71987F50-0810-46D6-BFCF-75C95ED9D7FA}"/>
+              </a:ext>
+            </a:extLst>
+          </p:cNvPr>
+          <p:cNvSpPr txBox="1">
+            <a:spLocks/>
+          </p:cNvSpPr>
+          <p:nvPr/>
+        </p:nvSpPr>
+        <p:spPr>
+          <a:xfrm>
+            <a:off x="6122284" y="6080369"/>
+            <a:ext cx="2790825" cy="323850"/>
+          </a:xfrm>
+          <a:prstGeom prst="rect">
+            <a:avLst/>
+          </a:prstGeom>
+        </p:spPr>
+        <p:txBody>
+          <a:bodyPr vert="horz" lIns="91440" tIns="45720" rIns="91440" bIns="45720" rtlCol="0">
+            <a:normAutofit lnSpcReduction="10000"/>
+          </a:bodyPr>
+          <a:lstStyle>
+            <a:lvl1pPr marL="0" indent="0" algn="ctr" defTabSz="914400" rtl="0" eaLnBrk="1" latinLnBrk="0" hangingPunct="1">
+              <a:lnSpc>
+                <a:spcPct val="100000"/>
+              </a:lnSpc>
+              <a:spcBef>
+                <a:spcPts val="1000"/>
+              </a:spcBef>
+              <a:buFont typeface="Wingdings" panose="05000000000000000000" pitchFamily="2" charset="2"/>
+              <a:buNone/>
+              <a:defRPr sz="1600" kern="1200" baseline="0">
+                <a:solidFill>
+                  <a:schemeClr val="tx1"/>
+                </a:solidFill>
+                <a:latin typeface="Times New Roman" panose="02020603050405020304" pitchFamily="18" charset="0"/>
+                <a:ea typeface="標楷體" panose="03000509000000000000" pitchFamily="65" charset="-120"/>
+                <a:cs typeface="+mn-cs"/>
+              </a:defRPr>
+            </a:lvl1pPr>
+            <a:lvl2pPr marL="800100" indent="-342900" algn="l" defTabSz="914400" rtl="0" eaLnBrk="1" latinLnBrk="0" hangingPunct="1">
+              <a:lnSpc>
+                <a:spcPct val="100000"/>
+              </a:lnSpc>
+              <a:spcBef>
+                <a:spcPts val="500"/>
+              </a:spcBef>
+              <a:buFont typeface="Wingdings" panose="05000000000000000000" pitchFamily="2" charset="2"/>
+              <a:buChar char="v"/>
+              <a:defRPr sz="1800" kern="1200" baseline="0">
+                <a:solidFill>
+                  <a:schemeClr val="tx1"/>
+                </a:solidFill>
+                <a:latin typeface="Times New Roman" panose="02020603050405020304" pitchFamily="18" charset="0"/>
+                <a:ea typeface="標楷體" panose="03000509000000000000" pitchFamily="65" charset="-120"/>
+                <a:cs typeface="+mn-cs"/>
+              </a:defRPr>
+            </a:lvl2pPr>
+            <a:lvl3pPr marL="1143000" indent="-228600" algn="l" defTabSz="914400" rtl="0" eaLnBrk="1" latinLnBrk="0" hangingPunct="1">
+              <a:lnSpc>
+                <a:spcPct val="100000"/>
+              </a:lnSpc>
+              <a:spcBef>
+                <a:spcPts val="500"/>
+              </a:spcBef>
+              <a:buFont typeface="Wingdings" panose="05000000000000000000" pitchFamily="2" charset="2"/>
+              <a:buChar char="v"/>
+              <a:defRPr sz="1800" kern="1200" baseline="0">
+                <a:solidFill>
+                  <a:schemeClr val="tx1"/>
+                </a:solidFill>
+                <a:latin typeface="Times New Roman" panose="02020603050405020304" pitchFamily="18" charset="0"/>
+                <a:ea typeface="標楷體" panose="03000509000000000000" pitchFamily="65" charset="-120"/>
+                <a:cs typeface="+mn-cs"/>
+              </a:defRPr>
+            </a:lvl3pPr>
+            <a:lvl4pPr marL="1600200" indent="-228600" algn="l" defTabSz="914400" rtl="0" eaLnBrk="1" latinLnBrk="0" hangingPunct="1">
+              <a:lnSpc>
+                <a:spcPct val="90000"/>
+              </a:lnSpc>
+              <a:spcBef>
+                <a:spcPts val="500"/>
+              </a:spcBef>
+              <a:buFont typeface="Arial" panose="020B0604020202020204" pitchFamily="34" charset="0"/>
+              <a:buChar char="•"/>
+              <a:defRPr sz="1800" kern="1200" baseline="0">
+                <a:solidFill>
+                  <a:schemeClr val="tx1"/>
+                </a:solidFill>
+                <a:latin typeface="Times New Roman" panose="02020603050405020304" pitchFamily="18" charset="0"/>
+                <a:ea typeface="標楷體" panose="03000509000000000000" pitchFamily="65" charset="-120"/>
+                <a:cs typeface="+mn-cs"/>
+              </a:defRPr>
+            </a:lvl4pPr>
+            <a:lvl5pPr marL="2057400" indent="-228600" algn="l" defTabSz="914400" rtl="0" eaLnBrk="1" latinLnBrk="0" hangingPunct="1">
+              <a:lnSpc>
+                <a:spcPct val="90000"/>
+              </a:lnSpc>
+              <a:spcBef>
+                <a:spcPts val="500"/>
+              </a:spcBef>
+              <a:buFont typeface="Arial" panose="020B0604020202020204" pitchFamily="34" charset="0"/>
+              <a:buChar char="•"/>
+              <a:defRPr sz="1800" kern="1200" baseline="0">
+                <a:solidFill>
+                  <a:schemeClr val="tx1"/>
+                </a:solidFill>
+                <a:latin typeface="Times New Roman" panose="02020603050405020304" pitchFamily="18" charset="0"/>
+                <a:ea typeface="標楷體" panose="03000509000000000000" pitchFamily="65" charset="-120"/>
+                <a:cs typeface="+mn-cs"/>
+              </a:defRPr>
+            </a:lvl5pPr>
+            <a:lvl6pPr marL="2514600" indent="-228600" algn="l" defTabSz="914400" rtl="0" eaLnBrk="1" latinLnBrk="0" hangingPunct="1">
+              <a:lnSpc>
+                <a:spcPct val="90000"/>
+              </a:lnSpc>
+              <a:spcBef>
+                <a:spcPts val="500"/>
+              </a:spcBef>
+              <a:buFont typeface="Arial" panose="020B0604020202020204" pitchFamily="34" charset="0"/>
+              <a:buChar char="•"/>
+              <a:defRPr sz="1800" kern="1200">
+                <a:solidFill>
+                  <a:schemeClr val="tx1"/>
+                </a:solidFill>
+                <a:latin typeface="+mn-lt"/>
+                <a:ea typeface="+mn-ea"/>
+                <a:cs typeface="+mn-cs"/>
+              </a:defRPr>
+            </a:lvl6pPr>
+            <a:lvl7pPr marL="2971800" indent="-228600" algn="l" defTabSz="914400" rtl="0" eaLnBrk="1" latinLnBrk="0" hangingPunct="1">
+              <a:lnSpc>
+                <a:spcPct val="90000"/>
+              </a:lnSpc>
+              <a:spcBef>
+                <a:spcPts val="500"/>
+              </a:spcBef>
+              <a:buFont typeface="Arial" panose="020B0604020202020204" pitchFamily="34" charset="0"/>
+              <a:buChar char="•"/>
+              <a:defRPr sz="1800" kern="1200">
+                <a:solidFill>
+                  <a:schemeClr val="tx1"/>
+                </a:solidFill>
+                <a:latin typeface="+mn-lt"/>
+                <a:ea typeface="+mn-ea"/>
+                <a:cs typeface="+mn-cs"/>
+              </a:defRPr>
+            </a:lvl7pPr>
+            <a:lvl8pPr marL="3429000" indent="-228600" algn="l" defTabSz="914400" rtl="0" eaLnBrk="1" latinLnBrk="0" hangingPunct="1">
+              <a:lnSpc>
+                <a:spcPct val="90000"/>
+              </a:lnSpc>
+              <a:spcBef>
+                <a:spcPts val="500"/>
+              </a:spcBef>
+              <a:buFont typeface="Arial" panose="020B0604020202020204" pitchFamily="34" charset="0"/>
+              <a:buChar char="•"/>
+              <a:defRPr sz="1800" kern="1200">
+                <a:solidFill>
+                  <a:schemeClr val="tx1"/>
+                </a:solidFill>
+                <a:latin typeface="+mn-lt"/>
+                <a:ea typeface="+mn-ea"/>
+                <a:cs typeface="+mn-cs"/>
+              </a:defRPr>
+            </a:lvl8pPr>
+            <a:lvl9pPr marL="3886200" indent="-228600" algn="l" defTabSz="914400" rtl="0" eaLnBrk="1" latinLnBrk="0" hangingPunct="1">
+              <a:lnSpc>
+                <a:spcPct val="90000"/>
+              </a:lnSpc>
+              <a:spcBef>
+                <a:spcPts val="500"/>
+              </a:spcBef>
+              <a:buFont typeface="Arial" panose="020B0604020202020204" pitchFamily="34" charset="0"/>
+              <a:buChar char="•"/>
+              <a:defRPr sz="1800" kern="1200">
+                <a:solidFill>
+                  <a:schemeClr val="tx1"/>
+                </a:solidFill>
+                <a:latin typeface="+mn-lt"/>
+                <a:ea typeface="+mn-ea"/>
+                <a:cs typeface="+mn-cs"/>
+              </a:defRPr>
+            </a:lvl9pPr>
+          </a:lstStyle>
+          <a:p>
+            <a:r>
+              <a:rPr lang="en-US" altLang="zh-TW" dirty="0" err="1"/>
+              <a:t>DashboardView.vue</a:t>
+            </a:r>
+            <a:r>
+              <a:rPr lang="zh-TW" altLang="en-US" dirty="0"/>
+              <a:t>的</a:t>
+            </a:r>
+            <a:r>
+              <a:rPr lang="en-US" altLang="zh-TW" dirty="0"/>
+              <a:t>script</a:t>
+            </a:r>
+            <a:endParaRPr lang="zh-TW" altLang="en-US" dirty="0"/>
+          </a:p>
+        </p:txBody>
+      </p:sp>
+    </p:spTree>
+    <p:extLst>
+      <p:ext uri="{BB962C8B-B14F-4D97-AF65-F5344CB8AC3E}">
+        <p14:creationId xmlns:p14="http://schemas.microsoft.com/office/powerpoint/2010/main" val="3685627338"/>
       </p:ext>
     </p:extLst>
   </p:cSld>
